--- a/專題文件/四技第110403組-Dearfurkid_簡報.pptx
+++ b/專題文件/四技第110403組-Dearfurkid_簡報.pptx
@@ -5,7 +5,7 @@
     <p:sldMasterId id="2147483648" r:id="rId1"/>
   </p:sldMasterIdLst>
   <p:notesMasterIdLst>
-    <p:notesMasterId r:id="rId15"/>
+    <p:notesMasterId r:id="rId16"/>
   </p:notesMasterIdLst>
   <p:sldIdLst>
     <p:sldId id="258" r:id="rId2"/>
@@ -13,14 +13,15 @@
     <p:sldId id="265" r:id="rId4"/>
     <p:sldId id="268" r:id="rId5"/>
     <p:sldId id="278" r:id="rId6"/>
-    <p:sldId id="280" r:id="rId7"/>
-    <p:sldId id="281" r:id="rId8"/>
-    <p:sldId id="282" r:id="rId9"/>
-    <p:sldId id="283" r:id="rId10"/>
-    <p:sldId id="276" r:id="rId11"/>
-    <p:sldId id="261" r:id="rId12"/>
-    <p:sldId id="263" r:id="rId13"/>
-    <p:sldId id="269" r:id="rId14"/>
+    <p:sldId id="284" r:id="rId7"/>
+    <p:sldId id="280" r:id="rId8"/>
+    <p:sldId id="281" r:id="rId9"/>
+    <p:sldId id="282" r:id="rId10"/>
+    <p:sldId id="283" r:id="rId11"/>
+    <p:sldId id="276" r:id="rId12"/>
+    <p:sldId id="261" r:id="rId13"/>
+    <p:sldId id="263" r:id="rId14"/>
+    <p:sldId id="269" r:id="rId15"/>
   </p:sldIdLst>
   <p:sldSz cx="12192000" cy="6858000"/>
   <p:notesSz cx="6858000" cy="9144000"/>
@@ -138,6 +139,3514 @@
 </p:presentation>
 </file>
 
+<file path=ppt/diagrams/colors1.xml><?xml version="1.0" encoding="utf-8"?>
+<dgm:colorsDef xmlns:dgm="http://schemas.openxmlformats.org/drawingml/2006/diagram" xmlns:a="http://schemas.openxmlformats.org/drawingml/2006/main" uniqueId="urn:microsoft.com/office/officeart/2005/8/colors/accent1_2">
+  <dgm:title val=""/>
+  <dgm:desc val=""/>
+  <dgm:catLst>
+    <dgm:cat type="accent1" pri="11200"/>
+  </dgm:catLst>
+  <dgm:styleLbl name="node0">
+    <dgm:fillClrLst meth="repeat">
+      <a:schemeClr val="accent1"/>
+    </dgm:fillClrLst>
+    <dgm:linClrLst meth="repeat">
+      <a:schemeClr val="lt1"/>
+    </dgm:linClrLst>
+    <dgm:effectClrLst/>
+    <dgm:txLinClrLst/>
+    <dgm:txFillClrLst/>
+    <dgm:txEffectClrLst/>
+  </dgm:styleLbl>
+  <dgm:styleLbl name="alignNode1">
+    <dgm:fillClrLst meth="repeat">
+      <a:schemeClr val="accent1"/>
+    </dgm:fillClrLst>
+    <dgm:linClrLst meth="repeat">
+      <a:schemeClr val="accent1"/>
+    </dgm:linClrLst>
+    <dgm:effectClrLst/>
+    <dgm:txLinClrLst/>
+    <dgm:txFillClrLst/>
+    <dgm:txEffectClrLst/>
+  </dgm:styleLbl>
+  <dgm:styleLbl name="node1">
+    <dgm:fillClrLst meth="repeat">
+      <a:schemeClr val="accent1"/>
+    </dgm:fillClrLst>
+    <dgm:linClrLst meth="repeat">
+      <a:schemeClr val="lt1"/>
+    </dgm:linClrLst>
+    <dgm:effectClrLst/>
+    <dgm:txLinClrLst/>
+    <dgm:txFillClrLst/>
+    <dgm:txEffectClrLst/>
+  </dgm:styleLbl>
+  <dgm:styleLbl name="lnNode1">
+    <dgm:fillClrLst meth="repeat">
+      <a:schemeClr val="accent1"/>
+    </dgm:fillClrLst>
+    <dgm:linClrLst meth="repeat">
+      <a:schemeClr val="lt1"/>
+    </dgm:linClrLst>
+    <dgm:effectClrLst/>
+    <dgm:txLinClrLst/>
+    <dgm:txFillClrLst/>
+    <dgm:txEffectClrLst/>
+  </dgm:styleLbl>
+  <dgm:styleLbl name="vennNode1">
+    <dgm:fillClrLst meth="repeat">
+      <a:schemeClr val="accent1">
+        <a:alpha val="50000"/>
+      </a:schemeClr>
+    </dgm:fillClrLst>
+    <dgm:linClrLst meth="repeat">
+      <a:schemeClr val="lt1"/>
+    </dgm:linClrLst>
+    <dgm:effectClrLst/>
+    <dgm:txLinClrLst/>
+    <dgm:txFillClrLst/>
+    <dgm:txEffectClrLst/>
+  </dgm:styleLbl>
+  <dgm:styleLbl name="node2">
+    <dgm:fillClrLst meth="repeat">
+      <a:schemeClr val="accent1"/>
+    </dgm:fillClrLst>
+    <dgm:linClrLst meth="repeat">
+      <a:schemeClr val="lt1"/>
+    </dgm:linClrLst>
+    <dgm:effectClrLst/>
+    <dgm:txLinClrLst/>
+    <dgm:txFillClrLst/>
+    <dgm:txEffectClrLst/>
+  </dgm:styleLbl>
+  <dgm:styleLbl name="node3">
+    <dgm:fillClrLst meth="repeat">
+      <a:schemeClr val="accent1"/>
+    </dgm:fillClrLst>
+    <dgm:linClrLst meth="repeat">
+      <a:schemeClr val="lt1"/>
+    </dgm:linClrLst>
+    <dgm:effectClrLst/>
+    <dgm:txLinClrLst/>
+    <dgm:txFillClrLst/>
+    <dgm:txEffectClrLst/>
+  </dgm:styleLbl>
+  <dgm:styleLbl name="node4">
+    <dgm:fillClrLst meth="repeat">
+      <a:schemeClr val="accent1"/>
+    </dgm:fillClrLst>
+    <dgm:linClrLst meth="repeat">
+      <a:schemeClr val="lt1"/>
+    </dgm:linClrLst>
+    <dgm:effectClrLst/>
+    <dgm:txLinClrLst/>
+    <dgm:txFillClrLst/>
+    <dgm:txEffectClrLst/>
+  </dgm:styleLbl>
+  <dgm:styleLbl name="fgImgPlace1">
+    <dgm:fillClrLst meth="repeat">
+      <a:schemeClr val="accent1">
+        <a:tint val="50000"/>
+      </a:schemeClr>
+    </dgm:fillClrLst>
+    <dgm:linClrLst meth="repeat">
+      <a:schemeClr val="lt1"/>
+    </dgm:linClrLst>
+    <dgm:effectClrLst/>
+    <dgm:txLinClrLst/>
+    <dgm:txFillClrLst meth="repeat">
+      <a:schemeClr val="lt1"/>
+    </dgm:txFillClrLst>
+    <dgm:txEffectClrLst/>
+  </dgm:styleLbl>
+  <dgm:styleLbl name="alignImgPlace1">
+    <dgm:fillClrLst meth="repeat">
+      <a:schemeClr val="accent1">
+        <a:tint val="50000"/>
+      </a:schemeClr>
+    </dgm:fillClrLst>
+    <dgm:linClrLst meth="repeat">
+      <a:schemeClr val="lt1"/>
+    </dgm:linClrLst>
+    <dgm:effectClrLst/>
+    <dgm:txLinClrLst/>
+    <dgm:txFillClrLst meth="repeat">
+      <a:schemeClr val="lt1"/>
+    </dgm:txFillClrLst>
+    <dgm:txEffectClrLst/>
+  </dgm:styleLbl>
+  <dgm:styleLbl name="bgImgPlace1">
+    <dgm:fillClrLst meth="repeat">
+      <a:schemeClr val="accent1">
+        <a:tint val="50000"/>
+      </a:schemeClr>
+    </dgm:fillClrLst>
+    <dgm:linClrLst meth="repeat">
+      <a:schemeClr val="lt1"/>
+    </dgm:linClrLst>
+    <dgm:effectClrLst/>
+    <dgm:txLinClrLst/>
+    <dgm:txFillClrLst meth="repeat">
+      <a:schemeClr val="lt1"/>
+    </dgm:txFillClrLst>
+    <dgm:txEffectClrLst/>
+  </dgm:styleLbl>
+  <dgm:styleLbl name="sibTrans2D1">
+    <dgm:fillClrLst meth="repeat">
+      <a:schemeClr val="accent1">
+        <a:tint val="60000"/>
+      </a:schemeClr>
+    </dgm:fillClrLst>
+    <dgm:linClrLst meth="repeat">
+      <a:schemeClr val="accent1">
+        <a:tint val="60000"/>
+      </a:schemeClr>
+    </dgm:linClrLst>
+    <dgm:effectClrLst/>
+    <dgm:txLinClrLst/>
+    <dgm:txFillClrLst/>
+    <dgm:txEffectClrLst/>
+  </dgm:styleLbl>
+  <dgm:styleLbl name="fgSibTrans2D1">
+    <dgm:fillClrLst meth="repeat">
+      <a:schemeClr val="accent1">
+        <a:tint val="60000"/>
+      </a:schemeClr>
+    </dgm:fillClrLst>
+    <dgm:linClrLst meth="repeat">
+      <a:schemeClr val="accent1">
+        <a:tint val="60000"/>
+      </a:schemeClr>
+    </dgm:linClrLst>
+    <dgm:effectClrLst/>
+    <dgm:txLinClrLst/>
+    <dgm:txFillClrLst/>
+    <dgm:txEffectClrLst/>
+  </dgm:styleLbl>
+  <dgm:styleLbl name="bgSibTrans2D1">
+    <dgm:fillClrLst meth="repeat">
+      <a:schemeClr val="accent1">
+        <a:tint val="60000"/>
+      </a:schemeClr>
+    </dgm:fillClrLst>
+    <dgm:linClrLst meth="repeat">
+      <a:schemeClr val="accent1">
+        <a:tint val="60000"/>
+      </a:schemeClr>
+    </dgm:linClrLst>
+    <dgm:effectClrLst/>
+    <dgm:txLinClrLst/>
+    <dgm:txFillClrLst/>
+    <dgm:txEffectClrLst/>
+  </dgm:styleLbl>
+  <dgm:styleLbl name="sibTrans1D1">
+    <dgm:fillClrLst meth="repeat">
+      <a:schemeClr val="accent1"/>
+    </dgm:fillClrLst>
+    <dgm:linClrLst meth="repeat">
+      <a:schemeClr val="accent1"/>
+    </dgm:linClrLst>
+    <dgm:effectClrLst/>
+    <dgm:txLinClrLst/>
+    <dgm:txFillClrLst meth="repeat">
+      <a:schemeClr val="tx1"/>
+    </dgm:txFillClrLst>
+    <dgm:txEffectClrLst/>
+  </dgm:styleLbl>
+  <dgm:styleLbl name="callout">
+    <dgm:fillClrLst meth="repeat">
+      <a:schemeClr val="accent1"/>
+    </dgm:fillClrLst>
+    <dgm:linClrLst meth="repeat">
+      <a:schemeClr val="accent1">
+        <a:tint val="50000"/>
+      </a:schemeClr>
+    </dgm:linClrLst>
+    <dgm:effectClrLst/>
+    <dgm:txLinClrLst/>
+    <dgm:txFillClrLst meth="repeat">
+      <a:schemeClr val="tx1"/>
+    </dgm:txFillClrLst>
+    <dgm:txEffectClrLst/>
+  </dgm:styleLbl>
+  <dgm:styleLbl name="asst0">
+    <dgm:fillClrLst meth="repeat">
+      <a:schemeClr val="accent1"/>
+    </dgm:fillClrLst>
+    <dgm:linClrLst meth="repeat">
+      <a:schemeClr val="lt1"/>
+    </dgm:linClrLst>
+    <dgm:effectClrLst/>
+    <dgm:txLinClrLst/>
+    <dgm:txFillClrLst/>
+    <dgm:txEffectClrLst/>
+  </dgm:styleLbl>
+  <dgm:styleLbl name="asst1">
+    <dgm:fillClrLst meth="repeat">
+      <a:schemeClr val="accent1"/>
+    </dgm:fillClrLst>
+    <dgm:linClrLst meth="repeat">
+      <a:schemeClr val="lt1"/>
+    </dgm:linClrLst>
+    <dgm:effectClrLst/>
+    <dgm:txLinClrLst/>
+    <dgm:txFillClrLst/>
+    <dgm:txEffectClrLst/>
+  </dgm:styleLbl>
+  <dgm:styleLbl name="asst2">
+    <dgm:fillClrLst meth="repeat">
+      <a:schemeClr val="accent1"/>
+    </dgm:fillClrLst>
+    <dgm:linClrLst meth="repeat">
+      <a:schemeClr val="lt1"/>
+    </dgm:linClrLst>
+    <dgm:effectClrLst/>
+    <dgm:txLinClrLst/>
+    <dgm:txFillClrLst/>
+    <dgm:txEffectClrLst/>
+  </dgm:styleLbl>
+  <dgm:styleLbl name="asst3">
+    <dgm:fillClrLst meth="repeat">
+      <a:schemeClr val="accent1"/>
+    </dgm:fillClrLst>
+    <dgm:linClrLst meth="repeat">
+      <a:schemeClr val="lt1"/>
+    </dgm:linClrLst>
+    <dgm:effectClrLst/>
+    <dgm:txLinClrLst/>
+    <dgm:txFillClrLst/>
+    <dgm:txEffectClrLst/>
+  </dgm:styleLbl>
+  <dgm:styleLbl name="asst4">
+    <dgm:fillClrLst meth="repeat">
+      <a:schemeClr val="accent1"/>
+    </dgm:fillClrLst>
+    <dgm:linClrLst meth="repeat">
+      <a:schemeClr val="lt1"/>
+    </dgm:linClrLst>
+    <dgm:effectClrLst/>
+    <dgm:txLinClrLst/>
+    <dgm:txFillClrLst/>
+    <dgm:txEffectClrLst/>
+  </dgm:styleLbl>
+  <dgm:styleLbl name="parChTrans2D1">
+    <dgm:fillClrLst meth="repeat">
+      <a:schemeClr val="accent1">
+        <a:tint val="60000"/>
+      </a:schemeClr>
+    </dgm:fillClrLst>
+    <dgm:linClrLst meth="repeat">
+      <a:schemeClr val="accent1">
+        <a:tint val="60000"/>
+      </a:schemeClr>
+    </dgm:linClrLst>
+    <dgm:effectClrLst/>
+    <dgm:txLinClrLst/>
+    <dgm:txFillClrLst meth="repeat">
+      <a:schemeClr val="lt1"/>
+    </dgm:txFillClrLst>
+    <dgm:txEffectClrLst/>
+  </dgm:styleLbl>
+  <dgm:styleLbl name="parChTrans2D2">
+    <dgm:fillClrLst meth="repeat">
+      <a:schemeClr val="accent1"/>
+    </dgm:fillClrLst>
+    <dgm:linClrLst meth="repeat">
+      <a:schemeClr val="accent1"/>
+    </dgm:linClrLst>
+    <dgm:effectClrLst/>
+    <dgm:txLinClrLst/>
+    <dgm:txFillClrLst meth="repeat">
+      <a:schemeClr val="lt1"/>
+    </dgm:txFillClrLst>
+    <dgm:txEffectClrLst/>
+  </dgm:styleLbl>
+  <dgm:styleLbl name="parChTrans2D3">
+    <dgm:fillClrLst meth="repeat">
+      <a:schemeClr val="accent1"/>
+    </dgm:fillClrLst>
+    <dgm:linClrLst meth="repeat">
+      <a:schemeClr val="accent1"/>
+    </dgm:linClrLst>
+    <dgm:effectClrLst/>
+    <dgm:txLinClrLst/>
+    <dgm:txFillClrLst meth="repeat">
+      <a:schemeClr val="lt1"/>
+    </dgm:txFillClrLst>
+    <dgm:txEffectClrLst/>
+  </dgm:styleLbl>
+  <dgm:styleLbl name="parChTrans2D4">
+    <dgm:fillClrLst meth="repeat">
+      <a:schemeClr val="accent1"/>
+    </dgm:fillClrLst>
+    <dgm:linClrLst meth="repeat">
+      <a:schemeClr val="accent1"/>
+    </dgm:linClrLst>
+    <dgm:effectClrLst/>
+    <dgm:txLinClrLst/>
+    <dgm:txFillClrLst meth="repeat">
+      <a:schemeClr val="lt1"/>
+    </dgm:txFillClrLst>
+    <dgm:txEffectClrLst/>
+  </dgm:styleLbl>
+  <dgm:styleLbl name="parChTrans1D1">
+    <dgm:fillClrLst meth="repeat">
+      <a:schemeClr val="accent1"/>
+    </dgm:fillClrLst>
+    <dgm:linClrLst meth="repeat">
+      <a:schemeClr val="accent1">
+        <a:shade val="60000"/>
+      </a:schemeClr>
+    </dgm:linClrLst>
+    <dgm:effectClrLst/>
+    <dgm:txLinClrLst/>
+    <dgm:txFillClrLst meth="repeat">
+      <a:schemeClr val="tx1"/>
+    </dgm:txFillClrLst>
+    <dgm:txEffectClrLst/>
+  </dgm:styleLbl>
+  <dgm:styleLbl name="parChTrans1D2">
+    <dgm:fillClrLst meth="repeat">
+      <a:schemeClr val="accent1"/>
+    </dgm:fillClrLst>
+    <dgm:linClrLst meth="repeat">
+      <a:schemeClr val="accent1">
+        <a:shade val="60000"/>
+      </a:schemeClr>
+    </dgm:linClrLst>
+    <dgm:effectClrLst/>
+    <dgm:txLinClrLst/>
+    <dgm:txFillClrLst meth="repeat">
+      <a:schemeClr val="tx1"/>
+    </dgm:txFillClrLst>
+    <dgm:txEffectClrLst/>
+  </dgm:styleLbl>
+  <dgm:styleLbl name="parChTrans1D3">
+    <dgm:fillClrLst meth="repeat">
+      <a:schemeClr val="accent1"/>
+    </dgm:fillClrLst>
+    <dgm:linClrLst meth="repeat">
+      <a:schemeClr val="accent1">
+        <a:shade val="80000"/>
+      </a:schemeClr>
+    </dgm:linClrLst>
+    <dgm:effectClrLst/>
+    <dgm:txLinClrLst/>
+    <dgm:txFillClrLst meth="repeat">
+      <a:schemeClr val="tx1"/>
+    </dgm:txFillClrLst>
+    <dgm:txEffectClrLst/>
+  </dgm:styleLbl>
+  <dgm:styleLbl name="parChTrans1D4">
+    <dgm:fillClrLst meth="repeat">
+      <a:schemeClr val="accent1"/>
+    </dgm:fillClrLst>
+    <dgm:linClrLst meth="repeat">
+      <a:schemeClr val="accent1">
+        <a:shade val="80000"/>
+      </a:schemeClr>
+    </dgm:linClrLst>
+    <dgm:effectClrLst/>
+    <dgm:txLinClrLst/>
+    <dgm:txFillClrLst meth="repeat">
+      <a:schemeClr val="tx1"/>
+    </dgm:txFillClrLst>
+    <dgm:txEffectClrLst/>
+  </dgm:styleLbl>
+  <dgm:styleLbl name="fgAcc1">
+    <dgm:fillClrLst meth="repeat">
+      <a:schemeClr val="lt1">
+        <a:alpha val="90000"/>
+      </a:schemeClr>
+    </dgm:fillClrLst>
+    <dgm:linClrLst meth="repeat">
+      <a:schemeClr val="accent1"/>
+    </dgm:linClrLst>
+    <dgm:effectClrLst/>
+    <dgm:txLinClrLst/>
+    <dgm:txFillClrLst meth="repeat">
+      <a:schemeClr val="dk1"/>
+    </dgm:txFillClrLst>
+    <dgm:txEffectClrLst/>
+  </dgm:styleLbl>
+  <dgm:styleLbl name="conFgAcc1">
+    <dgm:fillClrLst meth="repeat">
+      <a:schemeClr val="lt1">
+        <a:alpha val="90000"/>
+      </a:schemeClr>
+    </dgm:fillClrLst>
+    <dgm:linClrLst meth="repeat">
+      <a:schemeClr val="accent1"/>
+    </dgm:linClrLst>
+    <dgm:effectClrLst/>
+    <dgm:txLinClrLst/>
+    <dgm:txFillClrLst meth="repeat">
+      <a:schemeClr val="dk1"/>
+    </dgm:txFillClrLst>
+    <dgm:txEffectClrLst/>
+  </dgm:styleLbl>
+  <dgm:styleLbl name="alignAcc1">
+    <dgm:fillClrLst meth="repeat">
+      <a:schemeClr val="lt1">
+        <a:alpha val="90000"/>
+      </a:schemeClr>
+    </dgm:fillClrLst>
+    <dgm:linClrLst meth="repeat">
+      <a:schemeClr val="accent1"/>
+    </dgm:linClrLst>
+    <dgm:effectClrLst/>
+    <dgm:txLinClrLst/>
+    <dgm:txFillClrLst meth="repeat">
+      <a:schemeClr val="dk1"/>
+    </dgm:txFillClrLst>
+    <dgm:txEffectClrLst/>
+  </dgm:styleLbl>
+  <dgm:styleLbl name="trAlignAcc1">
+    <dgm:fillClrLst meth="repeat">
+      <a:schemeClr val="lt1">
+        <a:alpha val="40000"/>
+      </a:schemeClr>
+    </dgm:fillClrLst>
+    <dgm:linClrLst meth="repeat">
+      <a:schemeClr val="accent1"/>
+    </dgm:linClrLst>
+    <dgm:effectClrLst/>
+    <dgm:txLinClrLst/>
+    <dgm:txFillClrLst meth="repeat">
+      <a:schemeClr val="dk1"/>
+    </dgm:txFillClrLst>
+    <dgm:txEffectClrLst/>
+  </dgm:styleLbl>
+  <dgm:styleLbl name="bgAcc1">
+    <dgm:fillClrLst meth="repeat">
+      <a:schemeClr val="lt1">
+        <a:alpha val="90000"/>
+      </a:schemeClr>
+    </dgm:fillClrLst>
+    <dgm:linClrLst meth="repeat">
+      <a:schemeClr val="accent1"/>
+    </dgm:linClrLst>
+    <dgm:effectClrLst/>
+    <dgm:txLinClrLst/>
+    <dgm:txFillClrLst meth="repeat">
+      <a:schemeClr val="dk1"/>
+    </dgm:txFillClrLst>
+    <dgm:txEffectClrLst/>
+  </dgm:styleLbl>
+  <dgm:styleLbl name="solidFgAcc1">
+    <dgm:fillClrLst meth="repeat">
+      <a:schemeClr val="lt1"/>
+    </dgm:fillClrLst>
+    <dgm:linClrLst meth="repeat">
+      <a:schemeClr val="accent1"/>
+    </dgm:linClrLst>
+    <dgm:effectClrLst/>
+    <dgm:txLinClrLst/>
+    <dgm:txFillClrLst meth="repeat">
+      <a:schemeClr val="dk1"/>
+    </dgm:txFillClrLst>
+    <dgm:txEffectClrLst/>
+  </dgm:styleLbl>
+  <dgm:styleLbl name="solidAlignAcc1">
+    <dgm:fillClrLst meth="repeat">
+      <a:schemeClr val="lt1"/>
+    </dgm:fillClrLst>
+    <dgm:linClrLst meth="repeat">
+      <a:schemeClr val="accent1"/>
+    </dgm:linClrLst>
+    <dgm:effectClrLst/>
+    <dgm:txLinClrLst/>
+    <dgm:txFillClrLst meth="repeat">
+      <a:schemeClr val="dk1"/>
+    </dgm:txFillClrLst>
+    <dgm:txEffectClrLst/>
+  </dgm:styleLbl>
+  <dgm:styleLbl name="solidBgAcc1">
+    <dgm:fillClrLst meth="repeat">
+      <a:schemeClr val="lt1"/>
+    </dgm:fillClrLst>
+    <dgm:linClrLst meth="repeat">
+      <a:schemeClr val="accent1"/>
+    </dgm:linClrLst>
+    <dgm:effectClrLst/>
+    <dgm:txLinClrLst/>
+    <dgm:txFillClrLst meth="repeat">
+      <a:schemeClr val="dk1"/>
+    </dgm:txFillClrLst>
+    <dgm:txEffectClrLst/>
+  </dgm:styleLbl>
+  <dgm:styleLbl name="fgAccFollowNode1">
+    <dgm:fillClrLst meth="repeat">
+      <a:schemeClr val="accent1">
+        <a:alpha val="90000"/>
+        <a:tint val="40000"/>
+      </a:schemeClr>
+    </dgm:fillClrLst>
+    <dgm:linClrLst meth="repeat">
+      <a:schemeClr val="accent1">
+        <a:alpha val="90000"/>
+        <a:tint val="40000"/>
+      </a:schemeClr>
+    </dgm:linClrLst>
+    <dgm:effectClrLst/>
+    <dgm:txLinClrLst/>
+    <dgm:txFillClrLst meth="repeat">
+      <a:schemeClr val="dk1"/>
+    </dgm:txFillClrLst>
+    <dgm:txEffectClrLst/>
+  </dgm:styleLbl>
+  <dgm:styleLbl name="alignAccFollowNode1">
+    <dgm:fillClrLst meth="repeat">
+      <a:schemeClr val="accent1">
+        <a:alpha val="90000"/>
+        <a:tint val="40000"/>
+      </a:schemeClr>
+    </dgm:fillClrLst>
+    <dgm:linClrLst meth="repeat">
+      <a:schemeClr val="accent1">
+        <a:alpha val="90000"/>
+        <a:tint val="40000"/>
+      </a:schemeClr>
+    </dgm:linClrLst>
+    <dgm:effectClrLst/>
+    <dgm:txLinClrLst/>
+    <dgm:txFillClrLst meth="repeat">
+      <a:schemeClr val="dk1"/>
+    </dgm:txFillClrLst>
+    <dgm:txEffectClrLst/>
+  </dgm:styleLbl>
+  <dgm:styleLbl name="bgAccFollowNode1">
+    <dgm:fillClrLst meth="repeat">
+      <a:schemeClr val="accent1">
+        <a:alpha val="90000"/>
+        <a:tint val="40000"/>
+      </a:schemeClr>
+    </dgm:fillClrLst>
+    <dgm:linClrLst meth="repeat">
+      <a:schemeClr val="accent1">
+        <a:alpha val="90000"/>
+        <a:tint val="40000"/>
+      </a:schemeClr>
+    </dgm:linClrLst>
+    <dgm:effectClrLst/>
+    <dgm:txLinClrLst/>
+    <dgm:txFillClrLst meth="repeat">
+      <a:schemeClr val="dk1"/>
+    </dgm:txFillClrLst>
+    <dgm:txEffectClrLst/>
+  </dgm:styleLbl>
+  <dgm:styleLbl name="fgAcc0">
+    <dgm:fillClrLst meth="repeat">
+      <a:schemeClr val="lt1">
+        <a:alpha val="90000"/>
+      </a:schemeClr>
+    </dgm:fillClrLst>
+    <dgm:linClrLst meth="repeat">
+      <a:schemeClr val="accent1"/>
+    </dgm:linClrLst>
+    <dgm:effectClrLst/>
+    <dgm:txLinClrLst/>
+    <dgm:txFillClrLst meth="repeat">
+      <a:schemeClr val="dk1"/>
+    </dgm:txFillClrLst>
+    <dgm:txEffectClrLst/>
+  </dgm:styleLbl>
+  <dgm:styleLbl name="fgAcc2">
+    <dgm:fillClrLst meth="repeat">
+      <a:schemeClr val="lt1">
+        <a:alpha val="90000"/>
+      </a:schemeClr>
+    </dgm:fillClrLst>
+    <dgm:linClrLst meth="repeat">
+      <a:schemeClr val="accent1"/>
+    </dgm:linClrLst>
+    <dgm:effectClrLst/>
+    <dgm:txLinClrLst/>
+    <dgm:txFillClrLst meth="repeat">
+      <a:schemeClr val="dk1"/>
+    </dgm:txFillClrLst>
+    <dgm:txEffectClrLst/>
+  </dgm:styleLbl>
+  <dgm:styleLbl name="fgAcc3">
+    <dgm:fillClrLst meth="repeat">
+      <a:schemeClr val="lt1">
+        <a:alpha val="90000"/>
+      </a:schemeClr>
+    </dgm:fillClrLst>
+    <dgm:linClrLst meth="repeat">
+      <a:schemeClr val="accent1"/>
+    </dgm:linClrLst>
+    <dgm:effectClrLst/>
+    <dgm:txLinClrLst/>
+    <dgm:txFillClrLst meth="repeat">
+      <a:schemeClr val="dk1"/>
+    </dgm:txFillClrLst>
+    <dgm:txEffectClrLst/>
+  </dgm:styleLbl>
+  <dgm:styleLbl name="fgAcc4">
+    <dgm:fillClrLst meth="repeat">
+      <a:schemeClr val="lt1">
+        <a:alpha val="90000"/>
+      </a:schemeClr>
+    </dgm:fillClrLst>
+    <dgm:linClrLst meth="repeat">
+      <a:schemeClr val="accent1"/>
+    </dgm:linClrLst>
+    <dgm:effectClrLst/>
+    <dgm:txLinClrLst/>
+    <dgm:txFillClrLst meth="repeat">
+      <a:schemeClr val="dk1"/>
+    </dgm:txFillClrLst>
+    <dgm:txEffectClrLst/>
+  </dgm:styleLbl>
+  <dgm:styleLbl name="bgShp">
+    <dgm:fillClrLst meth="repeat">
+      <a:schemeClr val="accent1">
+        <a:tint val="40000"/>
+      </a:schemeClr>
+    </dgm:fillClrLst>
+    <dgm:linClrLst meth="repeat">
+      <a:schemeClr val="accent1"/>
+    </dgm:linClrLst>
+    <dgm:effectClrLst/>
+    <dgm:txLinClrLst/>
+    <dgm:txFillClrLst meth="repeat">
+      <a:schemeClr val="dk1"/>
+    </dgm:txFillClrLst>
+    <dgm:txEffectClrLst/>
+  </dgm:styleLbl>
+  <dgm:styleLbl name="dkBgShp">
+    <dgm:fillClrLst meth="repeat">
+      <a:schemeClr val="accent1">
+        <a:shade val="80000"/>
+      </a:schemeClr>
+    </dgm:fillClrLst>
+    <dgm:linClrLst meth="repeat">
+      <a:schemeClr val="accent1"/>
+    </dgm:linClrLst>
+    <dgm:effectClrLst/>
+    <dgm:txLinClrLst/>
+    <dgm:txFillClrLst meth="repeat">
+      <a:schemeClr val="lt1"/>
+    </dgm:txFillClrLst>
+    <dgm:txEffectClrLst/>
+  </dgm:styleLbl>
+  <dgm:styleLbl name="trBgShp">
+    <dgm:fillClrLst meth="repeat">
+      <a:schemeClr val="accent1">
+        <a:tint val="50000"/>
+        <a:alpha val="40000"/>
+      </a:schemeClr>
+    </dgm:fillClrLst>
+    <dgm:linClrLst meth="repeat">
+      <a:schemeClr val="accent1"/>
+    </dgm:linClrLst>
+    <dgm:effectClrLst/>
+    <dgm:txLinClrLst/>
+    <dgm:txFillClrLst meth="repeat">
+      <a:schemeClr val="lt1"/>
+    </dgm:txFillClrLst>
+    <dgm:txEffectClrLst/>
+  </dgm:styleLbl>
+  <dgm:styleLbl name="fgShp">
+    <dgm:fillClrLst meth="repeat">
+      <a:schemeClr val="accent1">
+        <a:tint val="60000"/>
+      </a:schemeClr>
+    </dgm:fillClrLst>
+    <dgm:linClrLst meth="repeat">
+      <a:schemeClr val="lt1"/>
+    </dgm:linClrLst>
+    <dgm:effectClrLst/>
+    <dgm:txLinClrLst/>
+    <dgm:txFillClrLst meth="repeat">
+      <a:schemeClr val="dk1"/>
+    </dgm:txFillClrLst>
+    <dgm:txEffectClrLst/>
+  </dgm:styleLbl>
+  <dgm:styleLbl name="revTx">
+    <dgm:fillClrLst meth="repeat">
+      <a:schemeClr val="lt1">
+        <a:alpha val="0"/>
+      </a:schemeClr>
+    </dgm:fillClrLst>
+    <dgm:linClrLst meth="repeat">
+      <a:schemeClr val="dk1">
+        <a:alpha val="0"/>
+      </a:schemeClr>
+    </dgm:linClrLst>
+    <dgm:effectClrLst/>
+    <dgm:txLinClrLst/>
+    <dgm:txFillClrLst meth="repeat">
+      <a:schemeClr val="tx1"/>
+    </dgm:txFillClrLst>
+    <dgm:txEffectClrLst/>
+  </dgm:styleLbl>
+</dgm:colorsDef>
+</file>
+
+<file path=ppt/diagrams/data1.xml><?xml version="1.0" encoding="utf-8"?>
+<dgm:dataModel xmlns:dgm="http://schemas.openxmlformats.org/drawingml/2006/diagram" xmlns:a="http://schemas.openxmlformats.org/drawingml/2006/main">
+  <dgm:ptLst>
+    <dgm:pt modelId="{B9026EB0-E89F-48B6-8C8D-93A9379C9B15}" type="doc">
+      <dgm:prSet loTypeId="urn:microsoft.com/office/officeart/2008/layout/HorizontalMultiLevelHierarchy" loCatId="hierarchy" qsTypeId="urn:microsoft.com/office/officeart/2005/8/quickstyle/simple1" qsCatId="simple" csTypeId="urn:microsoft.com/office/officeart/2005/8/colors/accent1_2" csCatId="accent1" phldr="1"/>
+      <dgm:spPr/>
+      <dgm:t>
+        <a:bodyPr/>
+        <a:lstStyle/>
+        <a:p>
+          <a:endParaRPr lang="zh-TW" altLang="en-US"/>
+        </a:p>
+      </dgm:t>
+    </dgm:pt>
+    <dgm:pt modelId="{4BFA3C2D-03C6-428F-88B6-23C8C8941D15}">
+      <dgm:prSet phldrT="[文字]" custT="1">
+        <dgm:style>
+          <a:lnRef idx="2">
+            <a:schemeClr val="dk1"/>
+          </a:lnRef>
+          <a:fillRef idx="1">
+            <a:schemeClr val="lt1"/>
+          </a:fillRef>
+          <a:effectRef idx="0">
+            <a:schemeClr val="dk1"/>
+          </a:effectRef>
+          <a:fontRef idx="minor">
+            <a:schemeClr val="dk1"/>
+          </a:fontRef>
+        </dgm:style>
+      </dgm:prSet>
+      <dgm:spPr>
+        <a:noFill/>
+      </dgm:spPr>
+      <dgm:t>
+        <a:bodyPr/>
+        <a:lstStyle/>
+        <a:p>
+          <a:r>
+            <a:rPr lang="zh-TW" altLang="en-US" sz="3600" b="1" kern="1200" dirty="0" smtClean="0">
+              <a:solidFill>
+                <a:schemeClr val="tx1">
+                  <a:lumMod val="85000"/>
+                  <a:lumOff val="15000"/>
+                </a:schemeClr>
+              </a:solidFill>
+              <a:latin typeface="造字工房悦黑（非商用）纤细体" pitchFamily="50" charset="-122"/>
+              <a:ea typeface="造字工房悦黑（非商用）纤细体" pitchFamily="50" charset="-122"/>
+              <a:cs typeface="+mn-cs"/>
+            </a:rPr>
+            <a:t>首頁</a:t>
+          </a:r>
+          <a:endParaRPr lang="zh-TW" altLang="en-US" sz="3600" b="1" kern="1200" dirty="0">
+            <a:solidFill>
+              <a:schemeClr val="tx1">
+                <a:lumMod val="85000"/>
+                <a:lumOff val="15000"/>
+              </a:schemeClr>
+            </a:solidFill>
+            <a:latin typeface="造字工房悦黑（非商用）纤细体" pitchFamily="50" charset="-122"/>
+            <a:ea typeface="造字工房悦黑（非商用）纤细体" pitchFamily="50" charset="-122"/>
+            <a:cs typeface="+mn-cs"/>
+          </a:endParaRPr>
+        </a:p>
+      </dgm:t>
+    </dgm:pt>
+    <dgm:pt modelId="{30A93DA7-FF6E-4729-94A8-40842A7E143A}" type="parTrans" cxnId="{AFE7046B-A12E-44BA-82A6-448C4A78D048}">
+      <dgm:prSet/>
+      <dgm:spPr/>
+      <dgm:t>
+        <a:bodyPr/>
+        <a:lstStyle/>
+        <a:p>
+          <a:endParaRPr lang="zh-TW" altLang="en-US"/>
+        </a:p>
+      </dgm:t>
+    </dgm:pt>
+    <dgm:pt modelId="{61B58FBA-35CC-4A4A-9564-42C1B5AB684D}" type="sibTrans" cxnId="{AFE7046B-A12E-44BA-82A6-448C4A78D048}">
+      <dgm:prSet/>
+      <dgm:spPr/>
+      <dgm:t>
+        <a:bodyPr/>
+        <a:lstStyle/>
+        <a:p>
+          <a:endParaRPr lang="zh-TW" altLang="en-US"/>
+        </a:p>
+      </dgm:t>
+    </dgm:pt>
+    <dgm:pt modelId="{236BCE8C-F140-4D02-9A3B-290C72A80A68}">
+      <dgm:prSet phldrT="[文字]" custT="1">
+        <dgm:style>
+          <a:lnRef idx="2">
+            <a:schemeClr val="dk1"/>
+          </a:lnRef>
+          <a:fillRef idx="1">
+            <a:schemeClr val="lt1"/>
+          </a:fillRef>
+          <a:effectRef idx="0">
+            <a:schemeClr val="dk1"/>
+          </a:effectRef>
+          <a:fontRef idx="minor">
+            <a:schemeClr val="dk1"/>
+          </a:fontRef>
+        </dgm:style>
+      </dgm:prSet>
+      <dgm:spPr>
+        <a:noFill/>
+      </dgm:spPr>
+      <dgm:t>
+        <a:bodyPr/>
+        <a:lstStyle/>
+        <a:p>
+          <a:pPr marL="0" algn="ctr" defTabSz="914400" rtl="0" eaLnBrk="1" latinLnBrk="0" hangingPunct="1"/>
+          <a:r>
+            <a:rPr lang="zh-TW" altLang="en-US" sz="3600" b="1" kern="1200" dirty="0" smtClean="0">
+              <a:solidFill>
+                <a:schemeClr val="tx1">
+                  <a:lumMod val="85000"/>
+                  <a:lumOff val="15000"/>
+                </a:schemeClr>
+              </a:solidFill>
+              <a:latin typeface="造字工房悦黑（非商用）纤细体" pitchFamily="50" charset="-122"/>
+              <a:ea typeface="造字工房悦黑（非商用）纤细体" pitchFamily="50" charset="-122"/>
+              <a:cs typeface="+mn-cs"/>
+            </a:rPr>
+            <a:t>個人資訊</a:t>
+          </a:r>
+          <a:endParaRPr lang="zh-TW" altLang="en-US" sz="3600" b="1" kern="1200" dirty="0">
+            <a:solidFill>
+              <a:schemeClr val="tx1">
+                <a:lumMod val="85000"/>
+                <a:lumOff val="15000"/>
+              </a:schemeClr>
+            </a:solidFill>
+            <a:latin typeface="造字工房悦黑（非商用）纤细体" pitchFamily="50" charset="-122"/>
+            <a:ea typeface="造字工房悦黑（非商用）纤细体" pitchFamily="50" charset="-122"/>
+            <a:cs typeface="+mn-cs"/>
+          </a:endParaRPr>
+        </a:p>
+      </dgm:t>
+    </dgm:pt>
+    <dgm:pt modelId="{61389E4D-4E25-4730-BCDB-08DEB60CA4B3}" type="parTrans" cxnId="{8003014D-40F5-4792-8AC1-05C54072FFBE}">
+      <dgm:prSet>
+        <dgm:style>
+          <a:lnRef idx="1">
+            <a:schemeClr val="dk1"/>
+          </a:lnRef>
+          <a:fillRef idx="0">
+            <a:schemeClr val="dk1"/>
+          </a:fillRef>
+          <a:effectRef idx="0">
+            <a:schemeClr val="dk1"/>
+          </a:effectRef>
+          <a:fontRef idx="minor">
+            <a:schemeClr val="tx1"/>
+          </a:fontRef>
+        </dgm:style>
+      </dgm:prSet>
+      <dgm:spPr/>
+      <dgm:t>
+        <a:bodyPr/>
+        <a:lstStyle/>
+        <a:p>
+          <a:endParaRPr lang="zh-TW" altLang="en-US"/>
+        </a:p>
+      </dgm:t>
+    </dgm:pt>
+    <dgm:pt modelId="{1F778DD9-D510-48BA-811F-1EC2FE9D1779}" type="sibTrans" cxnId="{8003014D-40F5-4792-8AC1-05C54072FFBE}">
+      <dgm:prSet/>
+      <dgm:spPr/>
+      <dgm:t>
+        <a:bodyPr/>
+        <a:lstStyle/>
+        <a:p>
+          <a:endParaRPr lang="zh-TW" altLang="en-US"/>
+        </a:p>
+      </dgm:t>
+    </dgm:pt>
+    <dgm:pt modelId="{88476E87-CBE9-4BF1-9628-461BC7FA8BD8}">
+      <dgm:prSet phldrT="[文字]" custT="1">
+        <dgm:style>
+          <a:lnRef idx="2">
+            <a:schemeClr val="dk1"/>
+          </a:lnRef>
+          <a:fillRef idx="1">
+            <a:schemeClr val="lt1"/>
+          </a:fillRef>
+          <a:effectRef idx="0">
+            <a:schemeClr val="dk1"/>
+          </a:effectRef>
+          <a:fontRef idx="minor">
+            <a:schemeClr val="dk1"/>
+          </a:fontRef>
+        </dgm:style>
+      </dgm:prSet>
+      <dgm:spPr>
+        <a:noFill/>
+      </dgm:spPr>
+      <dgm:t>
+        <a:bodyPr/>
+        <a:lstStyle/>
+        <a:p>
+          <a:pPr marL="0" algn="ctr" defTabSz="914400" rtl="0" eaLnBrk="1" latinLnBrk="0" hangingPunct="1"/>
+          <a:r>
+            <a:rPr lang="zh-TW" altLang="en-US" sz="3600" b="1" kern="1200" dirty="0" smtClean="0">
+              <a:solidFill>
+                <a:schemeClr val="tx1">
+                  <a:lumMod val="85000"/>
+                  <a:lumOff val="15000"/>
+                </a:schemeClr>
+              </a:solidFill>
+              <a:latin typeface="造字工房悦黑（非商用）纤细体" pitchFamily="50" charset="-122"/>
+              <a:ea typeface="造字工房悦黑（非商用）纤细体" pitchFamily="50" charset="-122"/>
+              <a:cs typeface="+mn-cs"/>
+            </a:rPr>
+            <a:t>日常生活</a:t>
+          </a:r>
+          <a:endParaRPr lang="zh-TW" altLang="en-US" sz="3600" b="1" kern="1200" dirty="0">
+            <a:solidFill>
+              <a:schemeClr val="tx1">
+                <a:lumMod val="85000"/>
+                <a:lumOff val="15000"/>
+              </a:schemeClr>
+            </a:solidFill>
+            <a:latin typeface="造字工房悦黑（非商用）纤细体" pitchFamily="50" charset="-122"/>
+            <a:ea typeface="造字工房悦黑（非商用）纤细体" pitchFamily="50" charset="-122"/>
+            <a:cs typeface="+mn-cs"/>
+          </a:endParaRPr>
+        </a:p>
+      </dgm:t>
+    </dgm:pt>
+    <dgm:pt modelId="{146F98D8-870E-46DB-8424-C63C52E04C28}" type="parTrans" cxnId="{1ED9CAE2-0064-4CF9-A334-7FAD606FD1F6}">
+      <dgm:prSet>
+        <dgm:style>
+          <a:lnRef idx="1">
+            <a:schemeClr val="dk1"/>
+          </a:lnRef>
+          <a:fillRef idx="0">
+            <a:schemeClr val="dk1"/>
+          </a:fillRef>
+          <a:effectRef idx="0">
+            <a:schemeClr val="dk1"/>
+          </a:effectRef>
+          <a:fontRef idx="minor">
+            <a:schemeClr val="tx1"/>
+          </a:fontRef>
+        </dgm:style>
+      </dgm:prSet>
+      <dgm:spPr/>
+      <dgm:t>
+        <a:bodyPr/>
+        <a:lstStyle/>
+        <a:p>
+          <a:endParaRPr lang="zh-TW" altLang="en-US"/>
+        </a:p>
+      </dgm:t>
+    </dgm:pt>
+    <dgm:pt modelId="{4DD37CDF-1600-437B-B608-88BCDD29379C}" type="sibTrans" cxnId="{1ED9CAE2-0064-4CF9-A334-7FAD606FD1F6}">
+      <dgm:prSet/>
+      <dgm:spPr/>
+      <dgm:t>
+        <a:bodyPr/>
+        <a:lstStyle/>
+        <a:p>
+          <a:endParaRPr lang="zh-TW" altLang="en-US"/>
+        </a:p>
+      </dgm:t>
+    </dgm:pt>
+    <dgm:pt modelId="{D55A7A49-232F-44EC-A68A-8903DF9AA622}">
+      <dgm:prSet phldrT="[文字]" custT="1">
+        <dgm:style>
+          <a:lnRef idx="2">
+            <a:schemeClr val="dk1"/>
+          </a:lnRef>
+          <a:fillRef idx="1">
+            <a:schemeClr val="lt1"/>
+          </a:fillRef>
+          <a:effectRef idx="0">
+            <a:schemeClr val="dk1"/>
+          </a:effectRef>
+          <a:fontRef idx="minor">
+            <a:schemeClr val="dk1"/>
+          </a:fontRef>
+        </dgm:style>
+      </dgm:prSet>
+      <dgm:spPr>
+        <a:noFill/>
+      </dgm:spPr>
+      <dgm:t>
+        <a:bodyPr/>
+        <a:lstStyle/>
+        <a:p>
+          <a:pPr marL="0" algn="ctr" defTabSz="914400" rtl="0" eaLnBrk="1" latinLnBrk="0" hangingPunct="1"/>
+          <a:r>
+            <a:rPr lang="zh-TW" altLang="en-US" sz="3600" b="1" kern="1200" dirty="0" smtClean="0">
+              <a:solidFill>
+                <a:schemeClr val="tx1">
+                  <a:lumMod val="85000"/>
+                  <a:lumOff val="15000"/>
+                </a:schemeClr>
+              </a:solidFill>
+              <a:latin typeface="造字工房悦黑（非商用）纤细体" pitchFamily="50" charset="-122"/>
+              <a:ea typeface="造字工房悦黑（非商用）纤细体" pitchFamily="50" charset="-122"/>
+              <a:cs typeface="+mn-cs"/>
+            </a:rPr>
+            <a:t>寵物商城</a:t>
+          </a:r>
+          <a:endParaRPr lang="en-US" altLang="zh-TW" sz="3600" b="1" kern="1200" dirty="0" smtClean="0">
+            <a:solidFill>
+              <a:schemeClr val="tx1">
+                <a:lumMod val="85000"/>
+                <a:lumOff val="15000"/>
+              </a:schemeClr>
+            </a:solidFill>
+            <a:latin typeface="造字工房悦黑（非商用）纤细体" pitchFamily="50" charset="-122"/>
+            <a:ea typeface="造字工房悦黑（非商用）纤细体" pitchFamily="50" charset="-122"/>
+            <a:cs typeface="+mn-cs"/>
+          </a:endParaRPr>
+        </a:p>
+      </dgm:t>
+    </dgm:pt>
+    <dgm:pt modelId="{0DF2C063-B09F-48C2-BD98-781F0E3D85CC}" type="parTrans" cxnId="{58DCCBBF-EA49-46CD-BC12-31BACEB3AEFA}">
+      <dgm:prSet>
+        <dgm:style>
+          <a:lnRef idx="1">
+            <a:schemeClr val="dk1"/>
+          </a:lnRef>
+          <a:fillRef idx="0">
+            <a:schemeClr val="dk1"/>
+          </a:fillRef>
+          <a:effectRef idx="0">
+            <a:schemeClr val="dk1"/>
+          </a:effectRef>
+          <a:fontRef idx="minor">
+            <a:schemeClr val="tx1"/>
+          </a:fontRef>
+        </dgm:style>
+      </dgm:prSet>
+      <dgm:spPr/>
+      <dgm:t>
+        <a:bodyPr/>
+        <a:lstStyle/>
+        <a:p>
+          <a:endParaRPr lang="zh-TW" altLang="en-US"/>
+        </a:p>
+      </dgm:t>
+    </dgm:pt>
+    <dgm:pt modelId="{309B417A-9F7B-4DF0-8BD3-B1E3BC786B84}" type="sibTrans" cxnId="{58DCCBBF-EA49-46CD-BC12-31BACEB3AEFA}">
+      <dgm:prSet/>
+      <dgm:spPr/>
+      <dgm:t>
+        <a:bodyPr/>
+        <a:lstStyle/>
+        <a:p>
+          <a:endParaRPr lang="zh-TW" altLang="en-US"/>
+        </a:p>
+      </dgm:t>
+    </dgm:pt>
+    <dgm:pt modelId="{937FD3FF-A98D-414D-8A28-CE020954FCBD}">
+      <dgm:prSet phldrT="[文字]" custT="1">
+        <dgm:style>
+          <a:lnRef idx="2">
+            <a:schemeClr val="dk1"/>
+          </a:lnRef>
+          <a:fillRef idx="1">
+            <a:schemeClr val="lt1"/>
+          </a:fillRef>
+          <a:effectRef idx="0">
+            <a:schemeClr val="dk1"/>
+          </a:effectRef>
+          <a:fontRef idx="minor">
+            <a:schemeClr val="dk1"/>
+          </a:fontRef>
+        </dgm:style>
+      </dgm:prSet>
+      <dgm:spPr>
+        <a:noFill/>
+      </dgm:spPr>
+      <dgm:t>
+        <a:bodyPr/>
+        <a:lstStyle/>
+        <a:p>
+          <a:pPr marL="0" algn="ctr" defTabSz="914400" rtl="0" eaLnBrk="1" latinLnBrk="0" hangingPunct="1"/>
+          <a:r>
+            <a:rPr lang="zh-TW" altLang="en-US" sz="3600" b="1" kern="1200" dirty="0" smtClean="0">
+              <a:solidFill>
+                <a:schemeClr val="tx1">
+                  <a:lumMod val="85000"/>
+                  <a:lumOff val="15000"/>
+                </a:schemeClr>
+              </a:solidFill>
+              <a:latin typeface="造字工房悦黑（非商用）纤细体" pitchFamily="50" charset="-122"/>
+              <a:ea typeface="造字工房悦黑（非商用）纤细体" pitchFamily="50" charset="-122"/>
+              <a:cs typeface="+mn-cs"/>
+            </a:rPr>
+            <a:t>寵物醫院</a:t>
+          </a:r>
+          <a:endParaRPr lang="en-US" altLang="zh-TW" sz="3600" b="1" kern="1200" dirty="0" smtClean="0">
+            <a:solidFill>
+              <a:schemeClr val="tx1">
+                <a:lumMod val="85000"/>
+                <a:lumOff val="15000"/>
+              </a:schemeClr>
+            </a:solidFill>
+            <a:latin typeface="造字工房悦黑（非商用）纤细体" pitchFamily="50" charset="-122"/>
+            <a:ea typeface="造字工房悦黑（非商用）纤细体" pitchFamily="50" charset="-122"/>
+            <a:cs typeface="+mn-cs"/>
+          </a:endParaRPr>
+        </a:p>
+      </dgm:t>
+    </dgm:pt>
+    <dgm:pt modelId="{588CEE47-528F-4065-983B-74B956371E61}" type="parTrans" cxnId="{8BBD5E84-4716-4C21-8AFE-EF4030905D2F}">
+      <dgm:prSet>
+        <dgm:style>
+          <a:lnRef idx="1">
+            <a:schemeClr val="dk1"/>
+          </a:lnRef>
+          <a:fillRef idx="0">
+            <a:schemeClr val="dk1"/>
+          </a:fillRef>
+          <a:effectRef idx="0">
+            <a:schemeClr val="dk1"/>
+          </a:effectRef>
+          <a:fontRef idx="minor">
+            <a:schemeClr val="tx1"/>
+          </a:fontRef>
+        </dgm:style>
+      </dgm:prSet>
+      <dgm:spPr/>
+      <dgm:t>
+        <a:bodyPr/>
+        <a:lstStyle/>
+        <a:p>
+          <a:endParaRPr lang="zh-TW" altLang="en-US"/>
+        </a:p>
+      </dgm:t>
+    </dgm:pt>
+    <dgm:pt modelId="{CFCB6317-6A1B-4A07-8BC4-45F79336A05B}" type="sibTrans" cxnId="{8BBD5E84-4716-4C21-8AFE-EF4030905D2F}">
+      <dgm:prSet/>
+      <dgm:spPr/>
+      <dgm:t>
+        <a:bodyPr/>
+        <a:lstStyle/>
+        <a:p>
+          <a:endParaRPr lang="zh-TW" altLang="en-US"/>
+        </a:p>
+      </dgm:t>
+    </dgm:pt>
+    <dgm:pt modelId="{F058A346-212E-43BE-A37D-302996017951}" type="pres">
+      <dgm:prSet presAssocID="{B9026EB0-E89F-48B6-8C8D-93A9379C9B15}" presName="Name0" presStyleCnt="0">
+        <dgm:presLayoutVars>
+          <dgm:chPref val="1"/>
+          <dgm:dir/>
+          <dgm:animOne val="branch"/>
+          <dgm:animLvl val="lvl"/>
+          <dgm:resizeHandles val="exact"/>
+        </dgm:presLayoutVars>
+      </dgm:prSet>
+      <dgm:spPr/>
+    </dgm:pt>
+    <dgm:pt modelId="{D9C7DDCD-AE24-4501-ABC5-362D83B3CB39}" type="pres">
+      <dgm:prSet presAssocID="{4BFA3C2D-03C6-428F-88B6-23C8C8941D15}" presName="root1" presStyleCnt="0"/>
+      <dgm:spPr/>
+    </dgm:pt>
+    <dgm:pt modelId="{A699981A-0360-4D5B-AD66-60818B35B310}" type="pres">
+      <dgm:prSet presAssocID="{4BFA3C2D-03C6-428F-88B6-23C8C8941D15}" presName="LevelOneTextNode" presStyleLbl="node0" presStyleIdx="0" presStyleCnt="1" custAng="5400000" custScaleX="190844" custScaleY="16963" custLinFactNeighborX="-78960" custLinFactNeighborY="-456">
+        <dgm:presLayoutVars>
+          <dgm:chPref val="3"/>
+        </dgm:presLayoutVars>
+      </dgm:prSet>
+      <dgm:spPr/>
+    </dgm:pt>
+    <dgm:pt modelId="{3FB8C733-3F3D-4A44-BE3F-BCC3F729F57B}" type="pres">
+      <dgm:prSet presAssocID="{4BFA3C2D-03C6-428F-88B6-23C8C8941D15}" presName="level2hierChild" presStyleCnt="0"/>
+      <dgm:spPr/>
+    </dgm:pt>
+    <dgm:pt modelId="{92606788-CAC9-4BF7-AB4A-DABE77BD38F1}" type="pres">
+      <dgm:prSet presAssocID="{61389E4D-4E25-4730-BCDB-08DEB60CA4B3}" presName="conn2-1" presStyleLbl="parChTrans1D2" presStyleIdx="0" presStyleCnt="4"/>
+      <dgm:spPr/>
+    </dgm:pt>
+    <dgm:pt modelId="{1DEF741F-2D26-4B05-8F8A-F444AEE71345}" type="pres">
+      <dgm:prSet presAssocID="{61389E4D-4E25-4730-BCDB-08DEB60CA4B3}" presName="connTx" presStyleLbl="parChTrans1D2" presStyleIdx="0" presStyleCnt="4"/>
+      <dgm:spPr/>
+    </dgm:pt>
+    <dgm:pt modelId="{C51CB424-47C6-4CBE-A727-099EDB1F72CE}" type="pres">
+      <dgm:prSet presAssocID="{236BCE8C-F140-4D02-9A3B-290C72A80A68}" presName="root2" presStyleCnt="0"/>
+      <dgm:spPr/>
+    </dgm:pt>
+    <dgm:pt modelId="{38D92000-1D75-4552-AC8B-3BCDB7C3FEF4}" type="pres">
+      <dgm:prSet presAssocID="{236BCE8C-F140-4D02-9A3B-290C72A80A68}" presName="LevelTwoTextNode" presStyleLbl="node2" presStyleIdx="0" presStyleCnt="4">
+        <dgm:presLayoutVars>
+          <dgm:chPref val="3"/>
+        </dgm:presLayoutVars>
+      </dgm:prSet>
+      <dgm:spPr/>
+    </dgm:pt>
+    <dgm:pt modelId="{7C6E4087-BDBE-469B-A52C-584E40991AFC}" type="pres">
+      <dgm:prSet presAssocID="{236BCE8C-F140-4D02-9A3B-290C72A80A68}" presName="level3hierChild" presStyleCnt="0"/>
+      <dgm:spPr/>
+    </dgm:pt>
+    <dgm:pt modelId="{E385BF6C-EF7C-41C8-B91F-84220CEB895E}" type="pres">
+      <dgm:prSet presAssocID="{146F98D8-870E-46DB-8424-C63C52E04C28}" presName="conn2-1" presStyleLbl="parChTrans1D2" presStyleIdx="1" presStyleCnt="4"/>
+      <dgm:spPr/>
+    </dgm:pt>
+    <dgm:pt modelId="{855F3209-029B-4F51-9F5C-899BF57A16A0}" type="pres">
+      <dgm:prSet presAssocID="{146F98D8-870E-46DB-8424-C63C52E04C28}" presName="connTx" presStyleLbl="parChTrans1D2" presStyleIdx="1" presStyleCnt="4"/>
+      <dgm:spPr/>
+    </dgm:pt>
+    <dgm:pt modelId="{F80A5490-34FC-4D92-AC90-D464AF5F3D58}" type="pres">
+      <dgm:prSet presAssocID="{88476E87-CBE9-4BF1-9628-461BC7FA8BD8}" presName="root2" presStyleCnt="0"/>
+      <dgm:spPr/>
+    </dgm:pt>
+    <dgm:pt modelId="{FB9A03BE-DE09-44B1-8B1F-A8170086B8BD}" type="pres">
+      <dgm:prSet presAssocID="{88476E87-CBE9-4BF1-9628-461BC7FA8BD8}" presName="LevelTwoTextNode" presStyleLbl="node2" presStyleIdx="1" presStyleCnt="4">
+        <dgm:presLayoutVars>
+          <dgm:chPref val="3"/>
+        </dgm:presLayoutVars>
+      </dgm:prSet>
+      <dgm:spPr/>
+    </dgm:pt>
+    <dgm:pt modelId="{09D8CEB8-F73E-4912-9F67-B5BA553A3424}" type="pres">
+      <dgm:prSet presAssocID="{88476E87-CBE9-4BF1-9628-461BC7FA8BD8}" presName="level3hierChild" presStyleCnt="0"/>
+      <dgm:spPr/>
+    </dgm:pt>
+    <dgm:pt modelId="{5F41D06A-826D-4EBE-BA81-E04564EF2F3D}" type="pres">
+      <dgm:prSet presAssocID="{0DF2C063-B09F-48C2-BD98-781F0E3D85CC}" presName="conn2-1" presStyleLbl="parChTrans1D2" presStyleIdx="2" presStyleCnt="4"/>
+      <dgm:spPr/>
+    </dgm:pt>
+    <dgm:pt modelId="{118239DF-2B87-4FCD-A60F-2BB7F2823404}" type="pres">
+      <dgm:prSet presAssocID="{0DF2C063-B09F-48C2-BD98-781F0E3D85CC}" presName="connTx" presStyleLbl="parChTrans1D2" presStyleIdx="2" presStyleCnt="4"/>
+      <dgm:spPr/>
+    </dgm:pt>
+    <dgm:pt modelId="{A39C85A5-2BF0-4F43-8B76-68B631EE6C85}" type="pres">
+      <dgm:prSet presAssocID="{D55A7A49-232F-44EC-A68A-8903DF9AA622}" presName="root2" presStyleCnt="0"/>
+      <dgm:spPr/>
+    </dgm:pt>
+    <dgm:pt modelId="{8EDE4F78-D8AE-4B8D-B4D5-8973C710C994}" type="pres">
+      <dgm:prSet presAssocID="{D55A7A49-232F-44EC-A68A-8903DF9AA622}" presName="LevelTwoTextNode" presStyleLbl="node2" presStyleIdx="2" presStyleCnt="4">
+        <dgm:presLayoutVars>
+          <dgm:chPref val="3"/>
+        </dgm:presLayoutVars>
+      </dgm:prSet>
+      <dgm:spPr/>
+      <dgm:t>
+        <a:bodyPr/>
+        <a:lstStyle/>
+        <a:p>
+          <a:endParaRPr lang="zh-TW" altLang="en-US"/>
+        </a:p>
+      </dgm:t>
+    </dgm:pt>
+    <dgm:pt modelId="{7D91F6CA-0CCE-42F7-A846-7B9841FF03CA}" type="pres">
+      <dgm:prSet presAssocID="{D55A7A49-232F-44EC-A68A-8903DF9AA622}" presName="level3hierChild" presStyleCnt="0"/>
+      <dgm:spPr/>
+    </dgm:pt>
+    <dgm:pt modelId="{B1FD1F74-53AD-49CD-980D-AE95FC426F52}" type="pres">
+      <dgm:prSet presAssocID="{588CEE47-528F-4065-983B-74B956371E61}" presName="conn2-1" presStyleLbl="parChTrans1D2" presStyleIdx="3" presStyleCnt="4"/>
+      <dgm:spPr/>
+    </dgm:pt>
+    <dgm:pt modelId="{97FFCBD3-A8E2-4A12-95A7-5F5F7D9A8B19}" type="pres">
+      <dgm:prSet presAssocID="{588CEE47-528F-4065-983B-74B956371E61}" presName="connTx" presStyleLbl="parChTrans1D2" presStyleIdx="3" presStyleCnt="4"/>
+      <dgm:spPr/>
+    </dgm:pt>
+    <dgm:pt modelId="{ED35EAC8-4D50-4B53-AF81-FDA9C197141D}" type="pres">
+      <dgm:prSet presAssocID="{937FD3FF-A98D-414D-8A28-CE020954FCBD}" presName="root2" presStyleCnt="0"/>
+      <dgm:spPr/>
+    </dgm:pt>
+    <dgm:pt modelId="{F2220A71-8DFD-4AEE-B2F5-9F6070E56BDC}" type="pres">
+      <dgm:prSet presAssocID="{937FD3FF-A98D-414D-8A28-CE020954FCBD}" presName="LevelTwoTextNode" presStyleLbl="node2" presStyleIdx="3" presStyleCnt="4">
+        <dgm:presLayoutVars>
+          <dgm:chPref val="3"/>
+        </dgm:presLayoutVars>
+      </dgm:prSet>
+      <dgm:spPr/>
+    </dgm:pt>
+    <dgm:pt modelId="{0D18B025-D2AE-4745-A17F-4A96803F4C55}" type="pres">
+      <dgm:prSet presAssocID="{937FD3FF-A98D-414D-8A28-CE020954FCBD}" presName="level3hierChild" presStyleCnt="0"/>
+      <dgm:spPr/>
+    </dgm:pt>
+  </dgm:ptLst>
+  <dgm:cxnLst>
+    <dgm:cxn modelId="{E9C2CA9F-6FD3-4E57-94F0-9CAED169BC9D}" type="presOf" srcId="{D55A7A49-232F-44EC-A68A-8903DF9AA622}" destId="{8EDE4F78-D8AE-4B8D-B4D5-8973C710C994}" srcOrd="0" destOrd="0" presId="urn:microsoft.com/office/officeart/2008/layout/HorizontalMultiLevelHierarchy"/>
+    <dgm:cxn modelId="{58DCCBBF-EA49-46CD-BC12-31BACEB3AEFA}" srcId="{4BFA3C2D-03C6-428F-88B6-23C8C8941D15}" destId="{D55A7A49-232F-44EC-A68A-8903DF9AA622}" srcOrd="2" destOrd="0" parTransId="{0DF2C063-B09F-48C2-BD98-781F0E3D85CC}" sibTransId="{309B417A-9F7B-4DF0-8BD3-B1E3BC786B84}"/>
+    <dgm:cxn modelId="{526DB3F1-ABF6-460F-9B3F-7EFF425CD218}" type="presOf" srcId="{0DF2C063-B09F-48C2-BD98-781F0E3D85CC}" destId="{118239DF-2B87-4FCD-A60F-2BB7F2823404}" srcOrd="1" destOrd="0" presId="urn:microsoft.com/office/officeart/2008/layout/HorizontalMultiLevelHierarchy"/>
+    <dgm:cxn modelId="{8003014D-40F5-4792-8AC1-05C54072FFBE}" srcId="{4BFA3C2D-03C6-428F-88B6-23C8C8941D15}" destId="{236BCE8C-F140-4D02-9A3B-290C72A80A68}" srcOrd="0" destOrd="0" parTransId="{61389E4D-4E25-4730-BCDB-08DEB60CA4B3}" sibTransId="{1F778DD9-D510-48BA-811F-1EC2FE9D1779}"/>
+    <dgm:cxn modelId="{AFE7046B-A12E-44BA-82A6-448C4A78D048}" srcId="{B9026EB0-E89F-48B6-8C8D-93A9379C9B15}" destId="{4BFA3C2D-03C6-428F-88B6-23C8C8941D15}" srcOrd="0" destOrd="0" parTransId="{30A93DA7-FF6E-4729-94A8-40842A7E143A}" sibTransId="{61B58FBA-35CC-4A4A-9564-42C1B5AB684D}"/>
+    <dgm:cxn modelId="{EE630848-D833-4116-A920-E3F5A15162B2}" type="presOf" srcId="{588CEE47-528F-4065-983B-74B956371E61}" destId="{97FFCBD3-A8E2-4A12-95A7-5F5F7D9A8B19}" srcOrd="1" destOrd="0" presId="urn:microsoft.com/office/officeart/2008/layout/HorizontalMultiLevelHierarchy"/>
+    <dgm:cxn modelId="{98B766B7-26CA-400F-905F-96A852F57EAD}" type="presOf" srcId="{B9026EB0-E89F-48B6-8C8D-93A9379C9B15}" destId="{F058A346-212E-43BE-A37D-302996017951}" srcOrd="0" destOrd="0" presId="urn:microsoft.com/office/officeart/2008/layout/HorizontalMultiLevelHierarchy"/>
+    <dgm:cxn modelId="{2928354B-F47A-427B-86C5-E875D5C623A4}" type="presOf" srcId="{236BCE8C-F140-4D02-9A3B-290C72A80A68}" destId="{38D92000-1D75-4552-AC8B-3BCDB7C3FEF4}" srcOrd="0" destOrd="0" presId="urn:microsoft.com/office/officeart/2008/layout/HorizontalMultiLevelHierarchy"/>
+    <dgm:cxn modelId="{8BBD5E84-4716-4C21-8AFE-EF4030905D2F}" srcId="{4BFA3C2D-03C6-428F-88B6-23C8C8941D15}" destId="{937FD3FF-A98D-414D-8A28-CE020954FCBD}" srcOrd="3" destOrd="0" parTransId="{588CEE47-528F-4065-983B-74B956371E61}" sibTransId="{CFCB6317-6A1B-4A07-8BC4-45F79336A05B}"/>
+    <dgm:cxn modelId="{1ED9CAE2-0064-4CF9-A334-7FAD606FD1F6}" srcId="{4BFA3C2D-03C6-428F-88B6-23C8C8941D15}" destId="{88476E87-CBE9-4BF1-9628-461BC7FA8BD8}" srcOrd="1" destOrd="0" parTransId="{146F98D8-870E-46DB-8424-C63C52E04C28}" sibTransId="{4DD37CDF-1600-437B-B608-88BCDD29379C}"/>
+    <dgm:cxn modelId="{931A520A-956E-4A49-A98E-425B254399A0}" type="presOf" srcId="{146F98D8-870E-46DB-8424-C63C52E04C28}" destId="{855F3209-029B-4F51-9F5C-899BF57A16A0}" srcOrd="1" destOrd="0" presId="urn:microsoft.com/office/officeart/2008/layout/HorizontalMultiLevelHierarchy"/>
+    <dgm:cxn modelId="{21442AB9-C598-45D1-89E0-57274D8B94FB}" type="presOf" srcId="{4BFA3C2D-03C6-428F-88B6-23C8C8941D15}" destId="{A699981A-0360-4D5B-AD66-60818B35B310}" srcOrd="0" destOrd="0" presId="urn:microsoft.com/office/officeart/2008/layout/HorizontalMultiLevelHierarchy"/>
+    <dgm:cxn modelId="{22EEAA73-DF21-423E-AAAB-1E3627DE60EF}" type="presOf" srcId="{61389E4D-4E25-4730-BCDB-08DEB60CA4B3}" destId="{92606788-CAC9-4BF7-AB4A-DABE77BD38F1}" srcOrd="0" destOrd="0" presId="urn:microsoft.com/office/officeart/2008/layout/HorizontalMultiLevelHierarchy"/>
+    <dgm:cxn modelId="{E609727F-6AC1-4686-8C2E-C0E5509CF94A}" type="presOf" srcId="{61389E4D-4E25-4730-BCDB-08DEB60CA4B3}" destId="{1DEF741F-2D26-4B05-8F8A-F444AEE71345}" srcOrd="1" destOrd="0" presId="urn:microsoft.com/office/officeart/2008/layout/HorizontalMultiLevelHierarchy"/>
+    <dgm:cxn modelId="{2E34E8E0-4F9B-4901-8413-43449E126DA5}" type="presOf" srcId="{588CEE47-528F-4065-983B-74B956371E61}" destId="{B1FD1F74-53AD-49CD-980D-AE95FC426F52}" srcOrd="0" destOrd="0" presId="urn:microsoft.com/office/officeart/2008/layout/HorizontalMultiLevelHierarchy"/>
+    <dgm:cxn modelId="{D2FCF39E-FEAE-44B9-92A0-9863E1F0D611}" type="presOf" srcId="{146F98D8-870E-46DB-8424-C63C52E04C28}" destId="{E385BF6C-EF7C-41C8-B91F-84220CEB895E}" srcOrd="0" destOrd="0" presId="urn:microsoft.com/office/officeart/2008/layout/HorizontalMultiLevelHierarchy"/>
+    <dgm:cxn modelId="{79BCDC01-ED29-41B6-B320-B9BABBC4411B}" type="presOf" srcId="{88476E87-CBE9-4BF1-9628-461BC7FA8BD8}" destId="{FB9A03BE-DE09-44B1-8B1F-A8170086B8BD}" srcOrd="0" destOrd="0" presId="urn:microsoft.com/office/officeart/2008/layout/HorizontalMultiLevelHierarchy"/>
+    <dgm:cxn modelId="{62D47521-E123-47CF-9448-350674432D44}" type="presOf" srcId="{0DF2C063-B09F-48C2-BD98-781F0E3D85CC}" destId="{5F41D06A-826D-4EBE-BA81-E04564EF2F3D}" srcOrd="0" destOrd="0" presId="urn:microsoft.com/office/officeart/2008/layout/HorizontalMultiLevelHierarchy"/>
+    <dgm:cxn modelId="{330EC663-AC15-497F-A1FA-80C03DDB9146}" type="presOf" srcId="{937FD3FF-A98D-414D-8A28-CE020954FCBD}" destId="{F2220A71-8DFD-4AEE-B2F5-9F6070E56BDC}" srcOrd="0" destOrd="0" presId="urn:microsoft.com/office/officeart/2008/layout/HorizontalMultiLevelHierarchy"/>
+    <dgm:cxn modelId="{592C7BF7-3DD1-46AD-9C89-7B9A0A71D1E5}" type="presParOf" srcId="{F058A346-212E-43BE-A37D-302996017951}" destId="{D9C7DDCD-AE24-4501-ABC5-362D83B3CB39}" srcOrd="0" destOrd="0" presId="urn:microsoft.com/office/officeart/2008/layout/HorizontalMultiLevelHierarchy"/>
+    <dgm:cxn modelId="{5D4ADF9A-1B95-46F2-9DCD-CC592E4EC255}" type="presParOf" srcId="{D9C7DDCD-AE24-4501-ABC5-362D83B3CB39}" destId="{A699981A-0360-4D5B-AD66-60818B35B310}" srcOrd="0" destOrd="0" presId="urn:microsoft.com/office/officeart/2008/layout/HorizontalMultiLevelHierarchy"/>
+    <dgm:cxn modelId="{8D97A62E-5848-40E3-85D6-1775C5EC697B}" type="presParOf" srcId="{D9C7DDCD-AE24-4501-ABC5-362D83B3CB39}" destId="{3FB8C733-3F3D-4A44-BE3F-BCC3F729F57B}" srcOrd="1" destOrd="0" presId="urn:microsoft.com/office/officeart/2008/layout/HorizontalMultiLevelHierarchy"/>
+    <dgm:cxn modelId="{4C592444-ACD7-41BF-A15B-6ECBF0C7D8EE}" type="presParOf" srcId="{3FB8C733-3F3D-4A44-BE3F-BCC3F729F57B}" destId="{92606788-CAC9-4BF7-AB4A-DABE77BD38F1}" srcOrd="0" destOrd="0" presId="urn:microsoft.com/office/officeart/2008/layout/HorizontalMultiLevelHierarchy"/>
+    <dgm:cxn modelId="{4D255C82-C87A-43DD-B89E-FD286266776C}" type="presParOf" srcId="{92606788-CAC9-4BF7-AB4A-DABE77BD38F1}" destId="{1DEF741F-2D26-4B05-8F8A-F444AEE71345}" srcOrd="0" destOrd="0" presId="urn:microsoft.com/office/officeart/2008/layout/HorizontalMultiLevelHierarchy"/>
+    <dgm:cxn modelId="{A6270BB5-7236-4912-A0C5-57FD72418109}" type="presParOf" srcId="{3FB8C733-3F3D-4A44-BE3F-BCC3F729F57B}" destId="{C51CB424-47C6-4CBE-A727-099EDB1F72CE}" srcOrd="1" destOrd="0" presId="urn:microsoft.com/office/officeart/2008/layout/HorizontalMultiLevelHierarchy"/>
+    <dgm:cxn modelId="{05DA5247-20F6-4590-A45C-7517B674EF9A}" type="presParOf" srcId="{C51CB424-47C6-4CBE-A727-099EDB1F72CE}" destId="{38D92000-1D75-4552-AC8B-3BCDB7C3FEF4}" srcOrd="0" destOrd="0" presId="urn:microsoft.com/office/officeart/2008/layout/HorizontalMultiLevelHierarchy"/>
+    <dgm:cxn modelId="{C87D93AB-09A2-4903-9BCB-0426EC37818C}" type="presParOf" srcId="{C51CB424-47C6-4CBE-A727-099EDB1F72CE}" destId="{7C6E4087-BDBE-469B-A52C-584E40991AFC}" srcOrd="1" destOrd="0" presId="urn:microsoft.com/office/officeart/2008/layout/HorizontalMultiLevelHierarchy"/>
+    <dgm:cxn modelId="{44903B2D-A3F1-4421-884C-A8AEF6D10009}" type="presParOf" srcId="{3FB8C733-3F3D-4A44-BE3F-BCC3F729F57B}" destId="{E385BF6C-EF7C-41C8-B91F-84220CEB895E}" srcOrd="2" destOrd="0" presId="urn:microsoft.com/office/officeart/2008/layout/HorizontalMultiLevelHierarchy"/>
+    <dgm:cxn modelId="{CE6435EC-BF01-40CC-BF22-7174CF5CB8B2}" type="presParOf" srcId="{E385BF6C-EF7C-41C8-B91F-84220CEB895E}" destId="{855F3209-029B-4F51-9F5C-899BF57A16A0}" srcOrd="0" destOrd="0" presId="urn:microsoft.com/office/officeart/2008/layout/HorizontalMultiLevelHierarchy"/>
+    <dgm:cxn modelId="{41173D86-23D3-4AB9-A759-A28FD5D483D0}" type="presParOf" srcId="{3FB8C733-3F3D-4A44-BE3F-BCC3F729F57B}" destId="{F80A5490-34FC-4D92-AC90-D464AF5F3D58}" srcOrd="3" destOrd="0" presId="urn:microsoft.com/office/officeart/2008/layout/HorizontalMultiLevelHierarchy"/>
+    <dgm:cxn modelId="{E490A844-92AA-404F-8E7F-8F9808090AAF}" type="presParOf" srcId="{F80A5490-34FC-4D92-AC90-D464AF5F3D58}" destId="{FB9A03BE-DE09-44B1-8B1F-A8170086B8BD}" srcOrd="0" destOrd="0" presId="urn:microsoft.com/office/officeart/2008/layout/HorizontalMultiLevelHierarchy"/>
+    <dgm:cxn modelId="{B49A0D00-4DE2-4BFE-AF72-23E22E3B910F}" type="presParOf" srcId="{F80A5490-34FC-4D92-AC90-D464AF5F3D58}" destId="{09D8CEB8-F73E-4912-9F67-B5BA553A3424}" srcOrd="1" destOrd="0" presId="urn:microsoft.com/office/officeart/2008/layout/HorizontalMultiLevelHierarchy"/>
+    <dgm:cxn modelId="{60CD3B7F-DC3A-4CB7-9C48-0EF82D6F7170}" type="presParOf" srcId="{3FB8C733-3F3D-4A44-BE3F-BCC3F729F57B}" destId="{5F41D06A-826D-4EBE-BA81-E04564EF2F3D}" srcOrd="4" destOrd="0" presId="urn:microsoft.com/office/officeart/2008/layout/HorizontalMultiLevelHierarchy"/>
+    <dgm:cxn modelId="{571D1360-3D18-4A12-9C3A-A090CB15E66E}" type="presParOf" srcId="{5F41D06A-826D-4EBE-BA81-E04564EF2F3D}" destId="{118239DF-2B87-4FCD-A60F-2BB7F2823404}" srcOrd="0" destOrd="0" presId="urn:microsoft.com/office/officeart/2008/layout/HorizontalMultiLevelHierarchy"/>
+    <dgm:cxn modelId="{C5BA6B53-0D1E-44FC-BC31-4F0E862F9349}" type="presParOf" srcId="{3FB8C733-3F3D-4A44-BE3F-BCC3F729F57B}" destId="{A39C85A5-2BF0-4F43-8B76-68B631EE6C85}" srcOrd="5" destOrd="0" presId="urn:microsoft.com/office/officeart/2008/layout/HorizontalMultiLevelHierarchy"/>
+    <dgm:cxn modelId="{6879CC4A-78DD-43C4-8647-883077A638A1}" type="presParOf" srcId="{A39C85A5-2BF0-4F43-8B76-68B631EE6C85}" destId="{8EDE4F78-D8AE-4B8D-B4D5-8973C710C994}" srcOrd="0" destOrd="0" presId="urn:microsoft.com/office/officeart/2008/layout/HorizontalMultiLevelHierarchy"/>
+    <dgm:cxn modelId="{7484E2B9-09FC-4D44-BD9D-CC1D0D334C72}" type="presParOf" srcId="{A39C85A5-2BF0-4F43-8B76-68B631EE6C85}" destId="{7D91F6CA-0CCE-42F7-A846-7B9841FF03CA}" srcOrd="1" destOrd="0" presId="urn:microsoft.com/office/officeart/2008/layout/HorizontalMultiLevelHierarchy"/>
+    <dgm:cxn modelId="{306C386A-A454-4ED2-8EEE-BCE6D6E587F6}" type="presParOf" srcId="{3FB8C733-3F3D-4A44-BE3F-BCC3F729F57B}" destId="{B1FD1F74-53AD-49CD-980D-AE95FC426F52}" srcOrd="6" destOrd="0" presId="urn:microsoft.com/office/officeart/2008/layout/HorizontalMultiLevelHierarchy"/>
+    <dgm:cxn modelId="{372246E3-7D87-4529-A7AE-413D01DAF8F4}" type="presParOf" srcId="{B1FD1F74-53AD-49CD-980D-AE95FC426F52}" destId="{97FFCBD3-A8E2-4A12-95A7-5F5F7D9A8B19}" srcOrd="0" destOrd="0" presId="urn:microsoft.com/office/officeart/2008/layout/HorizontalMultiLevelHierarchy"/>
+    <dgm:cxn modelId="{35650304-1E54-4037-B24D-CCAD317C12AA}" type="presParOf" srcId="{3FB8C733-3F3D-4A44-BE3F-BCC3F729F57B}" destId="{ED35EAC8-4D50-4B53-AF81-FDA9C197141D}" srcOrd="7" destOrd="0" presId="urn:microsoft.com/office/officeart/2008/layout/HorizontalMultiLevelHierarchy"/>
+    <dgm:cxn modelId="{9B07EB4F-4A73-4864-B9D5-89EC402C290F}" type="presParOf" srcId="{ED35EAC8-4D50-4B53-AF81-FDA9C197141D}" destId="{F2220A71-8DFD-4AEE-B2F5-9F6070E56BDC}" srcOrd="0" destOrd="0" presId="urn:microsoft.com/office/officeart/2008/layout/HorizontalMultiLevelHierarchy"/>
+    <dgm:cxn modelId="{0A467C16-C754-415E-B5DC-E6C4E1CB6C9E}" type="presParOf" srcId="{ED35EAC8-4D50-4B53-AF81-FDA9C197141D}" destId="{0D18B025-D2AE-4745-A17F-4A96803F4C55}" srcOrd="1" destOrd="0" presId="urn:microsoft.com/office/officeart/2008/layout/HorizontalMultiLevelHierarchy"/>
+  </dgm:cxnLst>
+  <dgm:bg/>
+  <dgm:whole/>
+  <dgm:extLst>
+    <a:ext uri="http://schemas.microsoft.com/office/drawing/2008/diagram">
+      <dsp:dataModelExt xmlns:dsp="http://schemas.microsoft.com/office/drawing/2008/diagram" relId="rId6" minVer="http://schemas.openxmlformats.org/drawingml/2006/diagram"/>
+    </a:ext>
+  </dgm:extLst>
+</dgm:dataModel>
+</file>
+
+<file path=ppt/diagrams/drawing1.xml><?xml version="1.0" encoding="utf-8"?>
+<dsp:drawing xmlns:dgm="http://schemas.openxmlformats.org/drawingml/2006/diagram" xmlns:dsp="http://schemas.microsoft.com/office/drawing/2008/diagram" xmlns:a="http://schemas.openxmlformats.org/drawingml/2006/main">
+  <dsp:spTree>
+    <dsp:nvGrpSpPr>
+      <dsp:cNvPr id="0" name=""/>
+      <dsp:cNvGrpSpPr/>
+    </dsp:nvGrpSpPr>
+    <dsp:grpSpPr/>
+    <dsp:sp modelId="{B1FD1F74-53AD-49CD-980D-AE95FC426F52}">
+      <dsp:nvSpPr>
+        <dsp:cNvPr id="0" name=""/>
+        <dsp:cNvSpPr/>
+      </dsp:nvSpPr>
+      <dsp:spPr>
+        <a:xfrm>
+          <a:off x="2207336" y="2684624"/>
+          <a:ext cx="1488312" cy="1955109"/>
+        </a:xfrm>
+        <a:custGeom>
+          <a:avLst/>
+          <a:gdLst/>
+          <a:ahLst/>
+          <a:cxnLst/>
+          <a:rect l="0" t="0" r="0" b="0"/>
+          <a:pathLst>
+            <a:path>
+              <a:moveTo>
+                <a:pt x="0" y="0"/>
+              </a:moveTo>
+              <a:lnTo>
+                <a:pt x="744156" y="0"/>
+              </a:lnTo>
+              <a:lnTo>
+                <a:pt x="744156" y="1955109"/>
+              </a:lnTo>
+              <a:lnTo>
+                <a:pt x="1488312" y="1955109"/>
+              </a:lnTo>
+            </a:path>
+          </a:pathLst>
+        </a:custGeom>
+        <a:noFill/>
+        <a:ln w="6350" cap="flat" cmpd="sng" algn="ctr">
+          <a:solidFill>
+            <a:schemeClr val="dk1"/>
+          </a:solidFill>
+          <a:prstDash val="solid"/>
+          <a:miter lim="800000"/>
+        </a:ln>
+        <a:effectLst/>
+      </dsp:spPr>
+      <dsp:style>
+        <a:lnRef idx="1">
+          <a:schemeClr val="dk1"/>
+        </a:lnRef>
+        <a:fillRef idx="0">
+          <a:schemeClr val="dk1"/>
+        </a:fillRef>
+        <a:effectRef idx="0">
+          <a:schemeClr val="dk1"/>
+        </a:effectRef>
+        <a:fontRef idx="minor">
+          <a:schemeClr val="tx1"/>
+        </a:fontRef>
+      </dsp:style>
+      <dsp:txBody>
+        <a:bodyPr spcFirstLastPara="0" vert="horz" wrap="square" lIns="12700" tIns="0" rIns="12700" bIns="0" numCol="1" spcCol="1270" anchor="ctr" anchorCtr="0">
+          <a:noAutofit/>
+        </a:bodyPr>
+        <a:lstStyle/>
+        <a:p>
+          <a:pPr lvl="0" algn="ctr" defTabSz="355600">
+            <a:lnSpc>
+              <a:spcPct val="90000"/>
+            </a:lnSpc>
+            <a:spcBef>
+              <a:spcPct val="0"/>
+            </a:spcBef>
+            <a:spcAft>
+              <a:spcPct val="35000"/>
+            </a:spcAft>
+          </a:pPr>
+          <a:endParaRPr lang="zh-TW" altLang="en-US" sz="800" kern="1200"/>
+        </a:p>
+      </dsp:txBody>
+      <dsp:txXfrm>
+        <a:off x="2890063" y="3600750"/>
+        <a:ext cx="122856" cy="122856"/>
+      </dsp:txXfrm>
+    </dsp:sp>
+    <dsp:sp modelId="{5F41D06A-826D-4EBE-BA81-E04564EF2F3D}">
+      <dsp:nvSpPr>
+        <dsp:cNvPr id="0" name=""/>
+        <dsp:cNvSpPr/>
+      </dsp:nvSpPr>
+      <dsp:spPr>
+        <a:xfrm>
+          <a:off x="2207336" y="2684624"/>
+          <a:ext cx="1488312" cy="668175"/>
+        </a:xfrm>
+        <a:custGeom>
+          <a:avLst/>
+          <a:gdLst/>
+          <a:ahLst/>
+          <a:cxnLst/>
+          <a:rect l="0" t="0" r="0" b="0"/>
+          <a:pathLst>
+            <a:path>
+              <a:moveTo>
+                <a:pt x="0" y="0"/>
+              </a:moveTo>
+              <a:lnTo>
+                <a:pt x="744156" y="0"/>
+              </a:lnTo>
+              <a:lnTo>
+                <a:pt x="744156" y="668175"/>
+              </a:lnTo>
+              <a:lnTo>
+                <a:pt x="1488312" y="668175"/>
+              </a:lnTo>
+            </a:path>
+          </a:pathLst>
+        </a:custGeom>
+        <a:noFill/>
+        <a:ln w="6350" cap="flat" cmpd="sng" algn="ctr">
+          <a:solidFill>
+            <a:schemeClr val="dk1"/>
+          </a:solidFill>
+          <a:prstDash val="solid"/>
+          <a:miter lim="800000"/>
+        </a:ln>
+        <a:effectLst/>
+      </dsp:spPr>
+      <dsp:style>
+        <a:lnRef idx="1">
+          <a:schemeClr val="dk1"/>
+        </a:lnRef>
+        <a:fillRef idx="0">
+          <a:schemeClr val="dk1"/>
+        </a:fillRef>
+        <a:effectRef idx="0">
+          <a:schemeClr val="dk1"/>
+        </a:effectRef>
+        <a:fontRef idx="minor">
+          <a:schemeClr val="tx1"/>
+        </a:fontRef>
+      </dsp:style>
+      <dsp:txBody>
+        <a:bodyPr spcFirstLastPara="0" vert="horz" wrap="square" lIns="12700" tIns="0" rIns="12700" bIns="0" numCol="1" spcCol="1270" anchor="ctr" anchorCtr="0">
+          <a:noAutofit/>
+        </a:bodyPr>
+        <a:lstStyle/>
+        <a:p>
+          <a:pPr lvl="0" algn="ctr" defTabSz="222250">
+            <a:lnSpc>
+              <a:spcPct val="90000"/>
+            </a:lnSpc>
+            <a:spcBef>
+              <a:spcPct val="0"/>
+            </a:spcBef>
+            <a:spcAft>
+              <a:spcPct val="35000"/>
+            </a:spcAft>
+          </a:pPr>
+          <a:endParaRPr lang="zh-TW" altLang="en-US" sz="500" kern="1200"/>
+        </a:p>
+      </dsp:txBody>
+      <dsp:txXfrm>
+        <a:off x="2910706" y="2977926"/>
+        <a:ext cx="81571" cy="81571"/>
+      </dsp:txXfrm>
+    </dsp:sp>
+    <dsp:sp modelId="{E385BF6C-EF7C-41C8-B91F-84220CEB895E}">
+      <dsp:nvSpPr>
+        <dsp:cNvPr id="0" name=""/>
+        <dsp:cNvSpPr/>
+      </dsp:nvSpPr>
+      <dsp:spPr>
+        <a:xfrm>
+          <a:off x="2207336" y="2065866"/>
+          <a:ext cx="1488312" cy="618757"/>
+        </a:xfrm>
+        <a:custGeom>
+          <a:avLst/>
+          <a:gdLst/>
+          <a:ahLst/>
+          <a:cxnLst/>
+          <a:rect l="0" t="0" r="0" b="0"/>
+          <a:pathLst>
+            <a:path>
+              <a:moveTo>
+                <a:pt x="0" y="618757"/>
+              </a:moveTo>
+              <a:lnTo>
+                <a:pt x="744156" y="618757"/>
+              </a:lnTo>
+              <a:lnTo>
+                <a:pt x="744156" y="0"/>
+              </a:lnTo>
+              <a:lnTo>
+                <a:pt x="1488312" y="0"/>
+              </a:lnTo>
+            </a:path>
+          </a:pathLst>
+        </a:custGeom>
+        <a:noFill/>
+        <a:ln w="6350" cap="flat" cmpd="sng" algn="ctr">
+          <a:solidFill>
+            <a:schemeClr val="dk1"/>
+          </a:solidFill>
+          <a:prstDash val="solid"/>
+          <a:miter lim="800000"/>
+        </a:ln>
+        <a:effectLst/>
+      </dsp:spPr>
+      <dsp:style>
+        <a:lnRef idx="1">
+          <a:schemeClr val="dk1"/>
+        </a:lnRef>
+        <a:fillRef idx="0">
+          <a:schemeClr val="dk1"/>
+        </a:fillRef>
+        <a:effectRef idx="0">
+          <a:schemeClr val="dk1"/>
+        </a:effectRef>
+        <a:fontRef idx="minor">
+          <a:schemeClr val="tx1"/>
+        </a:fontRef>
+      </dsp:style>
+      <dsp:txBody>
+        <a:bodyPr spcFirstLastPara="0" vert="horz" wrap="square" lIns="12700" tIns="0" rIns="12700" bIns="0" numCol="1" spcCol="1270" anchor="ctr" anchorCtr="0">
+          <a:noAutofit/>
+        </a:bodyPr>
+        <a:lstStyle/>
+        <a:p>
+          <a:pPr lvl="0" algn="ctr" defTabSz="222250">
+            <a:lnSpc>
+              <a:spcPct val="90000"/>
+            </a:lnSpc>
+            <a:spcBef>
+              <a:spcPct val="0"/>
+            </a:spcBef>
+            <a:spcAft>
+              <a:spcPct val="35000"/>
+            </a:spcAft>
+          </a:pPr>
+          <a:endParaRPr lang="zh-TW" altLang="en-US" sz="500" kern="1200"/>
+        </a:p>
+      </dsp:txBody>
+      <dsp:txXfrm>
+        <a:off x="2911197" y="2334950"/>
+        <a:ext cx="80590" cy="80590"/>
+      </dsp:txXfrm>
+    </dsp:sp>
+    <dsp:sp modelId="{92606788-CAC9-4BF7-AB4A-DABE77BD38F1}">
+      <dsp:nvSpPr>
+        <dsp:cNvPr id="0" name=""/>
+        <dsp:cNvSpPr/>
+      </dsp:nvSpPr>
+      <dsp:spPr>
+        <a:xfrm>
+          <a:off x="2207336" y="778933"/>
+          <a:ext cx="1488312" cy="1905690"/>
+        </a:xfrm>
+        <a:custGeom>
+          <a:avLst/>
+          <a:gdLst/>
+          <a:ahLst/>
+          <a:cxnLst/>
+          <a:rect l="0" t="0" r="0" b="0"/>
+          <a:pathLst>
+            <a:path>
+              <a:moveTo>
+                <a:pt x="0" y="1905690"/>
+              </a:moveTo>
+              <a:lnTo>
+                <a:pt x="744156" y="1905690"/>
+              </a:lnTo>
+              <a:lnTo>
+                <a:pt x="744156" y="0"/>
+              </a:lnTo>
+              <a:lnTo>
+                <a:pt x="1488312" y="0"/>
+              </a:lnTo>
+            </a:path>
+          </a:pathLst>
+        </a:custGeom>
+        <a:noFill/>
+        <a:ln w="6350" cap="flat" cmpd="sng" algn="ctr">
+          <a:solidFill>
+            <a:schemeClr val="dk1"/>
+          </a:solidFill>
+          <a:prstDash val="solid"/>
+          <a:miter lim="800000"/>
+        </a:ln>
+        <a:effectLst/>
+      </dsp:spPr>
+      <dsp:style>
+        <a:lnRef idx="1">
+          <a:schemeClr val="dk1"/>
+        </a:lnRef>
+        <a:fillRef idx="0">
+          <a:schemeClr val="dk1"/>
+        </a:fillRef>
+        <a:effectRef idx="0">
+          <a:schemeClr val="dk1"/>
+        </a:effectRef>
+        <a:fontRef idx="minor">
+          <a:schemeClr val="tx1"/>
+        </a:fontRef>
+      </dsp:style>
+      <dsp:txBody>
+        <a:bodyPr spcFirstLastPara="0" vert="horz" wrap="square" lIns="12700" tIns="0" rIns="12700" bIns="0" numCol="1" spcCol="1270" anchor="ctr" anchorCtr="0">
+          <a:noAutofit/>
+        </a:bodyPr>
+        <a:lstStyle/>
+        <a:p>
+          <a:pPr lvl="0" algn="ctr" defTabSz="355600">
+            <a:lnSpc>
+              <a:spcPct val="90000"/>
+            </a:lnSpc>
+            <a:spcBef>
+              <a:spcPct val="0"/>
+            </a:spcBef>
+            <a:spcAft>
+              <a:spcPct val="35000"/>
+            </a:spcAft>
+          </a:pPr>
+          <a:endParaRPr lang="zh-TW" altLang="en-US" sz="800" kern="1200"/>
+        </a:p>
+      </dsp:txBody>
+      <dsp:txXfrm>
+        <a:off x="2891042" y="1671328"/>
+        <a:ext cx="120900" cy="120900"/>
+      </dsp:txXfrm>
+    </dsp:sp>
+    <dsp:sp modelId="{A699981A-0360-4D5B-AD66-60818B35B310}">
+      <dsp:nvSpPr>
+        <dsp:cNvPr id="0" name=""/>
+        <dsp:cNvSpPr/>
+      </dsp:nvSpPr>
+      <dsp:spPr>
+        <a:xfrm>
+          <a:off x="765337" y="1702210"/>
+          <a:ext cx="919168" cy="1964828"/>
+        </a:xfrm>
+        <a:prstGeom prst="rect">
+          <a:avLst/>
+        </a:prstGeom>
+        <a:noFill/>
+        <a:ln w="12700" cap="flat" cmpd="sng" algn="ctr">
+          <a:solidFill>
+            <a:schemeClr val="dk1"/>
+          </a:solidFill>
+          <a:prstDash val="solid"/>
+          <a:miter lim="800000"/>
+        </a:ln>
+        <a:effectLst/>
+      </dsp:spPr>
+      <dsp:style>
+        <a:lnRef idx="2">
+          <a:schemeClr val="dk1"/>
+        </a:lnRef>
+        <a:fillRef idx="1">
+          <a:schemeClr val="lt1"/>
+        </a:fillRef>
+        <a:effectRef idx="0">
+          <a:schemeClr val="dk1"/>
+        </a:effectRef>
+        <a:fontRef idx="minor">
+          <a:schemeClr val="dk1"/>
+        </a:fontRef>
+      </dsp:style>
+      <dsp:txBody>
+        <a:bodyPr spcFirstLastPara="0" vert="horz" wrap="square" lIns="22860" tIns="22860" rIns="22860" bIns="22860" numCol="1" spcCol="1270" anchor="ctr" anchorCtr="0">
+          <a:noAutofit/>
+        </a:bodyPr>
+        <a:lstStyle/>
+        <a:p>
+          <a:pPr lvl="0" algn="ctr" defTabSz="1600200">
+            <a:lnSpc>
+              <a:spcPct val="90000"/>
+            </a:lnSpc>
+            <a:spcBef>
+              <a:spcPct val="0"/>
+            </a:spcBef>
+            <a:spcAft>
+              <a:spcPct val="35000"/>
+            </a:spcAft>
+          </a:pPr>
+          <a:r>
+            <a:rPr lang="zh-TW" altLang="en-US" sz="3600" b="1" kern="1200" dirty="0" smtClean="0">
+              <a:solidFill>
+                <a:schemeClr val="tx1">
+                  <a:lumMod val="85000"/>
+                  <a:lumOff val="15000"/>
+                </a:schemeClr>
+              </a:solidFill>
+              <a:latin typeface="造字工房悦黑（非商用）纤细体" pitchFamily="50" charset="-122"/>
+              <a:ea typeface="造字工房悦黑（非商用）纤细体" pitchFamily="50" charset="-122"/>
+              <a:cs typeface="+mn-cs"/>
+            </a:rPr>
+            <a:t>首頁</a:t>
+          </a:r>
+          <a:endParaRPr lang="zh-TW" altLang="en-US" sz="3600" b="1" kern="1200" dirty="0">
+            <a:solidFill>
+              <a:schemeClr val="tx1">
+                <a:lumMod val="85000"/>
+                <a:lumOff val="15000"/>
+              </a:schemeClr>
+            </a:solidFill>
+            <a:latin typeface="造字工房悦黑（非商用）纤细体" pitchFamily="50" charset="-122"/>
+            <a:ea typeface="造字工房悦黑（非商用）纤细体" pitchFamily="50" charset="-122"/>
+            <a:cs typeface="+mn-cs"/>
+          </a:endParaRPr>
+        </a:p>
+      </dsp:txBody>
+      <dsp:txXfrm>
+        <a:off x="765337" y="1702210"/>
+        <a:ext cx="919168" cy="1964828"/>
+      </dsp:txXfrm>
+    </dsp:sp>
+    <dsp:sp modelId="{38D92000-1D75-4552-AC8B-3BCDB7C3FEF4}">
+      <dsp:nvSpPr>
+        <dsp:cNvPr id="0" name=""/>
+        <dsp:cNvSpPr/>
+      </dsp:nvSpPr>
+      <dsp:spPr>
+        <a:xfrm>
+          <a:off x="3695648" y="264160"/>
+          <a:ext cx="3376913" cy="1029546"/>
+        </a:xfrm>
+        <a:prstGeom prst="rect">
+          <a:avLst/>
+        </a:prstGeom>
+        <a:noFill/>
+        <a:ln w="12700" cap="flat" cmpd="sng" algn="ctr">
+          <a:solidFill>
+            <a:schemeClr val="dk1"/>
+          </a:solidFill>
+          <a:prstDash val="solid"/>
+          <a:miter lim="800000"/>
+        </a:ln>
+        <a:effectLst/>
+      </dsp:spPr>
+      <dsp:style>
+        <a:lnRef idx="2">
+          <a:schemeClr val="dk1"/>
+        </a:lnRef>
+        <a:fillRef idx="1">
+          <a:schemeClr val="lt1"/>
+        </a:fillRef>
+        <a:effectRef idx="0">
+          <a:schemeClr val="dk1"/>
+        </a:effectRef>
+        <a:fontRef idx="minor">
+          <a:schemeClr val="dk1"/>
+        </a:fontRef>
+      </dsp:style>
+      <dsp:txBody>
+        <a:bodyPr spcFirstLastPara="0" vert="horz" wrap="square" lIns="22860" tIns="22860" rIns="22860" bIns="22860" numCol="1" spcCol="1270" anchor="ctr" anchorCtr="0">
+          <a:noAutofit/>
+        </a:bodyPr>
+        <a:lstStyle/>
+        <a:p>
+          <a:pPr marL="0" lvl="0" algn="ctr" defTabSz="914400" rtl="0" eaLnBrk="1" latinLnBrk="0" hangingPunct="1">
+            <a:lnSpc>
+              <a:spcPct val="90000"/>
+            </a:lnSpc>
+            <a:spcBef>
+              <a:spcPct val="0"/>
+            </a:spcBef>
+            <a:spcAft>
+              <a:spcPct val="35000"/>
+            </a:spcAft>
+          </a:pPr>
+          <a:r>
+            <a:rPr lang="zh-TW" altLang="en-US" sz="3600" b="1" kern="1200" dirty="0" smtClean="0">
+              <a:solidFill>
+                <a:schemeClr val="tx1">
+                  <a:lumMod val="85000"/>
+                  <a:lumOff val="15000"/>
+                </a:schemeClr>
+              </a:solidFill>
+              <a:latin typeface="造字工房悦黑（非商用）纤细体" pitchFamily="50" charset="-122"/>
+              <a:ea typeface="造字工房悦黑（非商用）纤细体" pitchFamily="50" charset="-122"/>
+              <a:cs typeface="+mn-cs"/>
+            </a:rPr>
+            <a:t>個人資訊</a:t>
+          </a:r>
+          <a:endParaRPr lang="zh-TW" altLang="en-US" sz="3600" b="1" kern="1200" dirty="0">
+            <a:solidFill>
+              <a:schemeClr val="tx1">
+                <a:lumMod val="85000"/>
+                <a:lumOff val="15000"/>
+              </a:schemeClr>
+            </a:solidFill>
+            <a:latin typeface="造字工房悦黑（非商用）纤细体" pitchFamily="50" charset="-122"/>
+            <a:ea typeface="造字工房悦黑（非商用）纤细体" pitchFamily="50" charset="-122"/>
+            <a:cs typeface="+mn-cs"/>
+          </a:endParaRPr>
+        </a:p>
+      </dsp:txBody>
+      <dsp:txXfrm>
+        <a:off x="3695648" y="264160"/>
+        <a:ext cx="3376913" cy="1029546"/>
+      </dsp:txXfrm>
+    </dsp:sp>
+    <dsp:sp modelId="{FB9A03BE-DE09-44B1-8B1F-A8170086B8BD}">
+      <dsp:nvSpPr>
+        <dsp:cNvPr id="0" name=""/>
+        <dsp:cNvSpPr/>
+      </dsp:nvSpPr>
+      <dsp:spPr>
+        <a:xfrm>
+          <a:off x="3695648" y="1551093"/>
+          <a:ext cx="3376913" cy="1029546"/>
+        </a:xfrm>
+        <a:prstGeom prst="rect">
+          <a:avLst/>
+        </a:prstGeom>
+        <a:noFill/>
+        <a:ln w="12700" cap="flat" cmpd="sng" algn="ctr">
+          <a:solidFill>
+            <a:schemeClr val="dk1"/>
+          </a:solidFill>
+          <a:prstDash val="solid"/>
+          <a:miter lim="800000"/>
+        </a:ln>
+        <a:effectLst/>
+      </dsp:spPr>
+      <dsp:style>
+        <a:lnRef idx="2">
+          <a:schemeClr val="dk1"/>
+        </a:lnRef>
+        <a:fillRef idx="1">
+          <a:schemeClr val="lt1"/>
+        </a:fillRef>
+        <a:effectRef idx="0">
+          <a:schemeClr val="dk1"/>
+        </a:effectRef>
+        <a:fontRef idx="minor">
+          <a:schemeClr val="dk1"/>
+        </a:fontRef>
+      </dsp:style>
+      <dsp:txBody>
+        <a:bodyPr spcFirstLastPara="0" vert="horz" wrap="square" lIns="22860" tIns="22860" rIns="22860" bIns="22860" numCol="1" spcCol="1270" anchor="ctr" anchorCtr="0">
+          <a:noAutofit/>
+        </a:bodyPr>
+        <a:lstStyle/>
+        <a:p>
+          <a:pPr marL="0" lvl="0" algn="ctr" defTabSz="914400" rtl="0" eaLnBrk="1" latinLnBrk="0" hangingPunct="1">
+            <a:lnSpc>
+              <a:spcPct val="90000"/>
+            </a:lnSpc>
+            <a:spcBef>
+              <a:spcPct val="0"/>
+            </a:spcBef>
+            <a:spcAft>
+              <a:spcPct val="35000"/>
+            </a:spcAft>
+          </a:pPr>
+          <a:r>
+            <a:rPr lang="zh-TW" altLang="en-US" sz="3600" b="1" kern="1200" dirty="0" smtClean="0">
+              <a:solidFill>
+                <a:schemeClr val="tx1">
+                  <a:lumMod val="85000"/>
+                  <a:lumOff val="15000"/>
+                </a:schemeClr>
+              </a:solidFill>
+              <a:latin typeface="造字工房悦黑（非商用）纤细体" pitchFamily="50" charset="-122"/>
+              <a:ea typeface="造字工房悦黑（非商用）纤细体" pitchFamily="50" charset="-122"/>
+              <a:cs typeface="+mn-cs"/>
+            </a:rPr>
+            <a:t>日常生活</a:t>
+          </a:r>
+          <a:endParaRPr lang="zh-TW" altLang="en-US" sz="3600" b="1" kern="1200" dirty="0">
+            <a:solidFill>
+              <a:schemeClr val="tx1">
+                <a:lumMod val="85000"/>
+                <a:lumOff val="15000"/>
+              </a:schemeClr>
+            </a:solidFill>
+            <a:latin typeface="造字工房悦黑（非商用）纤细体" pitchFamily="50" charset="-122"/>
+            <a:ea typeface="造字工房悦黑（非商用）纤细体" pitchFamily="50" charset="-122"/>
+            <a:cs typeface="+mn-cs"/>
+          </a:endParaRPr>
+        </a:p>
+      </dsp:txBody>
+      <dsp:txXfrm>
+        <a:off x="3695648" y="1551093"/>
+        <a:ext cx="3376913" cy="1029546"/>
+      </dsp:txXfrm>
+    </dsp:sp>
+    <dsp:sp modelId="{8EDE4F78-D8AE-4B8D-B4D5-8973C710C994}">
+      <dsp:nvSpPr>
+        <dsp:cNvPr id="0" name=""/>
+        <dsp:cNvSpPr/>
+      </dsp:nvSpPr>
+      <dsp:spPr>
+        <a:xfrm>
+          <a:off x="3695648" y="2838026"/>
+          <a:ext cx="3376913" cy="1029546"/>
+        </a:xfrm>
+        <a:prstGeom prst="rect">
+          <a:avLst/>
+        </a:prstGeom>
+        <a:noFill/>
+        <a:ln w="12700" cap="flat" cmpd="sng" algn="ctr">
+          <a:solidFill>
+            <a:schemeClr val="dk1"/>
+          </a:solidFill>
+          <a:prstDash val="solid"/>
+          <a:miter lim="800000"/>
+        </a:ln>
+        <a:effectLst/>
+      </dsp:spPr>
+      <dsp:style>
+        <a:lnRef idx="2">
+          <a:schemeClr val="dk1"/>
+        </a:lnRef>
+        <a:fillRef idx="1">
+          <a:schemeClr val="lt1"/>
+        </a:fillRef>
+        <a:effectRef idx="0">
+          <a:schemeClr val="dk1"/>
+        </a:effectRef>
+        <a:fontRef idx="minor">
+          <a:schemeClr val="dk1"/>
+        </a:fontRef>
+      </dsp:style>
+      <dsp:txBody>
+        <a:bodyPr spcFirstLastPara="0" vert="horz" wrap="square" lIns="22860" tIns="22860" rIns="22860" bIns="22860" numCol="1" spcCol="1270" anchor="ctr" anchorCtr="0">
+          <a:noAutofit/>
+        </a:bodyPr>
+        <a:lstStyle/>
+        <a:p>
+          <a:pPr marL="0" lvl="0" algn="ctr" defTabSz="914400" rtl="0" eaLnBrk="1" latinLnBrk="0" hangingPunct="1">
+            <a:lnSpc>
+              <a:spcPct val="90000"/>
+            </a:lnSpc>
+            <a:spcBef>
+              <a:spcPct val="0"/>
+            </a:spcBef>
+            <a:spcAft>
+              <a:spcPct val="35000"/>
+            </a:spcAft>
+          </a:pPr>
+          <a:r>
+            <a:rPr lang="zh-TW" altLang="en-US" sz="3600" b="1" kern="1200" dirty="0" smtClean="0">
+              <a:solidFill>
+                <a:schemeClr val="tx1">
+                  <a:lumMod val="85000"/>
+                  <a:lumOff val="15000"/>
+                </a:schemeClr>
+              </a:solidFill>
+              <a:latin typeface="造字工房悦黑（非商用）纤细体" pitchFamily="50" charset="-122"/>
+              <a:ea typeface="造字工房悦黑（非商用）纤细体" pitchFamily="50" charset="-122"/>
+              <a:cs typeface="+mn-cs"/>
+            </a:rPr>
+            <a:t>寵物商城</a:t>
+          </a:r>
+          <a:endParaRPr lang="en-US" altLang="zh-TW" sz="3600" b="1" kern="1200" dirty="0" smtClean="0">
+            <a:solidFill>
+              <a:schemeClr val="tx1">
+                <a:lumMod val="85000"/>
+                <a:lumOff val="15000"/>
+              </a:schemeClr>
+            </a:solidFill>
+            <a:latin typeface="造字工房悦黑（非商用）纤细体" pitchFamily="50" charset="-122"/>
+            <a:ea typeface="造字工房悦黑（非商用）纤细体" pitchFamily="50" charset="-122"/>
+            <a:cs typeface="+mn-cs"/>
+          </a:endParaRPr>
+        </a:p>
+      </dsp:txBody>
+      <dsp:txXfrm>
+        <a:off x="3695648" y="2838026"/>
+        <a:ext cx="3376913" cy="1029546"/>
+      </dsp:txXfrm>
+    </dsp:sp>
+    <dsp:sp modelId="{F2220A71-8DFD-4AEE-B2F5-9F6070E56BDC}">
+      <dsp:nvSpPr>
+        <dsp:cNvPr id="0" name=""/>
+        <dsp:cNvSpPr/>
+      </dsp:nvSpPr>
+      <dsp:spPr>
+        <a:xfrm>
+          <a:off x="3695648" y="4124960"/>
+          <a:ext cx="3376913" cy="1029546"/>
+        </a:xfrm>
+        <a:prstGeom prst="rect">
+          <a:avLst/>
+        </a:prstGeom>
+        <a:noFill/>
+        <a:ln w="12700" cap="flat" cmpd="sng" algn="ctr">
+          <a:solidFill>
+            <a:schemeClr val="dk1"/>
+          </a:solidFill>
+          <a:prstDash val="solid"/>
+          <a:miter lim="800000"/>
+        </a:ln>
+        <a:effectLst/>
+      </dsp:spPr>
+      <dsp:style>
+        <a:lnRef idx="2">
+          <a:schemeClr val="dk1"/>
+        </a:lnRef>
+        <a:fillRef idx="1">
+          <a:schemeClr val="lt1"/>
+        </a:fillRef>
+        <a:effectRef idx="0">
+          <a:schemeClr val="dk1"/>
+        </a:effectRef>
+        <a:fontRef idx="minor">
+          <a:schemeClr val="dk1"/>
+        </a:fontRef>
+      </dsp:style>
+      <dsp:txBody>
+        <a:bodyPr spcFirstLastPara="0" vert="horz" wrap="square" lIns="22860" tIns="22860" rIns="22860" bIns="22860" numCol="1" spcCol="1270" anchor="ctr" anchorCtr="0">
+          <a:noAutofit/>
+        </a:bodyPr>
+        <a:lstStyle/>
+        <a:p>
+          <a:pPr marL="0" lvl="0" algn="ctr" defTabSz="914400" rtl="0" eaLnBrk="1" latinLnBrk="0" hangingPunct="1">
+            <a:lnSpc>
+              <a:spcPct val="90000"/>
+            </a:lnSpc>
+            <a:spcBef>
+              <a:spcPct val="0"/>
+            </a:spcBef>
+            <a:spcAft>
+              <a:spcPct val="35000"/>
+            </a:spcAft>
+          </a:pPr>
+          <a:r>
+            <a:rPr lang="zh-TW" altLang="en-US" sz="3600" b="1" kern="1200" dirty="0" smtClean="0">
+              <a:solidFill>
+                <a:schemeClr val="tx1">
+                  <a:lumMod val="85000"/>
+                  <a:lumOff val="15000"/>
+                </a:schemeClr>
+              </a:solidFill>
+              <a:latin typeface="造字工房悦黑（非商用）纤细体" pitchFamily="50" charset="-122"/>
+              <a:ea typeface="造字工房悦黑（非商用）纤细体" pitchFamily="50" charset="-122"/>
+              <a:cs typeface="+mn-cs"/>
+            </a:rPr>
+            <a:t>寵物醫院</a:t>
+          </a:r>
+          <a:endParaRPr lang="en-US" altLang="zh-TW" sz="3600" b="1" kern="1200" dirty="0" smtClean="0">
+            <a:solidFill>
+              <a:schemeClr val="tx1">
+                <a:lumMod val="85000"/>
+                <a:lumOff val="15000"/>
+              </a:schemeClr>
+            </a:solidFill>
+            <a:latin typeface="造字工房悦黑（非商用）纤细体" pitchFamily="50" charset="-122"/>
+            <a:ea typeface="造字工房悦黑（非商用）纤细体" pitchFamily="50" charset="-122"/>
+            <a:cs typeface="+mn-cs"/>
+          </a:endParaRPr>
+        </a:p>
+      </dsp:txBody>
+      <dsp:txXfrm>
+        <a:off x="3695648" y="4124960"/>
+        <a:ext cx="3376913" cy="1029546"/>
+      </dsp:txXfrm>
+    </dsp:sp>
+  </dsp:spTree>
+</dsp:drawing>
+</file>
+
+<file path=ppt/diagrams/layout1.xml><?xml version="1.0" encoding="utf-8"?>
+<dgm:layoutDef xmlns:dgm="http://schemas.openxmlformats.org/drawingml/2006/diagram" xmlns:a="http://schemas.openxmlformats.org/drawingml/2006/main" uniqueId="urn:microsoft.com/office/officeart/2008/layout/HorizontalMultiLevelHierarchy">
+  <dgm:title val=""/>
+  <dgm:desc val=""/>
+  <dgm:catLst>
+    <dgm:cat type="hierarchy" pri="4600"/>
+  </dgm:catLst>
+  <dgm:sampData>
+    <dgm:dataModel>
+      <dgm:ptLst>
+        <dgm:pt modelId="0" type="doc"/>
+        <dgm:pt modelId="1">
+          <dgm:prSet phldr="1"/>
+        </dgm:pt>
+        <dgm:pt modelId="11">
+          <dgm:prSet phldr="1"/>
+        </dgm:pt>
+        <dgm:pt modelId="12">
+          <dgm:prSet phldr="1"/>
+        </dgm:pt>
+        <dgm:pt modelId="13">
+          <dgm:prSet phldr="1"/>
+        </dgm:pt>
+      </dgm:ptLst>
+      <dgm:cxnLst>
+        <dgm:cxn modelId="2" srcId="0" destId="1" srcOrd="0" destOrd="0"/>
+        <dgm:cxn modelId="3" srcId="1" destId="11" srcOrd="0" destOrd="0"/>
+        <dgm:cxn modelId="4" srcId="1" destId="12" srcOrd="1" destOrd="0"/>
+        <dgm:cxn modelId="5" srcId="1" destId="13" srcOrd="2" destOrd="0"/>
+      </dgm:cxnLst>
+      <dgm:bg/>
+      <dgm:whole/>
+    </dgm:dataModel>
+  </dgm:sampData>
+  <dgm:styleData>
+    <dgm:dataModel>
+      <dgm:ptLst>
+        <dgm:pt modelId="0" type="doc"/>
+        <dgm:pt modelId="1">
+          <dgm:prSet phldr="1"/>
+        </dgm:pt>
+        <dgm:pt modelId="11">
+          <dgm:prSet phldr="1"/>
+        </dgm:pt>
+        <dgm:pt modelId="12">
+          <dgm:prSet phldr="1"/>
+        </dgm:pt>
+      </dgm:ptLst>
+      <dgm:cxnLst>
+        <dgm:cxn modelId="2" srcId="0" destId="1" srcOrd="0" destOrd="0"/>
+        <dgm:cxn modelId="3" srcId="1" destId="11" srcOrd="0" destOrd="0"/>
+        <dgm:cxn modelId="4" srcId="1" destId="12" srcOrd="1" destOrd="0"/>
+      </dgm:cxnLst>
+      <dgm:bg/>
+      <dgm:whole/>
+    </dgm:dataModel>
+  </dgm:styleData>
+  <dgm:clrData>
+    <dgm:dataModel>
+      <dgm:ptLst>
+        <dgm:pt modelId="0" type="doc"/>
+        <dgm:pt modelId="1">
+          <dgm:prSet phldr="1"/>
+        </dgm:pt>
+        <dgm:pt modelId="11">
+          <dgm:prSet phldr="1"/>
+        </dgm:pt>
+        <dgm:pt modelId="12">
+          <dgm:prSet phldr="1"/>
+        </dgm:pt>
+        <dgm:pt modelId="13">
+          <dgm:prSet phldr="1"/>
+        </dgm:pt>
+      </dgm:ptLst>
+      <dgm:cxnLst>
+        <dgm:cxn modelId="2" srcId="0" destId="1" srcOrd="0" destOrd="0"/>
+        <dgm:cxn modelId="3" srcId="1" destId="11" srcOrd="0" destOrd="0"/>
+        <dgm:cxn modelId="4" srcId="1" destId="12" srcOrd="1" destOrd="0"/>
+        <dgm:cxn modelId="5" srcId="1" destId="13" srcOrd="2" destOrd="0"/>
+      </dgm:cxnLst>
+      <dgm:bg/>
+      <dgm:whole/>
+    </dgm:dataModel>
+  </dgm:clrData>
+  <dgm:layoutNode name="Name0">
+    <dgm:varLst>
+      <dgm:chPref val="1"/>
+      <dgm:dir/>
+      <dgm:animOne val="branch"/>
+      <dgm:animLvl val="lvl"/>
+      <dgm:resizeHandles val="exact"/>
+    </dgm:varLst>
+    <dgm:choose name="Name1">
+      <dgm:if name="Name2" func="var" arg="dir" op="equ" val="norm">
+        <dgm:alg type="hierChild">
+          <dgm:param type="linDir" val="fromT"/>
+          <dgm:param type="chAlign" val="l"/>
+        </dgm:alg>
+      </dgm:if>
+      <dgm:else name="Name3">
+        <dgm:alg type="hierChild">
+          <dgm:param type="linDir" val="fromT"/>
+          <dgm:param type="chAlign" val="r"/>
+        </dgm:alg>
+      </dgm:else>
+    </dgm:choose>
+    <dgm:shape xmlns:r="http://schemas.openxmlformats.org/officeDocument/2006/relationships" r:blip="">
+      <dgm:adjLst/>
+    </dgm:shape>
+    <dgm:presOf/>
+    <dgm:constrLst>
+      <dgm:constr type="h" for="des" forName="LevelOneTextNode" refType="h"/>
+      <dgm:constr type="w" for="des" forName="LevelOneTextNode" refType="h" refFor="des" refForName="LevelOneTextNode" fact="0.19"/>
+      <dgm:constr type="h" for="des" forName="LevelTwoTextNode" refType="w" refFor="des" refForName="LevelOneTextNode"/>
+      <dgm:constr type="w" for="des" forName="LevelTwoTextNode" refType="h" refFor="des" refForName="LevelTwoTextNode" fact="3.28"/>
+      <dgm:constr type="sibSp" refType="h" refFor="des" refForName="LevelTwoTextNode" op="equ" fact="0.25"/>
+      <dgm:constr type="sibSp" for="des" forName="level2hierChild" refType="h" refFor="des" refForName="LevelTwoTextNode" op="equ" fact="0.25"/>
+      <dgm:constr type="sibSp" for="des" forName="level3hierChild" refType="h" refFor="des" refForName="LevelTwoTextNode" op="equ" fact="0.25"/>
+      <dgm:constr type="sp" for="des" forName="root1" refType="w" refFor="des" refForName="LevelTwoTextNode" fact="0.2"/>
+      <dgm:constr type="sp" for="des" forName="root2" refType="sp" refFor="des" refForName="root1" op="equ"/>
+      <dgm:constr type="primFontSz" for="des" forName="LevelOneTextNode" op="equ" val="65"/>
+      <dgm:constr type="primFontSz" for="des" forName="LevelTwoTextNode" op="equ" val="65"/>
+      <dgm:constr type="primFontSz" for="des" forName="LevelTwoTextNode" refType="primFontSz" refFor="des" refForName="LevelOneTextNode" op="lte"/>
+      <dgm:constr type="primFontSz" for="des" forName="connTx" op="equ" val="50"/>
+      <dgm:constr type="primFontSz" for="des" forName="connTx" refType="primFontSz" refFor="des" refForName="LevelOneTextNode" op="lte" fact="0.78"/>
+    </dgm:constrLst>
+    <dgm:forEach name="Name4" axis="ch">
+      <dgm:forEach name="Name5" axis="self" ptType="node">
+        <dgm:layoutNode name="root1">
+          <dgm:choose name="Name6">
+            <dgm:if name="Name7" func="var" arg="dir" op="equ" val="norm">
+              <dgm:alg type="hierRoot">
+                <dgm:param type="hierAlign" val="lCtrCh"/>
+              </dgm:alg>
+            </dgm:if>
+            <dgm:else name="Name8">
+              <dgm:alg type="hierRoot">
+                <dgm:param type="hierAlign" val="rCtrCh"/>
+              </dgm:alg>
+            </dgm:else>
+          </dgm:choose>
+          <dgm:shape xmlns:r="http://schemas.openxmlformats.org/officeDocument/2006/relationships" r:blip="">
+            <dgm:adjLst/>
+          </dgm:shape>
+          <dgm:presOf/>
+          <dgm:layoutNode name="LevelOneTextNode" styleLbl="node0">
+            <dgm:varLst>
+              <dgm:chPref val="3"/>
+            </dgm:varLst>
+            <dgm:alg type="tx">
+              <dgm:param type="autoTxRot" val="grav"/>
+            </dgm:alg>
+            <dgm:choose name="Name9">
+              <dgm:if name="Name10" func="var" arg="dir" op="equ" val="norm">
+                <dgm:shape xmlns:r="http://schemas.openxmlformats.org/officeDocument/2006/relationships" rot="270" type="rect" r:blip="">
+                  <dgm:adjLst/>
+                </dgm:shape>
+              </dgm:if>
+              <dgm:else name="Name11">
+                <dgm:shape xmlns:r="http://schemas.openxmlformats.org/officeDocument/2006/relationships" rot="90" type="rect" r:blip="">
+                  <dgm:adjLst/>
+                </dgm:shape>
+              </dgm:else>
+            </dgm:choose>
+            <dgm:presOf axis="self"/>
+            <dgm:constrLst>
+              <dgm:constr type="tMarg" refType="primFontSz" fact="0.05"/>
+              <dgm:constr type="bMarg" refType="primFontSz" fact="0.05"/>
+              <dgm:constr type="lMarg" refType="primFontSz" fact="0.05"/>
+              <dgm:constr type="rMarg" refType="primFontSz" fact="0.05"/>
+            </dgm:constrLst>
+            <dgm:ruleLst>
+              <dgm:rule type="primFontSz" val="2" fact="NaN" max="NaN"/>
+            </dgm:ruleLst>
+          </dgm:layoutNode>
+          <dgm:layoutNode name="level2hierChild">
+            <dgm:choose name="Name12">
+              <dgm:if name="Name13" func="var" arg="dir" op="equ" val="norm">
+                <dgm:alg type="hierChild">
+                  <dgm:param type="linDir" val="fromT"/>
+                  <dgm:param type="chAlign" val="l"/>
+                </dgm:alg>
+              </dgm:if>
+              <dgm:else name="Name14">
+                <dgm:alg type="hierChild">
+                  <dgm:param type="linDir" val="fromT"/>
+                  <dgm:param type="chAlign" val="r"/>
+                </dgm:alg>
+              </dgm:else>
+            </dgm:choose>
+            <dgm:shape xmlns:r="http://schemas.openxmlformats.org/officeDocument/2006/relationships" r:blip="">
+              <dgm:adjLst/>
+            </dgm:shape>
+            <dgm:presOf/>
+            <dgm:forEach name="repeat" axis="ch">
+              <dgm:forEach name="Name15" axis="self" ptType="parTrans" cnt="1">
+                <dgm:layoutNode name="conn2-1">
+                  <dgm:choose name="Name16">
+                    <dgm:if name="Name17" func="var" arg="dir" op="equ" val="norm">
+                      <dgm:alg type="conn">
+                        <dgm:param type="dim" val="1D"/>
+                        <dgm:param type="begPts" val="midR"/>
+                        <dgm:param type="endPts" val="midL"/>
+                        <dgm:param type="endSty" val="noArr"/>
+                        <dgm:param type="connRout" val="bend"/>
+                      </dgm:alg>
+                    </dgm:if>
+                    <dgm:else name="Name18">
+                      <dgm:alg type="conn">
+                        <dgm:param type="dim" val="1D"/>
+                        <dgm:param type="begPts" val="midL"/>
+                        <dgm:param type="endPts" val="midR"/>
+                        <dgm:param type="endSty" val="noArr"/>
+                        <dgm:param type="connRout" val="bend"/>
+                      </dgm:alg>
+                    </dgm:else>
+                  </dgm:choose>
+                  <dgm:shape xmlns:r="http://schemas.openxmlformats.org/officeDocument/2006/relationships" type="conn" r:blip="" zOrderOff="-99999">
+                    <dgm:adjLst/>
+                  </dgm:shape>
+                  <dgm:presOf axis="self"/>
+                  <dgm:constrLst>
+                    <dgm:constr type="w" val="1"/>
+                    <dgm:constr type="h" val="5"/>
+                    <dgm:constr type="connDist"/>
+                    <dgm:constr type="begPad"/>
+                    <dgm:constr type="endPad"/>
+                    <dgm:constr type="userA" for="ch" refType="connDist"/>
+                  </dgm:constrLst>
+                  <dgm:layoutNode name="connTx">
+                    <dgm:alg type="tx">
+                      <dgm:param type="autoTxRot" val="grav"/>
+                    </dgm:alg>
+                    <dgm:shape xmlns:r="http://schemas.openxmlformats.org/officeDocument/2006/relationships" type="rect" r:blip="" hideGeom="1">
+                      <dgm:adjLst/>
+                    </dgm:shape>
+                    <dgm:presOf axis="self"/>
+                    <dgm:constrLst>
+                      <dgm:constr type="userA"/>
+                      <dgm:constr type="w" refType="userA" fact="0.05"/>
+                      <dgm:constr type="h" refType="userA" fact="0.05"/>
+                      <dgm:constr type="lMarg" val="1"/>
+                      <dgm:constr type="rMarg" val="1"/>
+                      <dgm:constr type="tMarg"/>
+                      <dgm:constr type="bMarg"/>
+                    </dgm:constrLst>
+                    <dgm:ruleLst>
+                      <dgm:rule type="h" val="NaN" fact="0.25" max="NaN"/>
+                      <dgm:rule type="w" val="NaN" fact="0.8" max="NaN"/>
+                      <dgm:rule type="primFontSz" val="5" fact="NaN" max="NaN"/>
+                    </dgm:ruleLst>
+                  </dgm:layoutNode>
+                </dgm:layoutNode>
+              </dgm:forEach>
+              <dgm:forEach name="Name19" axis="self" ptType="node">
+                <dgm:layoutNode name="root2">
+                  <dgm:choose name="Name20">
+                    <dgm:if name="Name21" func="var" arg="dir" op="equ" val="norm">
+                      <dgm:alg type="hierRoot">
+                        <dgm:param type="hierAlign" val="lCtrCh"/>
+                      </dgm:alg>
+                    </dgm:if>
+                    <dgm:else name="Name22">
+                      <dgm:alg type="hierRoot">
+                        <dgm:param type="hierAlign" val="rCtrCh"/>
+                      </dgm:alg>
+                    </dgm:else>
+                  </dgm:choose>
+                  <dgm:shape xmlns:r="http://schemas.openxmlformats.org/officeDocument/2006/relationships" r:blip="">
+                    <dgm:adjLst/>
+                  </dgm:shape>
+                  <dgm:presOf/>
+                  <dgm:layoutNode name="LevelTwoTextNode">
+                    <dgm:varLst>
+                      <dgm:chPref val="3"/>
+                    </dgm:varLst>
+                    <dgm:alg type="tx"/>
+                    <dgm:shape xmlns:r="http://schemas.openxmlformats.org/officeDocument/2006/relationships" type="rect" r:blip="">
+                      <dgm:adjLst/>
+                    </dgm:shape>
+                    <dgm:presOf axis="self"/>
+                    <dgm:constrLst>
+                      <dgm:constr type="tMarg" refType="primFontSz" fact="0.05"/>
+                      <dgm:constr type="bMarg" refType="primFontSz" fact="0.05"/>
+                      <dgm:constr type="lMarg" refType="primFontSz" fact="0.05"/>
+                      <dgm:constr type="rMarg" refType="primFontSz" fact="0.05"/>
+                    </dgm:constrLst>
+                    <dgm:ruleLst>
+                      <dgm:rule type="primFontSz" val="2" fact="NaN" max="NaN"/>
+                    </dgm:ruleLst>
+                  </dgm:layoutNode>
+                  <dgm:layoutNode name="level3hierChild">
+                    <dgm:choose name="Name23">
+                      <dgm:if name="Name24" func="var" arg="dir" op="equ" val="norm">
+                        <dgm:alg type="hierChild">
+                          <dgm:param type="linDir" val="fromT"/>
+                          <dgm:param type="chAlign" val="l"/>
+                        </dgm:alg>
+                      </dgm:if>
+                      <dgm:else name="Name25">
+                        <dgm:alg type="hierChild">
+                          <dgm:param type="linDir" val="fromT"/>
+                          <dgm:param type="chAlign" val="r"/>
+                        </dgm:alg>
+                      </dgm:else>
+                    </dgm:choose>
+                    <dgm:shape xmlns:r="http://schemas.openxmlformats.org/officeDocument/2006/relationships" r:blip="">
+                      <dgm:adjLst/>
+                    </dgm:shape>
+                    <dgm:presOf/>
+                    <dgm:forEach name="Name26" ref="repeat"/>
+                  </dgm:layoutNode>
+                </dgm:layoutNode>
+              </dgm:forEach>
+            </dgm:forEach>
+          </dgm:layoutNode>
+        </dgm:layoutNode>
+      </dgm:forEach>
+    </dgm:forEach>
+  </dgm:layoutNode>
+</dgm:layoutDef>
+</file>
+
+<file path=ppt/diagrams/quickStyle1.xml><?xml version="1.0" encoding="utf-8"?>
+<dgm:styleDef xmlns:dgm="http://schemas.openxmlformats.org/drawingml/2006/diagram" xmlns:a="http://schemas.openxmlformats.org/drawingml/2006/main" uniqueId="urn:microsoft.com/office/officeart/2005/8/quickstyle/simple1">
+  <dgm:title val=""/>
+  <dgm:desc val=""/>
+  <dgm:catLst>
+    <dgm:cat type="simple" pri="10100"/>
+  </dgm:catLst>
+  <dgm:scene3d>
+    <a:camera prst="orthographicFront"/>
+    <a:lightRig rig="threePt" dir="t"/>
+  </dgm:scene3d>
+  <dgm:styleLbl name="node0">
+    <dgm:scene3d>
+      <a:camera prst="orthographicFront"/>
+      <a:lightRig rig="threePt" dir="t"/>
+    </dgm:scene3d>
+    <dgm:sp3d/>
+    <dgm:txPr/>
+    <dgm:style>
+      <a:lnRef idx="2">
+        <a:scrgbClr r="0" g="0" b="0"/>
+      </a:lnRef>
+      <a:fillRef idx="1">
+        <a:scrgbClr r="0" g="0" b="0"/>
+      </a:fillRef>
+      <a:effectRef idx="0">
+        <a:scrgbClr r="0" g="0" b="0"/>
+      </a:effectRef>
+      <a:fontRef idx="minor">
+        <a:schemeClr val="lt1"/>
+      </a:fontRef>
+    </dgm:style>
+  </dgm:styleLbl>
+  <dgm:styleLbl name="lnNode1">
+    <dgm:scene3d>
+      <a:camera prst="orthographicFront"/>
+      <a:lightRig rig="threePt" dir="t"/>
+    </dgm:scene3d>
+    <dgm:sp3d/>
+    <dgm:txPr/>
+    <dgm:style>
+      <a:lnRef idx="2">
+        <a:scrgbClr r="0" g="0" b="0"/>
+      </a:lnRef>
+      <a:fillRef idx="1">
+        <a:scrgbClr r="0" g="0" b="0"/>
+      </a:fillRef>
+      <a:effectRef idx="0">
+        <a:scrgbClr r="0" g="0" b="0"/>
+      </a:effectRef>
+      <a:fontRef idx="minor">
+        <a:schemeClr val="lt1"/>
+      </a:fontRef>
+    </dgm:style>
+  </dgm:styleLbl>
+  <dgm:styleLbl name="vennNode1">
+    <dgm:scene3d>
+      <a:camera prst="orthographicFront"/>
+      <a:lightRig rig="threePt" dir="t"/>
+    </dgm:scene3d>
+    <dgm:sp3d/>
+    <dgm:txPr/>
+    <dgm:style>
+      <a:lnRef idx="2">
+        <a:scrgbClr r="0" g="0" b="0"/>
+      </a:lnRef>
+      <a:fillRef idx="1">
+        <a:scrgbClr r="0" g="0" b="0"/>
+      </a:fillRef>
+      <a:effectRef idx="0">
+        <a:scrgbClr r="0" g="0" b="0"/>
+      </a:effectRef>
+      <a:fontRef idx="minor">
+        <a:schemeClr val="tx1"/>
+      </a:fontRef>
+    </dgm:style>
+  </dgm:styleLbl>
+  <dgm:styleLbl name="alignNode1">
+    <dgm:scene3d>
+      <a:camera prst="orthographicFront"/>
+      <a:lightRig rig="threePt" dir="t"/>
+    </dgm:scene3d>
+    <dgm:sp3d/>
+    <dgm:txPr/>
+    <dgm:style>
+      <a:lnRef idx="2">
+        <a:scrgbClr r="0" g="0" b="0"/>
+      </a:lnRef>
+      <a:fillRef idx="1">
+        <a:scrgbClr r="0" g="0" b="0"/>
+      </a:fillRef>
+      <a:effectRef idx="0">
+        <a:scrgbClr r="0" g="0" b="0"/>
+      </a:effectRef>
+      <a:fontRef idx="minor">
+        <a:schemeClr val="lt1"/>
+      </a:fontRef>
+    </dgm:style>
+  </dgm:styleLbl>
+  <dgm:styleLbl name="node1">
+    <dgm:scene3d>
+      <a:camera prst="orthographicFront"/>
+      <a:lightRig rig="threePt" dir="t"/>
+    </dgm:scene3d>
+    <dgm:sp3d/>
+    <dgm:txPr/>
+    <dgm:style>
+      <a:lnRef idx="2">
+        <a:scrgbClr r="0" g="0" b="0"/>
+      </a:lnRef>
+      <a:fillRef idx="1">
+        <a:scrgbClr r="0" g="0" b="0"/>
+      </a:fillRef>
+      <a:effectRef idx="0">
+        <a:scrgbClr r="0" g="0" b="0"/>
+      </a:effectRef>
+      <a:fontRef idx="minor">
+        <a:schemeClr val="lt1"/>
+      </a:fontRef>
+    </dgm:style>
+  </dgm:styleLbl>
+  <dgm:styleLbl name="node2">
+    <dgm:scene3d>
+      <a:camera prst="orthographicFront"/>
+      <a:lightRig rig="threePt" dir="t"/>
+    </dgm:scene3d>
+    <dgm:sp3d/>
+    <dgm:txPr/>
+    <dgm:style>
+      <a:lnRef idx="2">
+        <a:scrgbClr r="0" g="0" b="0"/>
+      </a:lnRef>
+      <a:fillRef idx="1">
+        <a:scrgbClr r="0" g="0" b="0"/>
+      </a:fillRef>
+      <a:effectRef idx="0">
+        <a:scrgbClr r="0" g="0" b="0"/>
+      </a:effectRef>
+      <a:fontRef idx="minor">
+        <a:schemeClr val="lt1"/>
+      </a:fontRef>
+    </dgm:style>
+  </dgm:styleLbl>
+  <dgm:styleLbl name="node3">
+    <dgm:scene3d>
+      <a:camera prst="orthographicFront"/>
+      <a:lightRig rig="threePt" dir="t"/>
+    </dgm:scene3d>
+    <dgm:sp3d/>
+    <dgm:txPr/>
+    <dgm:style>
+      <a:lnRef idx="2">
+        <a:scrgbClr r="0" g="0" b="0"/>
+      </a:lnRef>
+      <a:fillRef idx="1">
+        <a:scrgbClr r="0" g="0" b="0"/>
+      </a:fillRef>
+      <a:effectRef idx="0">
+        <a:scrgbClr r="0" g="0" b="0"/>
+      </a:effectRef>
+      <a:fontRef idx="minor">
+        <a:schemeClr val="lt1"/>
+      </a:fontRef>
+    </dgm:style>
+  </dgm:styleLbl>
+  <dgm:styleLbl name="node4">
+    <dgm:scene3d>
+      <a:camera prst="orthographicFront"/>
+      <a:lightRig rig="threePt" dir="t"/>
+    </dgm:scene3d>
+    <dgm:sp3d/>
+    <dgm:txPr/>
+    <dgm:style>
+      <a:lnRef idx="2">
+        <a:scrgbClr r="0" g="0" b="0"/>
+      </a:lnRef>
+      <a:fillRef idx="1">
+        <a:scrgbClr r="0" g="0" b="0"/>
+      </a:fillRef>
+      <a:effectRef idx="0">
+        <a:scrgbClr r="0" g="0" b="0"/>
+      </a:effectRef>
+      <a:fontRef idx="minor">
+        <a:schemeClr val="lt1"/>
+      </a:fontRef>
+    </dgm:style>
+  </dgm:styleLbl>
+  <dgm:styleLbl name="fgImgPlace1">
+    <dgm:scene3d>
+      <a:camera prst="orthographicFront"/>
+      <a:lightRig rig="threePt" dir="t"/>
+    </dgm:scene3d>
+    <dgm:sp3d/>
+    <dgm:txPr/>
+    <dgm:style>
+      <a:lnRef idx="2">
+        <a:scrgbClr r="0" g="0" b="0"/>
+      </a:lnRef>
+      <a:fillRef idx="1">
+        <a:scrgbClr r="0" g="0" b="0"/>
+      </a:fillRef>
+      <a:effectRef idx="0">
+        <a:scrgbClr r="0" g="0" b="0"/>
+      </a:effectRef>
+      <a:fontRef idx="minor"/>
+    </dgm:style>
+  </dgm:styleLbl>
+  <dgm:styleLbl name="alignImgPlace1">
+    <dgm:scene3d>
+      <a:camera prst="orthographicFront"/>
+      <a:lightRig rig="threePt" dir="t"/>
+    </dgm:scene3d>
+    <dgm:sp3d/>
+    <dgm:txPr/>
+    <dgm:style>
+      <a:lnRef idx="2">
+        <a:scrgbClr r="0" g="0" b="0"/>
+      </a:lnRef>
+      <a:fillRef idx="1">
+        <a:scrgbClr r="0" g="0" b="0"/>
+      </a:fillRef>
+      <a:effectRef idx="0">
+        <a:scrgbClr r="0" g="0" b="0"/>
+      </a:effectRef>
+      <a:fontRef idx="minor"/>
+    </dgm:style>
+  </dgm:styleLbl>
+  <dgm:styleLbl name="bgImgPlace1">
+    <dgm:scene3d>
+      <a:camera prst="orthographicFront"/>
+      <a:lightRig rig="threePt" dir="t"/>
+    </dgm:scene3d>
+    <dgm:sp3d/>
+    <dgm:txPr/>
+    <dgm:style>
+      <a:lnRef idx="2">
+        <a:scrgbClr r="0" g="0" b="0"/>
+      </a:lnRef>
+      <a:fillRef idx="1">
+        <a:scrgbClr r="0" g="0" b="0"/>
+      </a:fillRef>
+      <a:effectRef idx="0">
+        <a:scrgbClr r="0" g="0" b="0"/>
+      </a:effectRef>
+      <a:fontRef idx="minor"/>
+    </dgm:style>
+  </dgm:styleLbl>
+  <dgm:styleLbl name="sibTrans2D1">
+    <dgm:scene3d>
+      <a:camera prst="orthographicFront"/>
+      <a:lightRig rig="threePt" dir="t"/>
+    </dgm:scene3d>
+    <dgm:sp3d/>
+    <dgm:txPr/>
+    <dgm:style>
+      <a:lnRef idx="0">
+        <a:scrgbClr r="0" g="0" b="0"/>
+      </a:lnRef>
+      <a:fillRef idx="1">
+        <a:scrgbClr r="0" g="0" b="0"/>
+      </a:fillRef>
+      <a:effectRef idx="0">
+        <a:scrgbClr r="0" g="0" b="0"/>
+      </a:effectRef>
+      <a:fontRef idx="minor">
+        <a:schemeClr val="lt1"/>
+      </a:fontRef>
+    </dgm:style>
+  </dgm:styleLbl>
+  <dgm:styleLbl name="fgSibTrans2D1">
+    <dgm:scene3d>
+      <a:camera prst="orthographicFront"/>
+      <a:lightRig rig="threePt" dir="t"/>
+    </dgm:scene3d>
+    <dgm:sp3d/>
+    <dgm:txPr/>
+    <dgm:style>
+      <a:lnRef idx="0">
+        <a:scrgbClr r="0" g="0" b="0"/>
+      </a:lnRef>
+      <a:fillRef idx="1">
+        <a:scrgbClr r="0" g="0" b="0"/>
+      </a:fillRef>
+      <a:effectRef idx="0">
+        <a:scrgbClr r="0" g="0" b="0"/>
+      </a:effectRef>
+      <a:fontRef idx="minor">
+        <a:schemeClr val="lt1"/>
+      </a:fontRef>
+    </dgm:style>
+  </dgm:styleLbl>
+  <dgm:styleLbl name="bgSibTrans2D1">
+    <dgm:scene3d>
+      <a:camera prst="orthographicFront"/>
+      <a:lightRig rig="threePt" dir="t"/>
+    </dgm:scene3d>
+    <dgm:sp3d/>
+    <dgm:txPr/>
+    <dgm:style>
+      <a:lnRef idx="0">
+        <a:scrgbClr r="0" g="0" b="0"/>
+      </a:lnRef>
+      <a:fillRef idx="1">
+        <a:scrgbClr r="0" g="0" b="0"/>
+      </a:fillRef>
+      <a:effectRef idx="0">
+        <a:scrgbClr r="0" g="0" b="0"/>
+      </a:effectRef>
+      <a:fontRef idx="minor">
+        <a:schemeClr val="lt1"/>
+      </a:fontRef>
+    </dgm:style>
+  </dgm:styleLbl>
+  <dgm:styleLbl name="sibTrans1D1">
+    <dgm:scene3d>
+      <a:camera prst="orthographicFront"/>
+      <a:lightRig rig="threePt" dir="t"/>
+    </dgm:scene3d>
+    <dgm:sp3d/>
+    <dgm:txPr/>
+    <dgm:style>
+      <a:lnRef idx="1">
+        <a:scrgbClr r="0" g="0" b="0"/>
+      </a:lnRef>
+      <a:fillRef idx="0">
+        <a:scrgbClr r="0" g="0" b="0"/>
+      </a:fillRef>
+      <a:effectRef idx="0">
+        <a:scrgbClr r="0" g="0" b="0"/>
+      </a:effectRef>
+      <a:fontRef idx="minor"/>
+    </dgm:style>
+  </dgm:styleLbl>
+  <dgm:styleLbl name="callout">
+    <dgm:scene3d>
+      <a:camera prst="orthographicFront"/>
+      <a:lightRig rig="threePt" dir="t"/>
+    </dgm:scene3d>
+    <dgm:sp3d/>
+    <dgm:txPr/>
+    <dgm:style>
+      <a:lnRef idx="2">
+        <a:scrgbClr r="0" g="0" b="0"/>
+      </a:lnRef>
+      <a:fillRef idx="1">
+        <a:scrgbClr r="0" g="0" b="0"/>
+      </a:fillRef>
+      <a:effectRef idx="0">
+        <a:scrgbClr r="0" g="0" b="0"/>
+      </a:effectRef>
+      <a:fontRef idx="minor"/>
+    </dgm:style>
+  </dgm:styleLbl>
+  <dgm:styleLbl name="asst0">
+    <dgm:scene3d>
+      <a:camera prst="orthographicFront"/>
+      <a:lightRig rig="threePt" dir="t"/>
+    </dgm:scene3d>
+    <dgm:sp3d/>
+    <dgm:txPr/>
+    <dgm:style>
+      <a:lnRef idx="2">
+        <a:scrgbClr r="0" g="0" b="0"/>
+      </a:lnRef>
+      <a:fillRef idx="1">
+        <a:scrgbClr r="0" g="0" b="0"/>
+      </a:fillRef>
+      <a:effectRef idx="0">
+        <a:scrgbClr r="0" g="0" b="0"/>
+      </a:effectRef>
+      <a:fontRef idx="minor">
+        <a:schemeClr val="lt1"/>
+      </a:fontRef>
+    </dgm:style>
+  </dgm:styleLbl>
+  <dgm:styleLbl name="asst1">
+    <dgm:scene3d>
+      <a:camera prst="orthographicFront"/>
+      <a:lightRig rig="threePt" dir="t"/>
+    </dgm:scene3d>
+    <dgm:sp3d/>
+    <dgm:txPr/>
+    <dgm:style>
+      <a:lnRef idx="2">
+        <a:scrgbClr r="0" g="0" b="0"/>
+      </a:lnRef>
+      <a:fillRef idx="1">
+        <a:scrgbClr r="0" g="0" b="0"/>
+      </a:fillRef>
+      <a:effectRef idx="0">
+        <a:scrgbClr r="0" g="0" b="0"/>
+      </a:effectRef>
+      <a:fontRef idx="minor">
+        <a:schemeClr val="lt1"/>
+      </a:fontRef>
+    </dgm:style>
+  </dgm:styleLbl>
+  <dgm:styleLbl name="asst2">
+    <dgm:scene3d>
+      <a:camera prst="orthographicFront"/>
+      <a:lightRig rig="threePt" dir="t"/>
+    </dgm:scene3d>
+    <dgm:sp3d/>
+    <dgm:txPr/>
+    <dgm:style>
+      <a:lnRef idx="2">
+        <a:scrgbClr r="0" g="0" b="0"/>
+      </a:lnRef>
+      <a:fillRef idx="1">
+        <a:scrgbClr r="0" g="0" b="0"/>
+      </a:fillRef>
+      <a:effectRef idx="0">
+        <a:scrgbClr r="0" g="0" b="0"/>
+      </a:effectRef>
+      <a:fontRef idx="minor">
+        <a:schemeClr val="lt1"/>
+      </a:fontRef>
+    </dgm:style>
+  </dgm:styleLbl>
+  <dgm:styleLbl name="asst3">
+    <dgm:scene3d>
+      <a:camera prst="orthographicFront"/>
+      <a:lightRig rig="threePt" dir="t"/>
+    </dgm:scene3d>
+    <dgm:sp3d/>
+    <dgm:txPr/>
+    <dgm:style>
+      <a:lnRef idx="2">
+        <a:scrgbClr r="0" g="0" b="0"/>
+      </a:lnRef>
+      <a:fillRef idx="1">
+        <a:scrgbClr r="0" g="0" b="0"/>
+      </a:fillRef>
+      <a:effectRef idx="0">
+        <a:scrgbClr r="0" g="0" b="0"/>
+      </a:effectRef>
+      <a:fontRef idx="minor">
+        <a:schemeClr val="lt1"/>
+      </a:fontRef>
+    </dgm:style>
+  </dgm:styleLbl>
+  <dgm:styleLbl name="asst4">
+    <dgm:scene3d>
+      <a:camera prst="orthographicFront"/>
+      <a:lightRig rig="threePt" dir="t"/>
+    </dgm:scene3d>
+    <dgm:sp3d/>
+    <dgm:txPr/>
+    <dgm:style>
+      <a:lnRef idx="2">
+        <a:scrgbClr r="0" g="0" b="0"/>
+      </a:lnRef>
+      <a:fillRef idx="1">
+        <a:scrgbClr r="0" g="0" b="0"/>
+      </a:fillRef>
+      <a:effectRef idx="0">
+        <a:scrgbClr r="0" g="0" b="0"/>
+      </a:effectRef>
+      <a:fontRef idx="minor">
+        <a:schemeClr val="lt1"/>
+      </a:fontRef>
+    </dgm:style>
+  </dgm:styleLbl>
+  <dgm:styleLbl name="parChTrans2D1">
+    <dgm:scene3d>
+      <a:camera prst="orthographicFront"/>
+      <a:lightRig rig="threePt" dir="t"/>
+    </dgm:scene3d>
+    <dgm:sp3d/>
+    <dgm:txPr/>
+    <dgm:style>
+      <a:lnRef idx="2">
+        <a:scrgbClr r="0" g="0" b="0"/>
+      </a:lnRef>
+      <a:fillRef idx="1">
+        <a:scrgbClr r="0" g="0" b="0"/>
+      </a:fillRef>
+      <a:effectRef idx="0">
+        <a:scrgbClr r="0" g="0" b="0"/>
+      </a:effectRef>
+      <a:fontRef idx="minor">
+        <a:schemeClr val="lt1"/>
+      </a:fontRef>
+    </dgm:style>
+  </dgm:styleLbl>
+  <dgm:styleLbl name="parChTrans2D2">
+    <dgm:scene3d>
+      <a:camera prst="orthographicFront"/>
+      <a:lightRig rig="threePt" dir="t"/>
+    </dgm:scene3d>
+    <dgm:sp3d/>
+    <dgm:txPr/>
+    <dgm:style>
+      <a:lnRef idx="2">
+        <a:scrgbClr r="0" g="0" b="0"/>
+      </a:lnRef>
+      <a:fillRef idx="1">
+        <a:scrgbClr r="0" g="0" b="0"/>
+      </a:fillRef>
+      <a:effectRef idx="0">
+        <a:scrgbClr r="0" g="0" b="0"/>
+      </a:effectRef>
+      <a:fontRef idx="minor">
+        <a:schemeClr val="lt1"/>
+      </a:fontRef>
+    </dgm:style>
+  </dgm:styleLbl>
+  <dgm:styleLbl name="parChTrans2D3">
+    <dgm:scene3d>
+      <a:camera prst="orthographicFront"/>
+      <a:lightRig rig="threePt" dir="t"/>
+    </dgm:scene3d>
+    <dgm:sp3d/>
+    <dgm:txPr/>
+    <dgm:style>
+      <a:lnRef idx="2">
+        <a:scrgbClr r="0" g="0" b="0"/>
+      </a:lnRef>
+      <a:fillRef idx="1">
+        <a:scrgbClr r="0" g="0" b="0"/>
+      </a:fillRef>
+      <a:effectRef idx="0">
+        <a:scrgbClr r="0" g="0" b="0"/>
+      </a:effectRef>
+      <a:fontRef idx="minor">
+        <a:schemeClr val="lt1"/>
+      </a:fontRef>
+    </dgm:style>
+  </dgm:styleLbl>
+  <dgm:styleLbl name="parChTrans2D4">
+    <dgm:scene3d>
+      <a:camera prst="orthographicFront"/>
+      <a:lightRig rig="threePt" dir="t"/>
+    </dgm:scene3d>
+    <dgm:sp3d/>
+    <dgm:txPr/>
+    <dgm:style>
+      <a:lnRef idx="2">
+        <a:scrgbClr r="0" g="0" b="0"/>
+      </a:lnRef>
+      <a:fillRef idx="1">
+        <a:scrgbClr r="0" g="0" b="0"/>
+      </a:fillRef>
+      <a:effectRef idx="0">
+        <a:scrgbClr r="0" g="0" b="0"/>
+      </a:effectRef>
+      <a:fontRef idx="minor">
+        <a:schemeClr val="lt1"/>
+      </a:fontRef>
+    </dgm:style>
+  </dgm:styleLbl>
+  <dgm:styleLbl name="parChTrans1D1">
+    <dgm:scene3d>
+      <a:camera prst="orthographicFront"/>
+      <a:lightRig rig="threePt" dir="t"/>
+    </dgm:scene3d>
+    <dgm:sp3d/>
+    <dgm:txPr/>
+    <dgm:style>
+      <a:lnRef idx="2">
+        <a:scrgbClr r="0" g="0" b="0"/>
+      </a:lnRef>
+      <a:fillRef idx="0">
+        <a:scrgbClr r="0" g="0" b="0"/>
+      </a:fillRef>
+      <a:effectRef idx="0">
+        <a:scrgbClr r="0" g="0" b="0"/>
+      </a:effectRef>
+      <a:fontRef idx="minor"/>
+    </dgm:style>
+  </dgm:styleLbl>
+  <dgm:styleLbl name="parChTrans1D2">
+    <dgm:scene3d>
+      <a:camera prst="orthographicFront"/>
+      <a:lightRig rig="threePt" dir="t"/>
+    </dgm:scene3d>
+    <dgm:sp3d/>
+    <dgm:txPr/>
+    <dgm:style>
+      <a:lnRef idx="2">
+        <a:scrgbClr r="0" g="0" b="0"/>
+      </a:lnRef>
+      <a:fillRef idx="0">
+        <a:scrgbClr r="0" g="0" b="0"/>
+      </a:fillRef>
+      <a:effectRef idx="0">
+        <a:scrgbClr r="0" g="0" b="0"/>
+      </a:effectRef>
+      <a:fontRef idx="minor"/>
+    </dgm:style>
+  </dgm:styleLbl>
+  <dgm:styleLbl name="parChTrans1D3">
+    <dgm:scene3d>
+      <a:camera prst="orthographicFront"/>
+      <a:lightRig rig="threePt" dir="t"/>
+    </dgm:scene3d>
+    <dgm:sp3d/>
+    <dgm:txPr/>
+    <dgm:style>
+      <a:lnRef idx="2">
+        <a:scrgbClr r="0" g="0" b="0"/>
+      </a:lnRef>
+      <a:fillRef idx="0">
+        <a:scrgbClr r="0" g="0" b="0"/>
+      </a:fillRef>
+      <a:effectRef idx="0">
+        <a:scrgbClr r="0" g="0" b="0"/>
+      </a:effectRef>
+      <a:fontRef idx="minor"/>
+    </dgm:style>
+  </dgm:styleLbl>
+  <dgm:styleLbl name="parChTrans1D4">
+    <dgm:scene3d>
+      <a:camera prst="orthographicFront"/>
+      <a:lightRig rig="threePt" dir="t"/>
+    </dgm:scene3d>
+    <dgm:sp3d/>
+    <dgm:txPr/>
+    <dgm:style>
+      <a:lnRef idx="2">
+        <a:scrgbClr r="0" g="0" b="0"/>
+      </a:lnRef>
+      <a:fillRef idx="0">
+        <a:scrgbClr r="0" g="0" b="0"/>
+      </a:fillRef>
+      <a:effectRef idx="0">
+        <a:scrgbClr r="0" g="0" b="0"/>
+      </a:effectRef>
+      <a:fontRef idx="minor"/>
+    </dgm:style>
+  </dgm:styleLbl>
+  <dgm:styleLbl name="fgAcc1">
+    <dgm:scene3d>
+      <a:camera prst="orthographicFront"/>
+      <a:lightRig rig="threePt" dir="t"/>
+    </dgm:scene3d>
+    <dgm:sp3d/>
+    <dgm:txPr/>
+    <dgm:style>
+      <a:lnRef idx="2">
+        <a:scrgbClr r="0" g="0" b="0"/>
+      </a:lnRef>
+      <a:fillRef idx="1">
+        <a:scrgbClr r="0" g="0" b="0"/>
+      </a:fillRef>
+      <a:effectRef idx="0">
+        <a:scrgbClr r="0" g="0" b="0"/>
+      </a:effectRef>
+      <a:fontRef idx="minor"/>
+    </dgm:style>
+  </dgm:styleLbl>
+  <dgm:styleLbl name="conFgAcc1">
+    <dgm:scene3d>
+      <a:camera prst="orthographicFront"/>
+      <a:lightRig rig="threePt" dir="t"/>
+    </dgm:scene3d>
+    <dgm:sp3d/>
+    <dgm:txPr/>
+    <dgm:style>
+      <a:lnRef idx="2">
+        <a:scrgbClr r="0" g="0" b="0"/>
+      </a:lnRef>
+      <a:fillRef idx="1">
+        <a:scrgbClr r="0" g="0" b="0"/>
+      </a:fillRef>
+      <a:effectRef idx="0">
+        <a:scrgbClr r="0" g="0" b="0"/>
+      </a:effectRef>
+      <a:fontRef idx="minor"/>
+    </dgm:style>
+  </dgm:styleLbl>
+  <dgm:styleLbl name="alignAcc1">
+    <dgm:scene3d>
+      <a:camera prst="orthographicFront"/>
+      <a:lightRig rig="threePt" dir="t"/>
+    </dgm:scene3d>
+    <dgm:sp3d/>
+    <dgm:txPr/>
+    <dgm:style>
+      <a:lnRef idx="2">
+        <a:scrgbClr r="0" g="0" b="0"/>
+      </a:lnRef>
+      <a:fillRef idx="1">
+        <a:scrgbClr r="0" g="0" b="0"/>
+      </a:fillRef>
+      <a:effectRef idx="0">
+        <a:scrgbClr r="0" g="0" b="0"/>
+      </a:effectRef>
+      <a:fontRef idx="minor"/>
+    </dgm:style>
+  </dgm:styleLbl>
+  <dgm:styleLbl name="trAlignAcc1">
+    <dgm:scene3d>
+      <a:camera prst="orthographicFront"/>
+      <a:lightRig rig="threePt" dir="t"/>
+    </dgm:scene3d>
+    <dgm:sp3d/>
+    <dgm:txPr/>
+    <dgm:style>
+      <a:lnRef idx="1">
+        <a:scrgbClr r="0" g="0" b="0"/>
+      </a:lnRef>
+      <a:fillRef idx="1">
+        <a:scrgbClr r="0" g="0" b="0"/>
+      </a:fillRef>
+      <a:effectRef idx="0">
+        <a:scrgbClr r="0" g="0" b="0"/>
+      </a:effectRef>
+      <a:fontRef idx="minor"/>
+    </dgm:style>
+  </dgm:styleLbl>
+  <dgm:styleLbl name="bgAcc1">
+    <dgm:scene3d>
+      <a:camera prst="orthographicFront"/>
+      <a:lightRig rig="threePt" dir="t"/>
+    </dgm:scene3d>
+    <dgm:sp3d/>
+    <dgm:txPr/>
+    <dgm:style>
+      <a:lnRef idx="2">
+        <a:scrgbClr r="0" g="0" b="0"/>
+      </a:lnRef>
+      <a:fillRef idx="1">
+        <a:scrgbClr r="0" g="0" b="0"/>
+      </a:fillRef>
+      <a:effectRef idx="0">
+        <a:scrgbClr r="0" g="0" b="0"/>
+      </a:effectRef>
+      <a:fontRef idx="minor"/>
+    </dgm:style>
+  </dgm:styleLbl>
+  <dgm:styleLbl name="solidFgAcc1">
+    <dgm:scene3d>
+      <a:camera prst="orthographicFront"/>
+      <a:lightRig rig="threePt" dir="t"/>
+    </dgm:scene3d>
+    <dgm:sp3d/>
+    <dgm:txPr/>
+    <dgm:style>
+      <a:lnRef idx="2">
+        <a:scrgbClr r="0" g="0" b="0"/>
+      </a:lnRef>
+      <a:fillRef idx="1">
+        <a:scrgbClr r="0" g="0" b="0"/>
+      </a:fillRef>
+      <a:effectRef idx="0">
+        <a:scrgbClr r="0" g="0" b="0"/>
+      </a:effectRef>
+      <a:fontRef idx="minor"/>
+    </dgm:style>
+  </dgm:styleLbl>
+  <dgm:styleLbl name="solidAlignAcc1">
+    <dgm:scene3d>
+      <a:camera prst="orthographicFront"/>
+      <a:lightRig rig="threePt" dir="t"/>
+    </dgm:scene3d>
+    <dgm:sp3d/>
+    <dgm:txPr/>
+    <dgm:style>
+      <a:lnRef idx="2">
+        <a:scrgbClr r="0" g="0" b="0"/>
+      </a:lnRef>
+      <a:fillRef idx="1">
+        <a:scrgbClr r="0" g="0" b="0"/>
+      </a:fillRef>
+      <a:effectRef idx="0">
+        <a:scrgbClr r="0" g="0" b="0"/>
+      </a:effectRef>
+      <a:fontRef idx="minor"/>
+    </dgm:style>
+  </dgm:styleLbl>
+  <dgm:styleLbl name="solidBgAcc1">
+    <dgm:scene3d>
+      <a:camera prst="orthographicFront"/>
+      <a:lightRig rig="threePt" dir="t"/>
+    </dgm:scene3d>
+    <dgm:sp3d/>
+    <dgm:txPr/>
+    <dgm:style>
+      <a:lnRef idx="2">
+        <a:scrgbClr r="0" g="0" b="0"/>
+      </a:lnRef>
+      <a:fillRef idx="1">
+        <a:scrgbClr r="0" g="0" b="0"/>
+      </a:fillRef>
+      <a:effectRef idx="0">
+        <a:scrgbClr r="0" g="0" b="0"/>
+      </a:effectRef>
+      <a:fontRef idx="minor"/>
+    </dgm:style>
+  </dgm:styleLbl>
+  <dgm:styleLbl name="fgAccFollowNode1">
+    <dgm:scene3d>
+      <a:camera prst="orthographicFront"/>
+      <a:lightRig rig="threePt" dir="t"/>
+    </dgm:scene3d>
+    <dgm:sp3d/>
+    <dgm:txPr/>
+    <dgm:style>
+      <a:lnRef idx="2">
+        <a:scrgbClr r="0" g="0" b="0"/>
+      </a:lnRef>
+      <a:fillRef idx="1">
+        <a:scrgbClr r="0" g="0" b="0"/>
+      </a:fillRef>
+      <a:effectRef idx="0">
+        <a:scrgbClr r="0" g="0" b="0"/>
+      </a:effectRef>
+      <a:fontRef idx="minor"/>
+    </dgm:style>
+  </dgm:styleLbl>
+  <dgm:styleLbl name="alignAccFollowNode1">
+    <dgm:scene3d>
+      <a:camera prst="orthographicFront"/>
+      <a:lightRig rig="threePt" dir="t"/>
+    </dgm:scene3d>
+    <dgm:sp3d/>
+    <dgm:txPr/>
+    <dgm:style>
+      <a:lnRef idx="2">
+        <a:scrgbClr r="0" g="0" b="0"/>
+      </a:lnRef>
+      <a:fillRef idx="1">
+        <a:scrgbClr r="0" g="0" b="0"/>
+      </a:fillRef>
+      <a:effectRef idx="0">
+        <a:scrgbClr r="0" g="0" b="0"/>
+      </a:effectRef>
+      <a:fontRef idx="minor"/>
+    </dgm:style>
+  </dgm:styleLbl>
+  <dgm:styleLbl name="bgAccFollowNode1">
+    <dgm:scene3d>
+      <a:camera prst="orthographicFront"/>
+      <a:lightRig rig="threePt" dir="t"/>
+    </dgm:scene3d>
+    <dgm:sp3d/>
+    <dgm:txPr/>
+    <dgm:style>
+      <a:lnRef idx="2">
+        <a:scrgbClr r="0" g="0" b="0"/>
+      </a:lnRef>
+      <a:fillRef idx="1">
+        <a:scrgbClr r="0" g="0" b="0"/>
+      </a:fillRef>
+      <a:effectRef idx="0">
+        <a:scrgbClr r="0" g="0" b="0"/>
+      </a:effectRef>
+      <a:fontRef idx="minor"/>
+    </dgm:style>
+  </dgm:styleLbl>
+  <dgm:styleLbl name="fgAcc0">
+    <dgm:scene3d>
+      <a:camera prst="orthographicFront"/>
+      <a:lightRig rig="threePt" dir="t"/>
+    </dgm:scene3d>
+    <dgm:sp3d/>
+    <dgm:txPr/>
+    <dgm:style>
+      <a:lnRef idx="2">
+        <a:scrgbClr r="0" g="0" b="0"/>
+      </a:lnRef>
+      <a:fillRef idx="1">
+        <a:scrgbClr r="0" g="0" b="0"/>
+      </a:fillRef>
+      <a:effectRef idx="0">
+        <a:scrgbClr r="0" g="0" b="0"/>
+      </a:effectRef>
+      <a:fontRef idx="minor"/>
+    </dgm:style>
+  </dgm:styleLbl>
+  <dgm:styleLbl name="fgAcc2">
+    <dgm:scene3d>
+      <a:camera prst="orthographicFront"/>
+      <a:lightRig rig="threePt" dir="t"/>
+    </dgm:scene3d>
+    <dgm:sp3d/>
+    <dgm:txPr/>
+    <dgm:style>
+      <a:lnRef idx="2">
+        <a:scrgbClr r="0" g="0" b="0"/>
+      </a:lnRef>
+      <a:fillRef idx="1">
+        <a:scrgbClr r="0" g="0" b="0"/>
+      </a:fillRef>
+      <a:effectRef idx="0">
+        <a:scrgbClr r="0" g="0" b="0"/>
+      </a:effectRef>
+      <a:fontRef idx="minor"/>
+    </dgm:style>
+  </dgm:styleLbl>
+  <dgm:styleLbl name="fgAcc3">
+    <dgm:scene3d>
+      <a:camera prst="orthographicFront"/>
+      <a:lightRig rig="threePt" dir="t"/>
+    </dgm:scene3d>
+    <dgm:sp3d/>
+    <dgm:txPr/>
+    <dgm:style>
+      <a:lnRef idx="2">
+        <a:scrgbClr r="0" g="0" b="0"/>
+      </a:lnRef>
+      <a:fillRef idx="1">
+        <a:scrgbClr r="0" g="0" b="0"/>
+      </a:fillRef>
+      <a:effectRef idx="0">
+        <a:scrgbClr r="0" g="0" b="0"/>
+      </a:effectRef>
+      <a:fontRef idx="minor"/>
+    </dgm:style>
+  </dgm:styleLbl>
+  <dgm:styleLbl name="fgAcc4">
+    <dgm:scene3d>
+      <a:camera prst="orthographicFront"/>
+      <a:lightRig rig="threePt" dir="t"/>
+    </dgm:scene3d>
+    <dgm:sp3d/>
+    <dgm:txPr/>
+    <dgm:style>
+      <a:lnRef idx="2">
+        <a:scrgbClr r="0" g="0" b="0"/>
+      </a:lnRef>
+      <a:fillRef idx="1">
+        <a:scrgbClr r="0" g="0" b="0"/>
+      </a:fillRef>
+      <a:effectRef idx="0">
+        <a:scrgbClr r="0" g="0" b="0"/>
+      </a:effectRef>
+      <a:fontRef idx="minor"/>
+    </dgm:style>
+  </dgm:styleLbl>
+  <dgm:styleLbl name="bgShp">
+    <dgm:scene3d>
+      <a:camera prst="orthographicFront"/>
+      <a:lightRig rig="threePt" dir="t"/>
+    </dgm:scene3d>
+    <dgm:sp3d/>
+    <dgm:txPr/>
+    <dgm:style>
+      <a:lnRef idx="0">
+        <a:scrgbClr r="0" g="0" b="0"/>
+      </a:lnRef>
+      <a:fillRef idx="1">
+        <a:scrgbClr r="0" g="0" b="0"/>
+      </a:fillRef>
+      <a:effectRef idx="0">
+        <a:scrgbClr r="0" g="0" b="0"/>
+      </a:effectRef>
+      <a:fontRef idx="minor"/>
+    </dgm:style>
+  </dgm:styleLbl>
+  <dgm:styleLbl name="dkBgShp">
+    <dgm:scene3d>
+      <a:camera prst="orthographicFront"/>
+      <a:lightRig rig="threePt" dir="t"/>
+    </dgm:scene3d>
+    <dgm:sp3d/>
+    <dgm:txPr/>
+    <dgm:style>
+      <a:lnRef idx="0">
+        <a:scrgbClr r="0" g="0" b="0"/>
+      </a:lnRef>
+      <a:fillRef idx="1">
+        <a:scrgbClr r="0" g="0" b="0"/>
+      </a:fillRef>
+      <a:effectRef idx="0">
+        <a:scrgbClr r="0" g="0" b="0"/>
+      </a:effectRef>
+      <a:fontRef idx="minor"/>
+    </dgm:style>
+  </dgm:styleLbl>
+  <dgm:styleLbl name="trBgShp">
+    <dgm:scene3d>
+      <a:camera prst="orthographicFront"/>
+      <a:lightRig rig="threePt" dir="t"/>
+    </dgm:scene3d>
+    <dgm:sp3d/>
+    <dgm:txPr/>
+    <dgm:style>
+      <a:lnRef idx="0">
+        <a:scrgbClr r="0" g="0" b="0"/>
+      </a:lnRef>
+      <a:fillRef idx="1">
+        <a:scrgbClr r="0" g="0" b="0"/>
+      </a:fillRef>
+      <a:effectRef idx="0">
+        <a:scrgbClr r="0" g="0" b="0"/>
+      </a:effectRef>
+      <a:fontRef idx="minor"/>
+    </dgm:style>
+  </dgm:styleLbl>
+  <dgm:styleLbl name="fgShp">
+    <dgm:scene3d>
+      <a:camera prst="orthographicFront"/>
+      <a:lightRig rig="threePt" dir="t"/>
+    </dgm:scene3d>
+    <dgm:sp3d/>
+    <dgm:txPr/>
+    <dgm:style>
+      <a:lnRef idx="2">
+        <a:scrgbClr r="0" g="0" b="0"/>
+      </a:lnRef>
+      <a:fillRef idx="1">
+        <a:scrgbClr r="0" g="0" b="0"/>
+      </a:fillRef>
+      <a:effectRef idx="0">
+        <a:scrgbClr r="0" g="0" b="0"/>
+      </a:effectRef>
+      <a:fontRef idx="minor"/>
+    </dgm:style>
+  </dgm:styleLbl>
+  <dgm:styleLbl name="revTx">
+    <dgm:scene3d>
+      <a:camera prst="orthographicFront"/>
+      <a:lightRig rig="threePt" dir="t"/>
+    </dgm:scene3d>
+    <dgm:sp3d/>
+    <dgm:txPr/>
+    <dgm:style>
+      <a:lnRef idx="0">
+        <a:scrgbClr r="0" g="0" b="0"/>
+      </a:lnRef>
+      <a:fillRef idx="0">
+        <a:scrgbClr r="0" g="0" b="0"/>
+      </a:fillRef>
+      <a:effectRef idx="0">
+        <a:scrgbClr r="0" g="0" b="0"/>
+      </a:effectRef>
+      <a:fontRef idx="minor"/>
+    </dgm:style>
+  </dgm:styleLbl>
+</dgm:styleDef>
+</file>
+
 <file path=ppt/notesMasters/notesMaster1.xml><?xml version="1.0" encoding="utf-8"?>
 <p:notesMaster xmlns:a="http://schemas.openxmlformats.org/drawingml/2006/main" xmlns:r="http://schemas.openxmlformats.org/officeDocument/2006/relationships" xmlns:p="http://schemas.openxmlformats.org/presentationml/2006/main">
   <p:cSld>
@@ -220,7 +3729,7 @@
           <a:p>
             <a:fld id="{EB0A4B90-DB37-4566-9815-A42F26E17931}" type="datetimeFigureOut">
               <a:rPr lang="zh-CN" altLang="en-US" smtClean="0"/>
-              <a:t>2021/5/31</a:t>
+              <a:t>2021/11/15</a:t>
             </a:fld>
             <a:endParaRPr lang="zh-CN" altLang="en-US"/>
           </a:p>
@@ -941,7 +4450,7 @@
           <a:p>
             <a:fld id="{C2B91903-BE1B-46DE-8AE0-0E605713B82A}" type="slidenum">
               <a:rPr lang="zh-CN" altLang="en-US" smtClean="0"/>
-              <a:t>9</a:t>
+              <a:t>10</a:t>
             </a:fld>
             <a:endParaRPr lang="zh-CN" altLang="en-US"/>
           </a:p>
@@ -1091,7 +4600,7 @@
           <a:p>
             <a:fld id="{CCC2F7ED-9AF0-4196-A96A-2BADACDDA878}" type="datetimeFigureOut">
               <a:rPr lang="zh-CN" altLang="en-US" smtClean="0"/>
-              <a:t>2021/5/31</a:t>
+              <a:t>2021/11/15</a:t>
             </a:fld>
             <a:endParaRPr lang="zh-CN" altLang="en-US"/>
           </a:p>
@@ -1150,7 +4659,7 @@
     <a:masterClrMapping/>
   </p:clrMapOvr>
   <mc:AlternateContent xmlns:mc="http://schemas.openxmlformats.org/markup-compatibility/2006">
-    <mc:Choice xmlns:p159="http://schemas.microsoft.com/office/powerpoint/2015/09/main" xmlns="" Requires="p159">
+    <mc:Choice xmlns="" xmlns:p159="http://schemas.microsoft.com/office/powerpoint/2015/09/main" Requires="p159">
       <p:transition xmlns:p14="http://schemas.microsoft.com/office/powerpoint/2010/main" spd="slow" p14:dur="2000">
         <p159:morph option="byObject"/>
       </p:transition>
@@ -1273,7 +4782,7 @@
           <a:p>
             <a:fld id="{CCC2F7ED-9AF0-4196-A96A-2BADACDDA878}" type="datetimeFigureOut">
               <a:rPr lang="zh-CN" altLang="en-US" smtClean="0"/>
-              <a:t>2021/5/31</a:t>
+              <a:t>2021/11/15</a:t>
             </a:fld>
             <a:endParaRPr lang="zh-CN" altLang="en-US"/>
           </a:p>
@@ -1332,7 +4841,7 @@
     <a:masterClrMapping/>
   </p:clrMapOvr>
   <mc:AlternateContent xmlns:mc="http://schemas.openxmlformats.org/markup-compatibility/2006">
-    <mc:Choice xmlns:p159="http://schemas.microsoft.com/office/powerpoint/2015/09/main" xmlns="" Requires="p159">
+    <mc:Choice xmlns="" xmlns:p159="http://schemas.microsoft.com/office/powerpoint/2015/09/main" Requires="p159">
       <p:transition xmlns:p14="http://schemas.microsoft.com/office/powerpoint/2010/main" spd="slow" p14:dur="2000">
         <p159:morph option="byObject"/>
       </p:transition>
@@ -1465,7 +4974,7 @@
           <a:p>
             <a:fld id="{CCC2F7ED-9AF0-4196-A96A-2BADACDDA878}" type="datetimeFigureOut">
               <a:rPr lang="zh-CN" altLang="en-US" smtClean="0"/>
-              <a:t>2021/5/31</a:t>
+              <a:t>2021/11/15</a:t>
             </a:fld>
             <a:endParaRPr lang="zh-CN" altLang="en-US"/>
           </a:p>
@@ -1524,7 +5033,7 @@
     <a:masterClrMapping/>
   </p:clrMapOvr>
   <mc:AlternateContent xmlns:mc="http://schemas.openxmlformats.org/markup-compatibility/2006">
-    <mc:Choice xmlns:p159="http://schemas.microsoft.com/office/powerpoint/2015/09/main" xmlns="" Requires="p159">
+    <mc:Choice xmlns="" xmlns:p159="http://schemas.microsoft.com/office/powerpoint/2015/09/main" Requires="p159">
       <p:transition xmlns:p14="http://schemas.microsoft.com/office/powerpoint/2010/main" spd="slow" p14:dur="2000">
         <p159:morph option="byObject"/>
       </p:transition>
@@ -1647,7 +5156,7 @@
           <a:p>
             <a:fld id="{CCC2F7ED-9AF0-4196-A96A-2BADACDDA878}" type="datetimeFigureOut">
               <a:rPr lang="zh-CN" altLang="en-US" smtClean="0"/>
-              <a:t>2021/5/31</a:t>
+              <a:t>2021/11/15</a:t>
             </a:fld>
             <a:endParaRPr lang="zh-CN" altLang="en-US"/>
           </a:p>
@@ -1706,7 +5215,7 @@
     <a:masterClrMapping/>
   </p:clrMapOvr>
   <mc:AlternateContent xmlns:mc="http://schemas.openxmlformats.org/markup-compatibility/2006">
-    <mc:Choice xmlns:p159="http://schemas.microsoft.com/office/powerpoint/2015/09/main" xmlns="" Requires="p159">
+    <mc:Choice xmlns="" xmlns:p159="http://schemas.microsoft.com/office/powerpoint/2015/09/main" Requires="p159">
       <p:transition xmlns:p14="http://schemas.microsoft.com/office/powerpoint/2010/main" spd="slow" p14:dur="2000">
         <p159:morph option="byObject"/>
       </p:transition>
@@ -1905,7 +5414,7 @@
           <a:p>
             <a:fld id="{CCC2F7ED-9AF0-4196-A96A-2BADACDDA878}" type="datetimeFigureOut">
               <a:rPr lang="zh-CN" altLang="en-US" smtClean="0"/>
-              <a:t>2021/5/31</a:t>
+              <a:t>2021/11/15</a:t>
             </a:fld>
             <a:endParaRPr lang="zh-CN" altLang="en-US"/>
           </a:p>
@@ -1964,7 +5473,7 @@
     <a:masterClrMapping/>
   </p:clrMapOvr>
   <mc:AlternateContent xmlns:mc="http://schemas.openxmlformats.org/markup-compatibility/2006">
-    <mc:Choice xmlns:p159="http://schemas.microsoft.com/office/powerpoint/2015/09/main" xmlns="" Requires="p159">
+    <mc:Choice xmlns="" xmlns:p159="http://schemas.microsoft.com/office/powerpoint/2015/09/main" Requires="p159">
       <p:transition xmlns:p14="http://schemas.microsoft.com/office/powerpoint/2010/main" spd="slow" p14:dur="2000">
         <p159:morph option="byObject"/>
       </p:transition>
@@ -2149,7 +5658,7 @@
           <a:p>
             <a:fld id="{CCC2F7ED-9AF0-4196-A96A-2BADACDDA878}" type="datetimeFigureOut">
               <a:rPr lang="zh-CN" altLang="en-US" smtClean="0"/>
-              <a:t>2021/5/31</a:t>
+              <a:t>2021/11/15</a:t>
             </a:fld>
             <a:endParaRPr lang="zh-CN" altLang="en-US"/>
           </a:p>
@@ -2208,7 +5717,7 @@
     <a:masterClrMapping/>
   </p:clrMapOvr>
   <mc:AlternateContent xmlns:mc="http://schemas.openxmlformats.org/markup-compatibility/2006">
-    <mc:Choice xmlns:p159="http://schemas.microsoft.com/office/powerpoint/2015/09/main" xmlns="" Requires="p159">
+    <mc:Choice xmlns="" xmlns:p159="http://schemas.microsoft.com/office/powerpoint/2015/09/main" Requires="p159">
       <p:transition xmlns:p14="http://schemas.microsoft.com/office/powerpoint/2010/main" spd="slow" p14:dur="2000">
         <p159:morph option="byObject"/>
       </p:transition>
@@ -2528,7 +6037,7 @@
           <a:p>
             <a:fld id="{CCC2F7ED-9AF0-4196-A96A-2BADACDDA878}" type="datetimeFigureOut">
               <a:rPr lang="zh-CN" altLang="en-US" smtClean="0"/>
-              <a:t>2021/5/31</a:t>
+              <a:t>2021/11/15</a:t>
             </a:fld>
             <a:endParaRPr lang="zh-CN" altLang="en-US"/>
           </a:p>
@@ -2587,7 +6096,7 @@
     <a:masterClrMapping/>
   </p:clrMapOvr>
   <mc:AlternateContent xmlns:mc="http://schemas.openxmlformats.org/markup-compatibility/2006">
-    <mc:Choice xmlns:p159="http://schemas.microsoft.com/office/powerpoint/2015/09/main" xmlns="" Requires="p159">
+    <mc:Choice xmlns="" xmlns:p159="http://schemas.microsoft.com/office/powerpoint/2015/09/main" Requires="p159">
       <p:transition xmlns:p14="http://schemas.microsoft.com/office/powerpoint/2010/main" spd="slow" p14:dur="2000">
         <p159:morph option="byObject"/>
       </p:transition>
@@ -2658,7 +6167,7 @@
           <a:p>
             <a:fld id="{CCC2F7ED-9AF0-4196-A96A-2BADACDDA878}" type="datetimeFigureOut">
               <a:rPr lang="zh-CN" altLang="en-US" smtClean="0"/>
-              <a:t>2021/5/31</a:t>
+              <a:t>2021/11/15</a:t>
             </a:fld>
             <a:endParaRPr lang="zh-CN" altLang="en-US"/>
           </a:p>
@@ -2717,7 +6226,7 @@
     <a:masterClrMapping/>
   </p:clrMapOvr>
   <mc:AlternateContent xmlns:mc="http://schemas.openxmlformats.org/markup-compatibility/2006">
-    <mc:Choice xmlns:p159="http://schemas.microsoft.com/office/powerpoint/2015/09/main" xmlns="" Requires="p159">
+    <mc:Choice xmlns="" xmlns:p159="http://schemas.microsoft.com/office/powerpoint/2015/09/main" Requires="p159">
       <p:transition xmlns:p14="http://schemas.microsoft.com/office/powerpoint/2010/main" spd="slow" p14:dur="2000">
         <p159:morph option="byObject"/>
       </p:transition>
@@ -2765,7 +6274,7 @@
           <a:p>
             <a:fld id="{CCC2F7ED-9AF0-4196-A96A-2BADACDDA878}" type="datetimeFigureOut">
               <a:rPr lang="zh-CN" altLang="en-US" smtClean="0"/>
-              <a:t>2021/5/31</a:t>
+              <a:t>2021/11/15</a:t>
             </a:fld>
             <a:endParaRPr lang="zh-CN" altLang="en-US"/>
           </a:p>
@@ -2824,7 +6333,7 @@
     <a:masterClrMapping/>
   </p:clrMapOvr>
   <mc:AlternateContent xmlns:mc="http://schemas.openxmlformats.org/markup-compatibility/2006">
-    <mc:Choice xmlns:p159="http://schemas.microsoft.com/office/powerpoint/2015/09/main" xmlns="" Requires="p159">
+    <mc:Choice xmlns="" xmlns:p159="http://schemas.microsoft.com/office/powerpoint/2015/09/main" Requires="p159">
       <p:transition xmlns:p14="http://schemas.microsoft.com/office/powerpoint/2010/main" spd="slow" p14:dur="2000">
         <p159:morph option="byObject"/>
       </p:transition>
@@ -3054,7 +6563,7 @@
           <a:p>
             <a:fld id="{CCC2F7ED-9AF0-4196-A96A-2BADACDDA878}" type="datetimeFigureOut">
               <a:rPr lang="zh-CN" altLang="en-US" smtClean="0"/>
-              <a:t>2021/5/31</a:t>
+              <a:t>2021/11/15</a:t>
             </a:fld>
             <a:endParaRPr lang="zh-CN" altLang="en-US"/>
           </a:p>
@@ -3113,7 +6622,7 @@
     <a:masterClrMapping/>
   </p:clrMapOvr>
   <mc:AlternateContent xmlns:mc="http://schemas.openxmlformats.org/markup-compatibility/2006">
-    <mc:Choice xmlns:p159="http://schemas.microsoft.com/office/powerpoint/2015/09/main" xmlns="" Requires="p159">
+    <mc:Choice xmlns="" xmlns:p159="http://schemas.microsoft.com/office/powerpoint/2015/09/main" Requires="p159">
       <p:transition xmlns:p14="http://schemas.microsoft.com/office/powerpoint/2010/main" spd="slow" p14:dur="2000">
         <p159:morph option="byObject"/>
       </p:transition>
@@ -3319,7 +6828,7 @@
           <a:p>
             <a:fld id="{CCC2F7ED-9AF0-4196-A96A-2BADACDDA878}" type="datetimeFigureOut">
               <a:rPr lang="zh-CN" altLang="en-US" smtClean="0"/>
-              <a:t>2021/5/31</a:t>
+              <a:t>2021/11/15</a:t>
             </a:fld>
             <a:endParaRPr lang="zh-CN" altLang="en-US"/>
           </a:p>
@@ -3378,7 +6887,7 @@
     <a:masterClrMapping/>
   </p:clrMapOvr>
   <mc:AlternateContent xmlns:mc="http://schemas.openxmlformats.org/markup-compatibility/2006">
-    <mc:Choice xmlns:p159="http://schemas.microsoft.com/office/powerpoint/2015/09/main" xmlns="" Requires="p159">
+    <mc:Choice xmlns="" xmlns:p159="http://schemas.microsoft.com/office/powerpoint/2015/09/main" Requires="p159">
       <p:transition xmlns:p14="http://schemas.microsoft.com/office/powerpoint/2010/main" spd="slow" p14:dur="2000">
         <p159:morph option="byObject"/>
       </p:transition>
@@ -3544,7 +7053,7 @@
           <a:p>
             <a:fld id="{CCC2F7ED-9AF0-4196-A96A-2BADACDDA878}" type="datetimeFigureOut">
               <a:rPr lang="zh-CN" altLang="en-US" smtClean="0"/>
-              <a:t>2021/5/31</a:t>
+              <a:t>2021/11/15</a:t>
             </a:fld>
             <a:endParaRPr lang="zh-CN" altLang="en-US"/>
           </a:p>
@@ -3650,7 +7159,7 @@
     <p:sldLayoutId id="2147483659" r:id="rId11"/>
   </p:sldLayoutIdLst>
   <mc:AlternateContent xmlns:mc="http://schemas.openxmlformats.org/markup-compatibility/2006">
-    <mc:Choice xmlns:p159="http://schemas.microsoft.com/office/powerpoint/2015/09/main" xmlns="" Requires="p159">
+    <mc:Choice xmlns="" xmlns:p159="http://schemas.microsoft.com/office/powerpoint/2015/09/main" Requires="p159">
       <p:transition xmlns:p14="http://schemas.microsoft.com/office/powerpoint/2010/main" spd="slow" p14:dur="2000">
         <p159:morph option="byObject"/>
       </p:transition>
@@ -4044,8 +7553,8 @@
         </p:nvSpPr>
         <p:spPr bwMode="auto">
           <a:xfrm>
-            <a:off x="3204422" y="2453340"/>
-            <a:ext cx="5783157" cy="1846659"/>
+            <a:off x="3216536" y="2345764"/>
+            <a:ext cx="5774589" cy="1600438"/>
           </a:xfrm>
           <a:prstGeom prst="rect">
             <a:avLst/>
@@ -4075,7 +7584,7 @@
           </a:extLst>
         </p:spPr>
         <p:txBody>
-          <a:bodyPr>
+          <a:bodyPr wrap="square">
             <a:spAutoFit/>
           </a:bodyPr>
           <a:lstStyle>
@@ -4279,7 +7788,7 @@
               <a:buNone/>
             </a:pPr>
             <a:r>
-              <a:rPr lang="en-US" altLang="zh-TW" sz="6600" spc="600" dirty="0" err="1" smtClean="0">
+              <a:rPr lang="en-US" altLang="zh-TW" sz="5400" spc="600" dirty="0" err="1" smtClean="0">
                 <a:solidFill>
                   <a:schemeClr val="bg1"/>
                 </a:solidFill>
@@ -4288,7 +7797,7 @@
               </a:rPr>
               <a:t>DearFurkid</a:t>
             </a:r>
-            <a:endParaRPr lang="zh-CN" altLang="en-US" sz="6600" spc="600" dirty="0">
+            <a:endParaRPr lang="zh-CN" altLang="en-US" sz="5400" spc="600" dirty="0">
               <a:solidFill>
                 <a:schemeClr val="bg1"/>
               </a:solidFill>
@@ -4308,7 +7817,7 @@
         </p:nvSpPr>
         <p:spPr bwMode="auto">
           <a:xfrm>
-            <a:off x="4521158" y="4175322"/>
+            <a:off x="4521158" y="4097149"/>
             <a:ext cx="5783157" cy="1077218"/>
           </a:xfrm>
           <a:prstGeom prst="rect">
@@ -5031,6 +8540,1125 @@
           <a:chExt cx="0" cy="0"/>
         </a:xfrm>
       </p:grpSpPr>
+      <p:grpSp>
+        <p:nvGrpSpPr>
+          <p:cNvPr id="2" name="组合 1"/>
+          <p:cNvGrpSpPr/>
+          <p:nvPr/>
+        </p:nvGrpSpPr>
+        <p:grpSpPr>
+          <a:xfrm>
+            <a:off x="-783916" y="152400"/>
+            <a:ext cx="3252797" cy="883920"/>
+            <a:chOff x="-783916" y="152400"/>
+            <a:chExt cx="2707965" cy="544656"/>
+          </a:xfrm>
+        </p:grpSpPr>
+        <p:sp>
+          <p:nvSpPr>
+            <p:cNvPr id="6" name="圆角矩形 5"/>
+            <p:cNvSpPr/>
+            <p:nvPr/>
+          </p:nvSpPr>
+          <p:spPr>
+            <a:xfrm>
+              <a:off x="-783916" y="152400"/>
+              <a:ext cx="2707965" cy="544656"/>
+            </a:xfrm>
+            <a:prstGeom prst="roundRect">
+              <a:avLst/>
+            </a:prstGeom>
+            <a:noFill/>
+            <a:ln>
+              <a:solidFill>
+                <a:schemeClr val="tx1">
+                  <a:lumMod val="85000"/>
+                  <a:lumOff val="15000"/>
+                </a:schemeClr>
+              </a:solidFill>
+            </a:ln>
+          </p:spPr>
+          <p:style>
+            <a:lnRef idx="2">
+              <a:schemeClr val="accent1">
+                <a:shade val="50000"/>
+              </a:schemeClr>
+            </a:lnRef>
+            <a:fillRef idx="1">
+              <a:schemeClr val="accent1"/>
+            </a:fillRef>
+            <a:effectRef idx="0">
+              <a:schemeClr val="accent1"/>
+            </a:effectRef>
+            <a:fontRef idx="minor">
+              <a:schemeClr val="lt1"/>
+            </a:fontRef>
+          </p:style>
+          <p:txBody>
+            <a:bodyPr rtlCol="0" anchor="ctr"/>
+            <a:lstStyle/>
+            <a:p>
+              <a:pPr algn="ctr"/>
+              <a:endParaRPr lang="zh-CN" altLang="en-US" sz="3600" dirty="0">
+                <a:solidFill>
+                  <a:schemeClr val="tx1">
+                    <a:lumMod val="85000"/>
+                    <a:lumOff val="15000"/>
+                  </a:schemeClr>
+                </a:solidFill>
+                <a:latin typeface="造字工房悦黑（非商用）纤细体" pitchFamily="50" charset="-122"/>
+                <a:ea typeface="造字工房悦黑（非商用）纤细体" pitchFamily="50" charset="-122"/>
+              </a:endParaRPr>
+            </a:p>
+          </p:txBody>
+        </p:sp>
+        <p:sp>
+          <p:nvSpPr>
+            <p:cNvPr id="7" name="矩形 6"/>
+            <p:cNvSpPr/>
+            <p:nvPr/>
+          </p:nvSpPr>
+          <p:spPr>
+            <a:xfrm>
+              <a:off x="55050" y="225599"/>
+              <a:ext cx="1696423" cy="398258"/>
+            </a:xfrm>
+            <a:prstGeom prst="rect">
+              <a:avLst/>
+            </a:prstGeom>
+          </p:spPr>
+          <p:txBody>
+            <a:bodyPr wrap="none">
+              <a:spAutoFit/>
+            </a:bodyPr>
+            <a:lstStyle/>
+            <a:p>
+              <a:pPr algn="ctr"/>
+              <a:r>
+                <a:rPr lang="zh-TW" altLang="en-US" sz="3600" b="1" dirty="0" smtClean="0">
+                  <a:solidFill>
+                    <a:schemeClr val="tx1">
+                      <a:lumMod val="85000"/>
+                      <a:lumOff val="15000"/>
+                    </a:schemeClr>
+                  </a:solidFill>
+                  <a:latin typeface="造字工房悦黑（非商用）纤细体" pitchFamily="50" charset="-122"/>
+                  <a:ea typeface="造字工房悦黑（非商用）纤细体" pitchFamily="50" charset="-122"/>
+                </a:rPr>
+                <a:t>未來目標</a:t>
+              </a:r>
+              <a:endParaRPr lang="zh-CN" altLang="en-US" sz="3600" b="1" dirty="0">
+                <a:solidFill>
+                  <a:schemeClr val="tx1">
+                    <a:lumMod val="85000"/>
+                    <a:lumOff val="15000"/>
+                  </a:schemeClr>
+                </a:solidFill>
+                <a:latin typeface="造字工房悦黑（非商用）纤细体" pitchFamily="50" charset="-122"/>
+                <a:ea typeface="造字工房悦黑（非商用）纤细体" pitchFamily="50" charset="-122"/>
+              </a:endParaRPr>
+            </a:p>
+          </p:txBody>
+        </p:sp>
+      </p:grpSp>
+      <p:sp>
+        <p:nvSpPr>
+          <p:cNvPr id="8" name="矩形 7"/>
+          <p:cNvSpPr/>
+          <p:nvPr/>
+        </p:nvSpPr>
+        <p:spPr>
+          <a:xfrm rot="2700000">
+            <a:off x="1018033" y="2786285"/>
+            <a:ext cx="1800225" cy="1800225"/>
+          </a:xfrm>
+          <a:prstGeom prst="rect">
+            <a:avLst/>
+          </a:prstGeom>
+          <a:noFill/>
+          <a:ln>
+            <a:solidFill>
+              <a:schemeClr val="tx1"/>
+            </a:solidFill>
+          </a:ln>
+        </p:spPr>
+        <p:style>
+          <a:lnRef idx="2">
+            <a:schemeClr val="accent1">
+              <a:shade val="50000"/>
+            </a:schemeClr>
+          </a:lnRef>
+          <a:fillRef idx="1">
+            <a:schemeClr val="accent1"/>
+          </a:fillRef>
+          <a:effectRef idx="0">
+            <a:schemeClr val="accent1"/>
+          </a:effectRef>
+          <a:fontRef idx="minor">
+            <a:schemeClr val="lt1"/>
+          </a:fontRef>
+        </p:style>
+        <p:txBody>
+          <a:bodyPr rtlCol="0" anchor="ctr"/>
+          <a:lstStyle/>
+          <a:p>
+            <a:pPr algn="ctr"/>
+            <a:endParaRPr lang="zh-CN" altLang="en-US">
+              <a:solidFill>
+                <a:schemeClr val="tx1"/>
+              </a:solidFill>
+            </a:endParaRPr>
+          </a:p>
+        </p:txBody>
+      </p:sp>
+      <p:sp>
+        <p:nvSpPr>
+          <p:cNvPr id="9" name="矩形 8"/>
+          <p:cNvSpPr/>
+          <p:nvPr/>
+        </p:nvSpPr>
+        <p:spPr>
+          <a:xfrm rot="2700000">
+            <a:off x="3856483" y="2786284"/>
+            <a:ext cx="1800225" cy="1800225"/>
+          </a:xfrm>
+          <a:prstGeom prst="rect">
+            <a:avLst/>
+          </a:prstGeom>
+          <a:noFill/>
+          <a:ln>
+            <a:solidFill>
+              <a:schemeClr val="tx1"/>
+            </a:solidFill>
+          </a:ln>
+        </p:spPr>
+        <p:style>
+          <a:lnRef idx="2">
+            <a:schemeClr val="accent1">
+              <a:shade val="50000"/>
+            </a:schemeClr>
+          </a:lnRef>
+          <a:fillRef idx="1">
+            <a:schemeClr val="accent1"/>
+          </a:fillRef>
+          <a:effectRef idx="0">
+            <a:schemeClr val="accent1"/>
+          </a:effectRef>
+          <a:fontRef idx="minor">
+            <a:schemeClr val="lt1"/>
+          </a:fontRef>
+        </p:style>
+        <p:txBody>
+          <a:bodyPr rtlCol="0" anchor="ctr"/>
+          <a:lstStyle/>
+          <a:p>
+            <a:pPr algn="ctr"/>
+            <a:endParaRPr lang="zh-CN" altLang="en-US">
+              <a:solidFill>
+                <a:schemeClr val="tx1"/>
+              </a:solidFill>
+            </a:endParaRPr>
+          </a:p>
+        </p:txBody>
+      </p:sp>
+      <p:sp>
+        <p:nvSpPr>
+          <p:cNvPr id="10" name="矩形 9"/>
+          <p:cNvSpPr/>
+          <p:nvPr/>
+        </p:nvSpPr>
+        <p:spPr>
+          <a:xfrm rot="2700000">
+            <a:off x="6694933" y="2786284"/>
+            <a:ext cx="1800225" cy="1800225"/>
+          </a:xfrm>
+          <a:prstGeom prst="rect">
+            <a:avLst/>
+          </a:prstGeom>
+          <a:noFill/>
+          <a:ln>
+            <a:solidFill>
+              <a:schemeClr val="tx1"/>
+            </a:solidFill>
+          </a:ln>
+        </p:spPr>
+        <p:style>
+          <a:lnRef idx="2">
+            <a:schemeClr val="accent1">
+              <a:shade val="50000"/>
+            </a:schemeClr>
+          </a:lnRef>
+          <a:fillRef idx="1">
+            <a:schemeClr val="accent1"/>
+          </a:fillRef>
+          <a:effectRef idx="0">
+            <a:schemeClr val="accent1"/>
+          </a:effectRef>
+          <a:fontRef idx="minor">
+            <a:schemeClr val="lt1"/>
+          </a:fontRef>
+        </p:style>
+        <p:txBody>
+          <a:bodyPr rtlCol="0" anchor="ctr"/>
+          <a:lstStyle/>
+          <a:p>
+            <a:pPr algn="ctr"/>
+            <a:endParaRPr lang="zh-CN" altLang="en-US">
+              <a:solidFill>
+                <a:schemeClr val="tx1"/>
+              </a:solidFill>
+            </a:endParaRPr>
+          </a:p>
+        </p:txBody>
+      </p:sp>
+      <p:sp>
+        <p:nvSpPr>
+          <p:cNvPr id="11" name="文本框 18"/>
+          <p:cNvSpPr txBox="1"/>
+          <p:nvPr/>
+        </p:nvSpPr>
+        <p:spPr>
+          <a:xfrm>
+            <a:off x="926862" y="3394008"/>
+            <a:ext cx="1982565" cy="584775"/>
+          </a:xfrm>
+          <a:prstGeom prst="rect">
+            <a:avLst/>
+          </a:prstGeom>
+          <a:noFill/>
+          <a:ln>
+            <a:solidFill>
+              <a:schemeClr val="tx1"/>
+            </a:solidFill>
+          </a:ln>
+        </p:spPr>
+        <p:txBody>
+          <a:bodyPr wrap="square" rtlCol="0">
+            <a:spAutoFit/>
+          </a:bodyPr>
+          <a:lstStyle/>
+          <a:p>
+            <a:pPr algn="ctr"/>
+            <a:r>
+              <a:rPr lang="zh-TW" altLang="en-US" sz="3200" dirty="0" smtClean="0">
+                <a:latin typeface="造字工房悦黑体验版纤细体" pitchFamily="50" charset="-122"/>
+                <a:ea typeface="造字工房悦黑体验版纤细体" pitchFamily="50" charset="-122"/>
+              </a:rPr>
+              <a:t>完整性</a:t>
+            </a:r>
+            <a:endParaRPr lang="zh-CN" altLang="en-US" sz="3200" dirty="0">
+              <a:latin typeface="造字工房悦黑体验版纤细体" pitchFamily="50" charset="-122"/>
+              <a:ea typeface="造字工房悦黑体验版纤细体" pitchFamily="50" charset="-122"/>
+            </a:endParaRPr>
+          </a:p>
+        </p:txBody>
+      </p:sp>
+      <p:sp>
+        <p:nvSpPr>
+          <p:cNvPr id="12" name="文本框 19"/>
+          <p:cNvSpPr txBox="1"/>
+          <p:nvPr/>
+        </p:nvSpPr>
+        <p:spPr>
+          <a:xfrm>
+            <a:off x="3760549" y="3394008"/>
+            <a:ext cx="1982565" cy="584775"/>
+          </a:xfrm>
+          <a:prstGeom prst="rect">
+            <a:avLst/>
+          </a:prstGeom>
+          <a:noFill/>
+          <a:ln>
+            <a:solidFill>
+              <a:schemeClr val="tx1"/>
+            </a:solidFill>
+          </a:ln>
+        </p:spPr>
+        <p:txBody>
+          <a:bodyPr wrap="square" rtlCol="0">
+            <a:spAutoFit/>
+          </a:bodyPr>
+          <a:lstStyle/>
+          <a:p>
+            <a:pPr algn="ctr"/>
+            <a:r>
+              <a:rPr lang="zh-TW" altLang="en-US" sz="3200" dirty="0" smtClean="0">
+                <a:latin typeface="造字工房悦黑体验版纤细体" pitchFamily="50" charset="-122"/>
+                <a:ea typeface="造字工房悦黑体验版纤细体" pitchFamily="50" charset="-122"/>
+              </a:rPr>
+              <a:t>高使用率</a:t>
+            </a:r>
+            <a:endParaRPr lang="zh-CN" altLang="en-US" sz="3200" dirty="0">
+              <a:latin typeface="造字工房悦黑体验版纤细体" pitchFamily="50" charset="-122"/>
+              <a:ea typeface="造字工房悦黑体验版纤细体" pitchFamily="50" charset="-122"/>
+            </a:endParaRPr>
+          </a:p>
+        </p:txBody>
+      </p:sp>
+      <p:sp>
+        <p:nvSpPr>
+          <p:cNvPr id="13" name="文本框 20"/>
+          <p:cNvSpPr txBox="1"/>
+          <p:nvPr/>
+        </p:nvSpPr>
+        <p:spPr>
+          <a:xfrm>
+            <a:off x="6603762" y="3394008"/>
+            <a:ext cx="1982565" cy="584775"/>
+          </a:xfrm>
+          <a:prstGeom prst="rect">
+            <a:avLst/>
+          </a:prstGeom>
+          <a:noFill/>
+          <a:ln>
+            <a:solidFill>
+              <a:schemeClr val="tx1"/>
+            </a:solidFill>
+          </a:ln>
+        </p:spPr>
+        <p:txBody>
+          <a:bodyPr wrap="square" rtlCol="0">
+            <a:spAutoFit/>
+          </a:bodyPr>
+          <a:lstStyle/>
+          <a:p>
+            <a:pPr algn="ctr"/>
+            <a:r>
+              <a:rPr lang="zh-TW" altLang="en-US" sz="3200" dirty="0" smtClean="0">
+                <a:latin typeface="造字工房悦黑体验版纤细体" pitchFamily="50" charset="-122"/>
+                <a:ea typeface="造字工房悦黑体验版纤细体" pitchFamily="50" charset="-122"/>
+              </a:rPr>
+              <a:t>記帳本</a:t>
+            </a:r>
+            <a:endParaRPr lang="zh-CN" altLang="en-US" sz="3200" dirty="0">
+              <a:latin typeface="造字工房悦黑体验版纤细体" pitchFamily="50" charset="-122"/>
+              <a:ea typeface="造字工房悦黑体验版纤细体" pitchFamily="50" charset="-122"/>
+            </a:endParaRPr>
+          </a:p>
+        </p:txBody>
+      </p:sp>
+      <p:sp>
+        <p:nvSpPr>
+          <p:cNvPr id="14" name="矩形 13"/>
+          <p:cNvSpPr/>
+          <p:nvPr/>
+        </p:nvSpPr>
+        <p:spPr>
+          <a:xfrm rot="2700000">
+            <a:off x="9508237" y="2786284"/>
+            <a:ext cx="1800225" cy="1800225"/>
+          </a:xfrm>
+          <a:prstGeom prst="rect">
+            <a:avLst/>
+          </a:prstGeom>
+          <a:noFill/>
+          <a:ln>
+            <a:solidFill>
+              <a:schemeClr val="tx1"/>
+            </a:solidFill>
+          </a:ln>
+        </p:spPr>
+        <p:style>
+          <a:lnRef idx="2">
+            <a:schemeClr val="accent1">
+              <a:shade val="50000"/>
+            </a:schemeClr>
+          </a:lnRef>
+          <a:fillRef idx="1">
+            <a:schemeClr val="accent1"/>
+          </a:fillRef>
+          <a:effectRef idx="0">
+            <a:schemeClr val="accent1"/>
+          </a:effectRef>
+          <a:fontRef idx="minor">
+            <a:schemeClr val="lt1"/>
+          </a:fontRef>
+        </p:style>
+        <p:txBody>
+          <a:bodyPr rtlCol="0" anchor="ctr"/>
+          <a:lstStyle/>
+          <a:p>
+            <a:pPr algn="ctr"/>
+            <a:endParaRPr lang="zh-CN" altLang="en-US">
+              <a:solidFill>
+                <a:schemeClr val="tx1"/>
+              </a:solidFill>
+            </a:endParaRPr>
+          </a:p>
+        </p:txBody>
+      </p:sp>
+      <p:sp>
+        <p:nvSpPr>
+          <p:cNvPr id="15" name="文本框 20"/>
+          <p:cNvSpPr txBox="1"/>
+          <p:nvPr/>
+        </p:nvSpPr>
+        <p:spPr>
+          <a:xfrm>
+            <a:off x="9417066" y="3394008"/>
+            <a:ext cx="1982565" cy="584775"/>
+          </a:xfrm>
+          <a:prstGeom prst="rect">
+            <a:avLst/>
+          </a:prstGeom>
+          <a:noFill/>
+          <a:ln>
+            <a:solidFill>
+              <a:schemeClr val="tx1"/>
+            </a:solidFill>
+          </a:ln>
+        </p:spPr>
+        <p:txBody>
+          <a:bodyPr wrap="square" rtlCol="0">
+            <a:spAutoFit/>
+          </a:bodyPr>
+          <a:lstStyle/>
+          <a:p>
+            <a:pPr algn="ctr"/>
+            <a:r>
+              <a:rPr lang="zh-TW" altLang="en-US" sz="3200" dirty="0" smtClean="0">
+                <a:latin typeface="造字工房悦黑体验版纤细体" pitchFamily="50" charset="-122"/>
+                <a:ea typeface="造字工房悦黑体验版纤细体" pitchFamily="50" charset="-122"/>
+              </a:rPr>
+              <a:t>行事曆</a:t>
+            </a:r>
+            <a:endParaRPr lang="zh-CN" altLang="en-US" sz="3200" dirty="0">
+              <a:latin typeface="造字工房悦黑体验版纤细体" pitchFamily="50" charset="-122"/>
+              <a:ea typeface="造字工房悦黑体验版纤细体" pitchFamily="50" charset="-122"/>
+            </a:endParaRPr>
+          </a:p>
+        </p:txBody>
+      </p:sp>
+    </p:spTree>
+    <p:extLst>
+      <p:ext uri="{BB962C8B-B14F-4D97-AF65-F5344CB8AC3E}">
+        <p14:creationId xmlns:p14="http://schemas.microsoft.com/office/powerpoint/2010/main" val="3955082882"/>
+      </p:ext>
+    </p:extLst>
+  </p:cSld>
+  <p:clrMapOvr>
+    <a:masterClrMapping/>
+  </p:clrMapOvr>
+  <mc:AlternateContent xmlns:mc="http://schemas.openxmlformats.org/markup-compatibility/2006" xmlns:p15="http://schemas.microsoft.com/office/powerpoint/2012/main">
+    <mc:Choice Requires="p15">
+      <p:transition xmlns:p14="http://schemas.microsoft.com/office/powerpoint/2010/main" spd="slow" p14:dur="1250">
+        <p15:prstTrans prst="pageCurlDouble"/>
+      </p:transition>
+    </mc:Choice>
+    <mc:Fallback xmlns="">
+      <p:transition spd="slow">
+        <p:fade/>
+      </p:transition>
+    </mc:Fallback>
+  </mc:AlternateContent>
+  <p:timing>
+    <p:tnLst>
+      <p:par>
+        <p:cTn id="1" dur="indefinite" restart="never" nodeType="tmRoot">
+          <p:childTnLst>
+            <p:seq concurrent="1" nextAc="seek">
+              <p:cTn id="2" dur="indefinite" nodeType="mainSeq">
+                <p:childTnLst>
+                  <p:par>
+                    <p:cTn id="3" fill="hold">
+                      <p:stCondLst>
+                        <p:cond delay="indefinite"/>
+                        <p:cond evt="onBegin" delay="0">
+                          <p:tn val="2"/>
+                        </p:cond>
+                      </p:stCondLst>
+                      <p:childTnLst>
+                        <p:par>
+                          <p:cTn id="4" fill="hold">
+                            <p:stCondLst>
+                              <p:cond delay="0"/>
+                            </p:stCondLst>
+                            <p:childTnLst>
+                              <p:par>
+                                <p:cTn id="5" presetID="21" presetClass="entr" presetSubtype="1" fill="hold" nodeType="withEffect">
+                                  <p:stCondLst>
+                                    <p:cond delay="0"/>
+                                  </p:stCondLst>
+                                  <p:childTnLst>
+                                    <p:set>
+                                      <p:cBhvr>
+                                        <p:cTn id="6" dur="1" fill="hold">
+                                          <p:stCondLst>
+                                            <p:cond delay="0"/>
+                                          </p:stCondLst>
+                                        </p:cTn>
+                                        <p:tgtEl>
+                                          <p:spTgt spid="2"/>
+                                        </p:tgtEl>
+                                        <p:attrNameLst>
+                                          <p:attrName>style.visibility</p:attrName>
+                                        </p:attrNameLst>
+                                      </p:cBhvr>
+                                      <p:to>
+                                        <p:strVal val="visible"/>
+                                      </p:to>
+                                    </p:set>
+                                    <p:animEffect transition="in" filter="wheel(1)">
+                                      <p:cBhvr>
+                                        <p:cTn id="7" dur="1000"/>
+                                        <p:tgtEl>
+                                          <p:spTgt spid="2"/>
+                                        </p:tgtEl>
+                                      </p:cBhvr>
+                                    </p:animEffect>
+                                  </p:childTnLst>
+                                </p:cTn>
+                              </p:par>
+                            </p:childTnLst>
+                          </p:cTn>
+                        </p:par>
+                        <p:par>
+                          <p:cTn id="8" fill="hold">
+                            <p:stCondLst>
+                              <p:cond delay="1000"/>
+                            </p:stCondLst>
+                            <p:childTnLst>
+                              <p:par>
+                                <p:cTn id="9" presetID="21" presetClass="entr" presetSubtype="1" fill="hold" grpId="0" nodeType="afterEffect">
+                                  <p:stCondLst>
+                                    <p:cond delay="0"/>
+                                  </p:stCondLst>
+                                  <p:childTnLst>
+                                    <p:set>
+                                      <p:cBhvr>
+                                        <p:cTn id="10" dur="1" fill="hold">
+                                          <p:stCondLst>
+                                            <p:cond delay="0"/>
+                                          </p:stCondLst>
+                                        </p:cTn>
+                                        <p:tgtEl>
+                                          <p:spTgt spid="8"/>
+                                        </p:tgtEl>
+                                        <p:attrNameLst>
+                                          <p:attrName>style.visibility</p:attrName>
+                                        </p:attrNameLst>
+                                      </p:cBhvr>
+                                      <p:to>
+                                        <p:strVal val="visible"/>
+                                      </p:to>
+                                    </p:set>
+                                    <p:animEffect transition="in" filter="wheel(1)">
+                                      <p:cBhvr>
+                                        <p:cTn id="11" dur="1500"/>
+                                        <p:tgtEl>
+                                          <p:spTgt spid="8"/>
+                                        </p:tgtEl>
+                                      </p:cBhvr>
+                                    </p:animEffect>
+                                  </p:childTnLst>
+                                </p:cTn>
+                              </p:par>
+                              <p:par>
+                                <p:cTn id="12" presetID="21" presetClass="entr" presetSubtype="1" fill="hold" grpId="0" nodeType="withEffect">
+                                  <p:stCondLst>
+                                    <p:cond delay="0"/>
+                                  </p:stCondLst>
+                                  <p:childTnLst>
+                                    <p:set>
+                                      <p:cBhvr>
+                                        <p:cTn id="13" dur="1" fill="hold">
+                                          <p:stCondLst>
+                                            <p:cond delay="0"/>
+                                          </p:stCondLst>
+                                        </p:cTn>
+                                        <p:tgtEl>
+                                          <p:spTgt spid="9"/>
+                                        </p:tgtEl>
+                                        <p:attrNameLst>
+                                          <p:attrName>style.visibility</p:attrName>
+                                        </p:attrNameLst>
+                                      </p:cBhvr>
+                                      <p:to>
+                                        <p:strVal val="visible"/>
+                                      </p:to>
+                                    </p:set>
+                                    <p:animEffect transition="in" filter="wheel(1)">
+                                      <p:cBhvr>
+                                        <p:cTn id="14" dur="1500"/>
+                                        <p:tgtEl>
+                                          <p:spTgt spid="9"/>
+                                        </p:tgtEl>
+                                      </p:cBhvr>
+                                    </p:animEffect>
+                                  </p:childTnLst>
+                                </p:cTn>
+                              </p:par>
+                              <p:par>
+                                <p:cTn id="15" presetID="21" presetClass="entr" presetSubtype="1" fill="hold" grpId="0" nodeType="withEffect">
+                                  <p:stCondLst>
+                                    <p:cond delay="0"/>
+                                  </p:stCondLst>
+                                  <p:childTnLst>
+                                    <p:set>
+                                      <p:cBhvr>
+                                        <p:cTn id="16" dur="1" fill="hold">
+                                          <p:stCondLst>
+                                            <p:cond delay="0"/>
+                                          </p:stCondLst>
+                                        </p:cTn>
+                                        <p:tgtEl>
+                                          <p:spTgt spid="10"/>
+                                        </p:tgtEl>
+                                        <p:attrNameLst>
+                                          <p:attrName>style.visibility</p:attrName>
+                                        </p:attrNameLst>
+                                      </p:cBhvr>
+                                      <p:to>
+                                        <p:strVal val="visible"/>
+                                      </p:to>
+                                    </p:set>
+                                    <p:animEffect transition="in" filter="wheel(1)">
+                                      <p:cBhvr>
+                                        <p:cTn id="17" dur="1500"/>
+                                        <p:tgtEl>
+                                          <p:spTgt spid="10"/>
+                                        </p:tgtEl>
+                                      </p:cBhvr>
+                                    </p:animEffect>
+                                  </p:childTnLst>
+                                </p:cTn>
+                              </p:par>
+                              <p:par>
+                                <p:cTn id="18" presetID="21" presetClass="entr" presetSubtype="1" fill="hold" grpId="0" nodeType="withEffect">
+                                  <p:stCondLst>
+                                    <p:cond delay="0"/>
+                                  </p:stCondLst>
+                                  <p:childTnLst>
+                                    <p:set>
+                                      <p:cBhvr>
+                                        <p:cTn id="19" dur="1" fill="hold">
+                                          <p:stCondLst>
+                                            <p:cond delay="0"/>
+                                          </p:stCondLst>
+                                        </p:cTn>
+                                        <p:tgtEl>
+                                          <p:spTgt spid="14"/>
+                                        </p:tgtEl>
+                                        <p:attrNameLst>
+                                          <p:attrName>style.visibility</p:attrName>
+                                        </p:attrNameLst>
+                                      </p:cBhvr>
+                                      <p:to>
+                                        <p:strVal val="visible"/>
+                                      </p:to>
+                                    </p:set>
+                                    <p:animEffect transition="in" filter="wheel(1)">
+                                      <p:cBhvr>
+                                        <p:cTn id="20" dur="1500"/>
+                                        <p:tgtEl>
+                                          <p:spTgt spid="14"/>
+                                        </p:tgtEl>
+                                      </p:cBhvr>
+                                    </p:animEffect>
+                                  </p:childTnLst>
+                                </p:cTn>
+                              </p:par>
+                            </p:childTnLst>
+                          </p:cTn>
+                        </p:par>
+                        <p:par>
+                          <p:cTn id="21" fill="hold">
+                            <p:stCondLst>
+                              <p:cond delay="2500"/>
+                            </p:stCondLst>
+                            <p:childTnLst>
+                              <p:par>
+                                <p:cTn id="22" presetID="53" presetClass="entr" presetSubtype="16" fill="hold" grpId="0" nodeType="afterEffect">
+                                  <p:stCondLst>
+                                    <p:cond delay="0"/>
+                                  </p:stCondLst>
+                                  <p:childTnLst>
+                                    <p:set>
+                                      <p:cBhvr>
+                                        <p:cTn id="23" dur="1" fill="hold">
+                                          <p:stCondLst>
+                                            <p:cond delay="0"/>
+                                          </p:stCondLst>
+                                        </p:cTn>
+                                        <p:tgtEl>
+                                          <p:spTgt spid="11"/>
+                                        </p:tgtEl>
+                                        <p:attrNameLst>
+                                          <p:attrName>style.visibility</p:attrName>
+                                        </p:attrNameLst>
+                                      </p:cBhvr>
+                                      <p:to>
+                                        <p:strVal val="visible"/>
+                                      </p:to>
+                                    </p:set>
+                                    <p:anim calcmode="lin" valueType="num">
+                                      <p:cBhvr>
+                                        <p:cTn id="24" dur="1000" fill="hold"/>
+                                        <p:tgtEl>
+                                          <p:spTgt spid="11"/>
+                                        </p:tgtEl>
+                                        <p:attrNameLst>
+                                          <p:attrName>ppt_w</p:attrName>
+                                        </p:attrNameLst>
+                                      </p:cBhvr>
+                                      <p:tavLst>
+                                        <p:tav tm="0">
+                                          <p:val>
+                                            <p:fltVal val="0"/>
+                                          </p:val>
+                                        </p:tav>
+                                        <p:tav tm="100000">
+                                          <p:val>
+                                            <p:strVal val="#ppt_w"/>
+                                          </p:val>
+                                        </p:tav>
+                                      </p:tavLst>
+                                    </p:anim>
+                                    <p:anim calcmode="lin" valueType="num">
+                                      <p:cBhvr>
+                                        <p:cTn id="25" dur="1000" fill="hold"/>
+                                        <p:tgtEl>
+                                          <p:spTgt spid="11"/>
+                                        </p:tgtEl>
+                                        <p:attrNameLst>
+                                          <p:attrName>ppt_h</p:attrName>
+                                        </p:attrNameLst>
+                                      </p:cBhvr>
+                                      <p:tavLst>
+                                        <p:tav tm="0">
+                                          <p:val>
+                                            <p:fltVal val="0"/>
+                                          </p:val>
+                                        </p:tav>
+                                        <p:tav tm="100000">
+                                          <p:val>
+                                            <p:strVal val="#ppt_h"/>
+                                          </p:val>
+                                        </p:tav>
+                                      </p:tavLst>
+                                    </p:anim>
+                                    <p:animEffect transition="in" filter="fade">
+                                      <p:cBhvr>
+                                        <p:cTn id="26" dur="1000"/>
+                                        <p:tgtEl>
+                                          <p:spTgt spid="11"/>
+                                        </p:tgtEl>
+                                      </p:cBhvr>
+                                    </p:animEffect>
+                                  </p:childTnLst>
+                                </p:cTn>
+                              </p:par>
+                              <p:par>
+                                <p:cTn id="27" presetID="53" presetClass="entr" presetSubtype="16" fill="hold" grpId="0" nodeType="withEffect">
+                                  <p:stCondLst>
+                                    <p:cond delay="0"/>
+                                  </p:stCondLst>
+                                  <p:childTnLst>
+                                    <p:set>
+                                      <p:cBhvr>
+                                        <p:cTn id="28" dur="1" fill="hold">
+                                          <p:stCondLst>
+                                            <p:cond delay="0"/>
+                                          </p:stCondLst>
+                                        </p:cTn>
+                                        <p:tgtEl>
+                                          <p:spTgt spid="12"/>
+                                        </p:tgtEl>
+                                        <p:attrNameLst>
+                                          <p:attrName>style.visibility</p:attrName>
+                                        </p:attrNameLst>
+                                      </p:cBhvr>
+                                      <p:to>
+                                        <p:strVal val="visible"/>
+                                      </p:to>
+                                    </p:set>
+                                    <p:anim calcmode="lin" valueType="num">
+                                      <p:cBhvr>
+                                        <p:cTn id="29" dur="1000" fill="hold"/>
+                                        <p:tgtEl>
+                                          <p:spTgt spid="12"/>
+                                        </p:tgtEl>
+                                        <p:attrNameLst>
+                                          <p:attrName>ppt_w</p:attrName>
+                                        </p:attrNameLst>
+                                      </p:cBhvr>
+                                      <p:tavLst>
+                                        <p:tav tm="0">
+                                          <p:val>
+                                            <p:fltVal val="0"/>
+                                          </p:val>
+                                        </p:tav>
+                                        <p:tav tm="100000">
+                                          <p:val>
+                                            <p:strVal val="#ppt_w"/>
+                                          </p:val>
+                                        </p:tav>
+                                      </p:tavLst>
+                                    </p:anim>
+                                    <p:anim calcmode="lin" valueType="num">
+                                      <p:cBhvr>
+                                        <p:cTn id="30" dur="1000" fill="hold"/>
+                                        <p:tgtEl>
+                                          <p:spTgt spid="12"/>
+                                        </p:tgtEl>
+                                        <p:attrNameLst>
+                                          <p:attrName>ppt_h</p:attrName>
+                                        </p:attrNameLst>
+                                      </p:cBhvr>
+                                      <p:tavLst>
+                                        <p:tav tm="0">
+                                          <p:val>
+                                            <p:fltVal val="0"/>
+                                          </p:val>
+                                        </p:tav>
+                                        <p:tav tm="100000">
+                                          <p:val>
+                                            <p:strVal val="#ppt_h"/>
+                                          </p:val>
+                                        </p:tav>
+                                      </p:tavLst>
+                                    </p:anim>
+                                    <p:animEffect transition="in" filter="fade">
+                                      <p:cBhvr>
+                                        <p:cTn id="31" dur="1000"/>
+                                        <p:tgtEl>
+                                          <p:spTgt spid="12"/>
+                                        </p:tgtEl>
+                                      </p:cBhvr>
+                                    </p:animEffect>
+                                  </p:childTnLst>
+                                </p:cTn>
+                              </p:par>
+                              <p:par>
+                                <p:cTn id="32" presetID="53" presetClass="entr" presetSubtype="16" fill="hold" grpId="0" nodeType="withEffect">
+                                  <p:stCondLst>
+                                    <p:cond delay="0"/>
+                                  </p:stCondLst>
+                                  <p:childTnLst>
+                                    <p:set>
+                                      <p:cBhvr>
+                                        <p:cTn id="33" dur="1" fill="hold">
+                                          <p:stCondLst>
+                                            <p:cond delay="0"/>
+                                          </p:stCondLst>
+                                        </p:cTn>
+                                        <p:tgtEl>
+                                          <p:spTgt spid="13"/>
+                                        </p:tgtEl>
+                                        <p:attrNameLst>
+                                          <p:attrName>style.visibility</p:attrName>
+                                        </p:attrNameLst>
+                                      </p:cBhvr>
+                                      <p:to>
+                                        <p:strVal val="visible"/>
+                                      </p:to>
+                                    </p:set>
+                                    <p:anim calcmode="lin" valueType="num">
+                                      <p:cBhvr>
+                                        <p:cTn id="34" dur="1000" fill="hold"/>
+                                        <p:tgtEl>
+                                          <p:spTgt spid="13"/>
+                                        </p:tgtEl>
+                                        <p:attrNameLst>
+                                          <p:attrName>ppt_w</p:attrName>
+                                        </p:attrNameLst>
+                                      </p:cBhvr>
+                                      <p:tavLst>
+                                        <p:tav tm="0">
+                                          <p:val>
+                                            <p:fltVal val="0"/>
+                                          </p:val>
+                                        </p:tav>
+                                        <p:tav tm="100000">
+                                          <p:val>
+                                            <p:strVal val="#ppt_w"/>
+                                          </p:val>
+                                        </p:tav>
+                                      </p:tavLst>
+                                    </p:anim>
+                                    <p:anim calcmode="lin" valueType="num">
+                                      <p:cBhvr>
+                                        <p:cTn id="35" dur="1000" fill="hold"/>
+                                        <p:tgtEl>
+                                          <p:spTgt spid="13"/>
+                                        </p:tgtEl>
+                                        <p:attrNameLst>
+                                          <p:attrName>ppt_h</p:attrName>
+                                        </p:attrNameLst>
+                                      </p:cBhvr>
+                                      <p:tavLst>
+                                        <p:tav tm="0">
+                                          <p:val>
+                                            <p:fltVal val="0"/>
+                                          </p:val>
+                                        </p:tav>
+                                        <p:tav tm="100000">
+                                          <p:val>
+                                            <p:strVal val="#ppt_h"/>
+                                          </p:val>
+                                        </p:tav>
+                                      </p:tavLst>
+                                    </p:anim>
+                                    <p:animEffect transition="in" filter="fade">
+                                      <p:cBhvr>
+                                        <p:cTn id="36" dur="1000"/>
+                                        <p:tgtEl>
+                                          <p:spTgt spid="13"/>
+                                        </p:tgtEl>
+                                      </p:cBhvr>
+                                    </p:animEffect>
+                                  </p:childTnLst>
+                                </p:cTn>
+                              </p:par>
+                              <p:par>
+                                <p:cTn id="37" presetID="53" presetClass="entr" presetSubtype="16" fill="hold" grpId="0" nodeType="withEffect">
+                                  <p:stCondLst>
+                                    <p:cond delay="0"/>
+                                  </p:stCondLst>
+                                  <p:childTnLst>
+                                    <p:set>
+                                      <p:cBhvr>
+                                        <p:cTn id="38" dur="1" fill="hold">
+                                          <p:stCondLst>
+                                            <p:cond delay="0"/>
+                                          </p:stCondLst>
+                                        </p:cTn>
+                                        <p:tgtEl>
+                                          <p:spTgt spid="15"/>
+                                        </p:tgtEl>
+                                        <p:attrNameLst>
+                                          <p:attrName>style.visibility</p:attrName>
+                                        </p:attrNameLst>
+                                      </p:cBhvr>
+                                      <p:to>
+                                        <p:strVal val="visible"/>
+                                      </p:to>
+                                    </p:set>
+                                    <p:anim calcmode="lin" valueType="num">
+                                      <p:cBhvr>
+                                        <p:cTn id="39" dur="1000" fill="hold"/>
+                                        <p:tgtEl>
+                                          <p:spTgt spid="15"/>
+                                        </p:tgtEl>
+                                        <p:attrNameLst>
+                                          <p:attrName>ppt_w</p:attrName>
+                                        </p:attrNameLst>
+                                      </p:cBhvr>
+                                      <p:tavLst>
+                                        <p:tav tm="0">
+                                          <p:val>
+                                            <p:fltVal val="0"/>
+                                          </p:val>
+                                        </p:tav>
+                                        <p:tav tm="100000">
+                                          <p:val>
+                                            <p:strVal val="#ppt_w"/>
+                                          </p:val>
+                                        </p:tav>
+                                      </p:tavLst>
+                                    </p:anim>
+                                    <p:anim calcmode="lin" valueType="num">
+                                      <p:cBhvr>
+                                        <p:cTn id="40" dur="1000" fill="hold"/>
+                                        <p:tgtEl>
+                                          <p:spTgt spid="15"/>
+                                        </p:tgtEl>
+                                        <p:attrNameLst>
+                                          <p:attrName>ppt_h</p:attrName>
+                                        </p:attrNameLst>
+                                      </p:cBhvr>
+                                      <p:tavLst>
+                                        <p:tav tm="0">
+                                          <p:val>
+                                            <p:fltVal val="0"/>
+                                          </p:val>
+                                        </p:tav>
+                                        <p:tav tm="100000">
+                                          <p:val>
+                                            <p:strVal val="#ppt_h"/>
+                                          </p:val>
+                                        </p:tav>
+                                      </p:tavLst>
+                                    </p:anim>
+                                    <p:animEffect transition="in" filter="fade">
+                                      <p:cBhvr>
+                                        <p:cTn id="41" dur="1000"/>
+                                        <p:tgtEl>
+                                          <p:spTgt spid="15"/>
+                                        </p:tgtEl>
+                                      </p:cBhvr>
+                                    </p:animEffect>
+                                  </p:childTnLst>
+                                </p:cTn>
+                              </p:par>
+                            </p:childTnLst>
+                          </p:cTn>
+                        </p:par>
+                      </p:childTnLst>
+                    </p:cTn>
+                  </p:par>
+                </p:childTnLst>
+              </p:cTn>
+              <p:prevCondLst>
+                <p:cond evt="onPrev" delay="0">
+                  <p:tgtEl>
+                    <p:sldTgt/>
+                  </p:tgtEl>
+                </p:cond>
+              </p:prevCondLst>
+              <p:nextCondLst>
+                <p:cond evt="onNext" delay="0">
+                  <p:tgtEl>
+                    <p:sldTgt/>
+                  </p:tgtEl>
+                </p:cond>
+              </p:nextCondLst>
+            </p:seq>
+          </p:childTnLst>
+        </p:cTn>
+      </p:par>
+    </p:tnLst>
+    <p:bldLst>
+      <p:bldP spid="8" grpId="0" animBg="1"/>
+      <p:bldP spid="9" grpId="0" animBg="1"/>
+      <p:bldP spid="10" grpId="0" animBg="1"/>
+      <p:bldP spid="11" grpId="0" animBg="1"/>
+      <p:bldP spid="12" grpId="0" animBg="1"/>
+      <p:bldP spid="13" grpId="0" animBg="1"/>
+      <p:bldP spid="14" grpId="0" animBg="1"/>
+      <p:bldP spid="15" grpId="0" animBg="1"/>
+    </p:bldLst>
+  </p:timing>
+</p:sld>
+</file>
+
+<file path=ppt/slides/slide11.xml><?xml version="1.0" encoding="utf-8"?>
+<p:sld xmlns:a="http://schemas.openxmlformats.org/drawingml/2006/main" xmlns:r="http://schemas.openxmlformats.org/officeDocument/2006/relationships" xmlns:p="http://schemas.openxmlformats.org/presentationml/2006/main">
+  <p:cSld>
+    <p:bg>
+      <p:bgPr>
+        <a:solidFill>
+          <a:schemeClr val="bg1">
+            <a:lumMod val="95000"/>
+          </a:schemeClr>
+        </a:solidFill>
+        <a:effectLst/>
+      </p:bgPr>
+    </p:bg>
+    <p:spTree>
+      <p:nvGrpSpPr>
+        <p:cNvPr id="1" name=""/>
+        <p:cNvGrpSpPr/>
+        <p:nvPr/>
+      </p:nvGrpSpPr>
+      <p:grpSpPr>
+        <a:xfrm>
+          <a:off x="0" y="0"/>
+          <a:ext cx="0" cy="0"/>
+          <a:chOff x="0" y="0"/>
+          <a:chExt cx="0" cy="0"/>
+        </a:xfrm>
+      </p:grpSpPr>
       <p:sp>
         <p:nvSpPr>
           <p:cNvPr id="4" name="椭圆 3"/>
@@ -5632,7 +10260,7 @@
 </p:sld>
 </file>
 
-<file path=ppt/slides/slide11.xml><?xml version="1.0" encoding="utf-8"?>
+<file path=ppt/slides/slide12.xml><?xml version="1.0" encoding="utf-8"?>
 <p:sld xmlns:a="http://schemas.openxmlformats.org/drawingml/2006/main" xmlns:r="http://schemas.openxmlformats.org/officeDocument/2006/relationships" xmlns:p="http://schemas.openxmlformats.org/presentationml/2006/main">
   <p:cSld>
     <p:bg>
@@ -7603,7 +12231,7 @@
 </p:sld>
 </file>
 
-<file path=ppt/slides/slide12.xml><?xml version="1.0" encoding="utf-8"?>
+<file path=ppt/slides/slide13.xml><?xml version="1.0" encoding="utf-8"?>
 <p:sld xmlns:a="http://schemas.openxmlformats.org/drawingml/2006/main" xmlns:r="http://schemas.openxmlformats.org/officeDocument/2006/relationships" xmlns:p="http://schemas.openxmlformats.org/presentationml/2006/main">
   <p:cSld>
     <p:bg>
@@ -8121,7 +12749,7 @@
 </p:sld>
 </file>
 
-<file path=ppt/slides/slide13.xml><?xml version="1.0" encoding="utf-8"?>
+<file path=ppt/slides/slide14.xml><?xml version="1.0" encoding="utf-8"?>
 <p:sld xmlns:a="http://schemas.openxmlformats.org/drawingml/2006/main" xmlns:r="http://schemas.openxmlformats.org/officeDocument/2006/relationships" xmlns:p="http://schemas.openxmlformats.org/presentationml/2006/main">
   <p:cSld>
     <p:bg>
@@ -8833,7 +13461,7 @@
         </p:nvSpPr>
         <p:spPr>
           <a:xfrm>
-            <a:off x="5285520" y="3227544"/>
+            <a:off x="5285519" y="3227544"/>
             <a:ext cx="1620957" cy="523220"/>
           </a:xfrm>
           <a:prstGeom prst="rect">
@@ -8848,7 +13476,7 @@
           <a:p>
             <a:pPr algn="ctr"/>
             <a:r>
-              <a:rPr lang="zh-TW" altLang="en-US" sz="2800" dirty="0" smtClean="0">
+              <a:rPr lang="zh-TW" altLang="en-US" sz="2800" dirty="0">
                 <a:solidFill>
                   <a:schemeClr val="tx1">
                     <a:lumMod val="85000"/>
@@ -8858,20 +13486,7 @@
                 <a:latin typeface="造字工房悦黑（非商用）纤细体" pitchFamily="50" charset="-122"/>
                 <a:ea typeface="造字工房悦黑（非商用）纤细体" pitchFamily="50" charset="-122"/>
               </a:rPr>
-              <a:t>網頁</a:t>
-            </a:r>
-            <a:r>
-              <a:rPr lang="en-US" altLang="zh-TW" sz="2800" dirty="0" smtClean="0">
-                <a:solidFill>
-                  <a:schemeClr val="tx1">
-                    <a:lumMod val="85000"/>
-                    <a:lumOff val="15000"/>
-                  </a:schemeClr>
-                </a:solidFill>
-                <a:latin typeface="造字工房悦黑（非商用）纤细体" pitchFamily="50" charset="-122"/>
-                <a:ea typeface="造字工房悦黑（非商用）纤细体" pitchFamily="50" charset="-122"/>
-              </a:rPr>
-              <a:t>demo</a:t>
+              <a:t>前端網頁</a:t>
             </a:r>
             <a:endParaRPr lang="zh-CN" altLang="en-US" sz="2800" dirty="0">
               <a:solidFill>
@@ -8919,20 +13534,7 @@
                 <a:latin typeface="造字工房悦黑（非商用）纤细体" pitchFamily="50" charset="-122"/>
                 <a:ea typeface="造字工房悦黑（非商用）纤细体" pitchFamily="50" charset="-122"/>
               </a:rPr>
-              <a:t>網頁</a:t>
-            </a:r>
-            <a:r>
-              <a:rPr lang="zh-TW" altLang="en-US" sz="2800" dirty="0" smtClean="0">
-                <a:solidFill>
-                  <a:schemeClr val="tx1">
-                    <a:lumMod val="85000"/>
-                    <a:lumOff val="15000"/>
-                  </a:schemeClr>
-                </a:solidFill>
-                <a:latin typeface="造字工房悦黑（非商用）纤细体" pitchFamily="50" charset="-122"/>
-                <a:ea typeface="造字工房悦黑（非商用）纤细体" pitchFamily="50" charset="-122"/>
-              </a:rPr>
-              <a:t>功能</a:t>
+              <a:t>網頁功能</a:t>
             </a:r>
             <a:endParaRPr lang="zh-CN" altLang="en-US" sz="2800" dirty="0">
               <a:solidFill>
@@ -10631,8 +15233,8 @@
         </p:nvSpPr>
         <p:spPr>
           <a:xfrm>
-            <a:off x="4870345" y="3044280"/>
-            <a:ext cx="2451312" cy="769441"/>
+            <a:off x="4871947" y="3044280"/>
+            <a:ext cx="2448106" cy="769441"/>
           </a:xfrm>
           <a:prstGeom prst="rect">
             <a:avLst/>
@@ -10646,7 +15248,7 @@
           <a:p>
             <a:pPr algn="ctr"/>
             <a:r>
-              <a:rPr lang="zh-TW" altLang="en-US" sz="4400" b="1" dirty="0" smtClean="0">
+              <a:rPr lang="zh-TW" altLang="en-US" sz="4400" b="1" dirty="0">
                 <a:solidFill>
                   <a:schemeClr val="tx1">
                     <a:lumMod val="85000"/>
@@ -10656,20 +15258,7 @@
                 <a:latin typeface="造字工房悦黑（非商用）纤细体" pitchFamily="50" charset="-122"/>
                 <a:ea typeface="造字工房悦黑（非商用）纤细体" pitchFamily="50" charset="-122"/>
               </a:rPr>
-              <a:t>網頁</a:t>
-            </a:r>
-            <a:r>
-              <a:rPr lang="en-US" altLang="zh-TW" sz="4400" b="1" dirty="0" smtClean="0">
-                <a:solidFill>
-                  <a:schemeClr val="tx1">
-                    <a:lumMod val="85000"/>
-                    <a:lumOff val="15000"/>
-                  </a:schemeClr>
-                </a:solidFill>
-                <a:latin typeface="造字工房悦黑（非商用）纤细体" pitchFamily="50" charset="-122"/>
-                <a:ea typeface="造字工房悦黑（非商用）纤细体" pitchFamily="50" charset="-122"/>
-              </a:rPr>
-              <a:t>demo</a:t>
+              <a:t>前端網頁</a:t>
             </a:r>
             <a:endParaRPr lang="zh-CN" altLang="en-US" sz="4400" b="1" dirty="0">
               <a:solidFill>
@@ -10951,6 +15540,287 @@
           <a:chExt cx="0" cy="0"/>
         </a:xfrm>
       </p:grpSpPr>
+      <p:grpSp>
+        <p:nvGrpSpPr>
+          <p:cNvPr id="2" name="组合 1"/>
+          <p:cNvGrpSpPr/>
+          <p:nvPr/>
+        </p:nvGrpSpPr>
+        <p:grpSpPr>
+          <a:xfrm>
+            <a:off x="-783916" y="152400"/>
+            <a:ext cx="3252796" cy="883920"/>
+            <a:chOff x="-783916" y="152400"/>
+            <a:chExt cx="2707965" cy="544656"/>
+          </a:xfrm>
+        </p:grpSpPr>
+        <p:sp>
+          <p:nvSpPr>
+            <p:cNvPr id="6" name="圆角矩形 5"/>
+            <p:cNvSpPr/>
+            <p:nvPr/>
+          </p:nvSpPr>
+          <p:spPr>
+            <a:xfrm>
+              <a:off x="-783916" y="152400"/>
+              <a:ext cx="2707965" cy="544656"/>
+            </a:xfrm>
+            <a:prstGeom prst="roundRect">
+              <a:avLst/>
+            </a:prstGeom>
+            <a:noFill/>
+            <a:ln>
+              <a:solidFill>
+                <a:schemeClr val="tx1">
+                  <a:lumMod val="85000"/>
+                  <a:lumOff val="15000"/>
+                </a:schemeClr>
+              </a:solidFill>
+            </a:ln>
+          </p:spPr>
+          <p:style>
+            <a:lnRef idx="2">
+              <a:schemeClr val="accent1">
+                <a:shade val="50000"/>
+              </a:schemeClr>
+            </a:lnRef>
+            <a:fillRef idx="1">
+              <a:schemeClr val="accent1"/>
+            </a:fillRef>
+            <a:effectRef idx="0">
+              <a:schemeClr val="accent1"/>
+            </a:effectRef>
+            <a:fontRef idx="minor">
+              <a:schemeClr val="lt1"/>
+            </a:fontRef>
+          </p:style>
+          <p:txBody>
+            <a:bodyPr rtlCol="0" anchor="ctr"/>
+            <a:lstStyle/>
+            <a:p>
+              <a:pPr algn="ctr"/>
+              <a:endParaRPr lang="zh-CN" altLang="en-US" sz="3600" dirty="0">
+                <a:solidFill>
+                  <a:schemeClr val="tx1">
+                    <a:lumMod val="85000"/>
+                    <a:lumOff val="15000"/>
+                  </a:schemeClr>
+                </a:solidFill>
+                <a:latin typeface="造字工房悦黑（非商用）纤细体" pitchFamily="50" charset="-122"/>
+                <a:ea typeface="造字工房悦黑（非商用）纤细体" pitchFamily="50" charset="-122"/>
+              </a:endParaRPr>
+            </a:p>
+          </p:txBody>
+        </p:sp>
+        <p:sp>
+          <p:nvSpPr>
+            <p:cNvPr id="7" name="矩形 6"/>
+            <p:cNvSpPr/>
+            <p:nvPr/>
+          </p:nvSpPr>
+          <p:spPr>
+            <a:xfrm>
+              <a:off x="55054" y="225599"/>
+              <a:ext cx="1696424" cy="398258"/>
+            </a:xfrm>
+            <a:prstGeom prst="rect">
+              <a:avLst/>
+            </a:prstGeom>
+          </p:spPr>
+          <p:txBody>
+            <a:bodyPr wrap="none">
+              <a:spAutoFit/>
+            </a:bodyPr>
+            <a:lstStyle/>
+            <a:p>
+              <a:pPr algn="ctr"/>
+              <a:r>
+                <a:rPr lang="zh-TW" altLang="en-US" sz="3600" b="1" dirty="0">
+                  <a:solidFill>
+                    <a:schemeClr val="tx1">
+                      <a:lumMod val="85000"/>
+                      <a:lumOff val="15000"/>
+                    </a:schemeClr>
+                  </a:solidFill>
+                  <a:latin typeface="造字工房悦黑（非商用）纤细体" pitchFamily="50" charset="-122"/>
+                  <a:ea typeface="造字工房悦黑（非商用）纤细体" pitchFamily="50" charset="-122"/>
+                </a:rPr>
+                <a:t>網頁架構</a:t>
+              </a:r>
+              <a:endParaRPr lang="zh-CN" altLang="en-US" sz="3600" b="1" dirty="0">
+                <a:solidFill>
+                  <a:schemeClr val="tx1">
+                    <a:lumMod val="85000"/>
+                    <a:lumOff val="15000"/>
+                  </a:schemeClr>
+                </a:solidFill>
+                <a:latin typeface="造字工房悦黑（非商用）纤细体" pitchFamily="50" charset="-122"/>
+                <a:ea typeface="造字工房悦黑（非商用）纤细体" pitchFamily="50" charset="-122"/>
+              </a:endParaRPr>
+            </a:p>
+          </p:txBody>
+        </p:sp>
+      </p:grpSp>
+      <p:graphicFrame>
+        <p:nvGraphicFramePr>
+          <p:cNvPr id="4" name="資料庫圖表 3"/>
+          <p:cNvGraphicFramePr/>
+          <p:nvPr>
+            <p:extLst>
+              <p:ext uri="{D42A27DB-BD31-4B8C-83A1-F6EECF244321}">
+                <p14:modId xmlns:p14="http://schemas.microsoft.com/office/powerpoint/2010/main" val="3147119294"/>
+              </p:ext>
+            </p:extLst>
+          </p:nvPr>
+        </p:nvGraphicFramePr>
+        <p:xfrm>
+          <a:off x="2261588" y="1036320"/>
+          <a:ext cx="8128000" cy="5418667"/>
+        </p:xfrm>
+        <a:graphic>
+          <a:graphicData uri="http://schemas.openxmlformats.org/drawingml/2006/diagram">
+            <dgm:relIds xmlns:dgm="http://schemas.openxmlformats.org/drawingml/2006/diagram" xmlns:r="http://schemas.openxmlformats.org/officeDocument/2006/relationships" r:dm="rId2" r:lo="rId3" r:qs="rId4" r:cs="rId5"/>
+          </a:graphicData>
+        </a:graphic>
+      </p:graphicFrame>
+    </p:spTree>
+    <p:extLst>
+      <p:ext uri="{BB962C8B-B14F-4D97-AF65-F5344CB8AC3E}">
+        <p14:creationId xmlns:p14="http://schemas.microsoft.com/office/powerpoint/2010/main" val="1662724787"/>
+      </p:ext>
+    </p:extLst>
+  </p:cSld>
+  <p:clrMapOvr>
+    <a:masterClrMapping/>
+  </p:clrMapOvr>
+  <mc:AlternateContent xmlns:mc="http://schemas.openxmlformats.org/markup-compatibility/2006" xmlns:p15="http://schemas.microsoft.com/office/powerpoint/2012/main">
+    <mc:Choice Requires="p15">
+      <p:transition xmlns:p14="http://schemas.microsoft.com/office/powerpoint/2010/main" spd="slow" p14:dur="1250">
+        <p15:prstTrans prst="pageCurlDouble"/>
+      </p:transition>
+    </mc:Choice>
+    <mc:Fallback xmlns="">
+      <p:transition spd="slow">
+        <p:fade/>
+      </p:transition>
+    </mc:Fallback>
+  </mc:AlternateContent>
+  <p:timing>
+    <p:tnLst>
+      <p:par>
+        <p:cTn id="1" dur="indefinite" restart="never" nodeType="tmRoot">
+          <p:childTnLst>
+            <p:seq concurrent="1" nextAc="seek">
+              <p:cTn id="2" dur="indefinite" nodeType="mainSeq">
+                <p:childTnLst>
+                  <p:par>
+                    <p:cTn id="3" fill="hold">
+                      <p:stCondLst>
+                        <p:cond delay="indefinite"/>
+                        <p:cond evt="onBegin" delay="0">
+                          <p:tn val="2"/>
+                        </p:cond>
+                      </p:stCondLst>
+                      <p:childTnLst>
+                        <p:par>
+                          <p:cTn id="4" fill="hold">
+                            <p:stCondLst>
+                              <p:cond delay="0"/>
+                            </p:stCondLst>
+                            <p:childTnLst>
+                              <p:par>
+                                <p:cTn id="5" presetID="21" presetClass="entr" presetSubtype="1" fill="hold" nodeType="withEffect">
+                                  <p:stCondLst>
+                                    <p:cond delay="0"/>
+                                  </p:stCondLst>
+                                  <p:childTnLst>
+                                    <p:set>
+                                      <p:cBhvr>
+                                        <p:cTn id="6" dur="1" fill="hold">
+                                          <p:stCondLst>
+                                            <p:cond delay="0"/>
+                                          </p:stCondLst>
+                                        </p:cTn>
+                                        <p:tgtEl>
+                                          <p:spTgt spid="2"/>
+                                        </p:tgtEl>
+                                        <p:attrNameLst>
+                                          <p:attrName>style.visibility</p:attrName>
+                                        </p:attrNameLst>
+                                      </p:cBhvr>
+                                      <p:to>
+                                        <p:strVal val="visible"/>
+                                      </p:to>
+                                    </p:set>
+                                    <p:animEffect transition="in" filter="wheel(1)">
+                                      <p:cBhvr>
+                                        <p:cTn id="7" dur="2000"/>
+                                        <p:tgtEl>
+                                          <p:spTgt spid="2"/>
+                                        </p:tgtEl>
+                                      </p:cBhvr>
+                                    </p:animEffect>
+                                  </p:childTnLst>
+                                </p:cTn>
+                              </p:par>
+                            </p:childTnLst>
+                          </p:cTn>
+                        </p:par>
+                      </p:childTnLst>
+                    </p:cTn>
+                  </p:par>
+                </p:childTnLst>
+              </p:cTn>
+              <p:prevCondLst>
+                <p:cond evt="onPrev" delay="0">
+                  <p:tgtEl>
+                    <p:sldTgt/>
+                  </p:tgtEl>
+                </p:cond>
+              </p:prevCondLst>
+              <p:nextCondLst>
+                <p:cond evt="onNext" delay="0">
+                  <p:tgtEl>
+                    <p:sldTgt/>
+                  </p:tgtEl>
+                </p:cond>
+              </p:nextCondLst>
+            </p:seq>
+          </p:childTnLst>
+        </p:cTn>
+      </p:par>
+    </p:tnLst>
+  </p:timing>
+</p:sld>
+</file>
+
+<file path=ppt/slides/slide7.xml><?xml version="1.0" encoding="utf-8"?>
+<p:sld xmlns:a="http://schemas.openxmlformats.org/drawingml/2006/main" xmlns:r="http://schemas.openxmlformats.org/officeDocument/2006/relationships" xmlns:p="http://schemas.openxmlformats.org/presentationml/2006/main">
+  <p:cSld>
+    <p:bg>
+      <p:bgPr>
+        <a:solidFill>
+          <a:schemeClr val="bg1">
+            <a:lumMod val="95000"/>
+          </a:schemeClr>
+        </a:solidFill>
+        <a:effectLst/>
+      </p:bgPr>
+    </p:bg>
+    <p:spTree>
+      <p:nvGrpSpPr>
+        <p:cNvPr id="1" name=""/>
+        <p:cNvGrpSpPr/>
+        <p:nvPr/>
+      </p:nvGrpSpPr>
+      <p:grpSpPr>
+        <a:xfrm>
+          <a:off x="0" y="0"/>
+          <a:ext cx="0" cy="0"/>
+          <a:chOff x="0" y="0"/>
+          <a:chExt cx="0" cy="0"/>
+        </a:xfrm>
+      </p:grpSpPr>
       <p:sp>
         <p:nvSpPr>
           <p:cNvPr id="4" name="圆角矩形 3"/>
@@ -11408,7 +16278,7 @@
 </p:sld>
 </file>
 
-<file path=ppt/slides/slide7.xml><?xml version="1.0" encoding="utf-8"?>
+<file path=ppt/slides/slide8.xml><?xml version="1.0" encoding="utf-8"?>
 <p:sld xmlns:a="http://schemas.openxmlformats.org/drawingml/2006/main" xmlns:r="http://schemas.openxmlformats.org/officeDocument/2006/relationships" xmlns:p="http://schemas.openxmlformats.org/presentationml/2006/main">
   <p:cSld>
     <p:bg>
@@ -11667,7 +16537,7 @@
 </p:sld>
 </file>
 
-<file path=ppt/slides/slide8.xml><?xml version="1.0" encoding="utf-8"?>
+<file path=ppt/slides/slide9.xml><?xml version="1.0" encoding="utf-8"?>
 <p:sld xmlns:a="http://schemas.openxmlformats.org/drawingml/2006/main" xmlns:r="http://schemas.openxmlformats.org/officeDocument/2006/relationships" xmlns:p="http://schemas.openxmlformats.org/presentationml/2006/main">
   <p:cSld>
     <p:bg>
@@ -12133,1125 +17003,6 @@
       <p:bldP spid="5" grpId="0" animBg="1"/>
       <p:bldP spid="6" grpId="0" animBg="1"/>
       <p:bldP spid="8" grpId="0"/>
-    </p:bldLst>
-  </p:timing>
-</p:sld>
-</file>
-
-<file path=ppt/slides/slide9.xml><?xml version="1.0" encoding="utf-8"?>
-<p:sld xmlns:a="http://schemas.openxmlformats.org/drawingml/2006/main" xmlns:r="http://schemas.openxmlformats.org/officeDocument/2006/relationships" xmlns:p="http://schemas.openxmlformats.org/presentationml/2006/main">
-  <p:cSld>
-    <p:bg>
-      <p:bgPr>
-        <a:solidFill>
-          <a:schemeClr val="bg1">
-            <a:lumMod val="95000"/>
-          </a:schemeClr>
-        </a:solidFill>
-        <a:effectLst/>
-      </p:bgPr>
-    </p:bg>
-    <p:spTree>
-      <p:nvGrpSpPr>
-        <p:cNvPr id="1" name=""/>
-        <p:cNvGrpSpPr/>
-        <p:nvPr/>
-      </p:nvGrpSpPr>
-      <p:grpSpPr>
-        <a:xfrm>
-          <a:off x="0" y="0"/>
-          <a:ext cx="0" cy="0"/>
-          <a:chOff x="0" y="0"/>
-          <a:chExt cx="0" cy="0"/>
-        </a:xfrm>
-      </p:grpSpPr>
-      <p:grpSp>
-        <p:nvGrpSpPr>
-          <p:cNvPr id="2" name="组合 1"/>
-          <p:cNvGrpSpPr/>
-          <p:nvPr/>
-        </p:nvGrpSpPr>
-        <p:grpSpPr>
-          <a:xfrm>
-            <a:off x="-783916" y="152400"/>
-            <a:ext cx="3252797" cy="883920"/>
-            <a:chOff x="-783916" y="152400"/>
-            <a:chExt cx="2707965" cy="544656"/>
-          </a:xfrm>
-        </p:grpSpPr>
-        <p:sp>
-          <p:nvSpPr>
-            <p:cNvPr id="6" name="圆角矩形 5"/>
-            <p:cNvSpPr/>
-            <p:nvPr/>
-          </p:nvSpPr>
-          <p:spPr>
-            <a:xfrm>
-              <a:off x="-783916" y="152400"/>
-              <a:ext cx="2707965" cy="544656"/>
-            </a:xfrm>
-            <a:prstGeom prst="roundRect">
-              <a:avLst/>
-            </a:prstGeom>
-            <a:noFill/>
-            <a:ln>
-              <a:solidFill>
-                <a:schemeClr val="tx1">
-                  <a:lumMod val="85000"/>
-                  <a:lumOff val="15000"/>
-                </a:schemeClr>
-              </a:solidFill>
-            </a:ln>
-          </p:spPr>
-          <p:style>
-            <a:lnRef idx="2">
-              <a:schemeClr val="accent1">
-                <a:shade val="50000"/>
-              </a:schemeClr>
-            </a:lnRef>
-            <a:fillRef idx="1">
-              <a:schemeClr val="accent1"/>
-            </a:fillRef>
-            <a:effectRef idx="0">
-              <a:schemeClr val="accent1"/>
-            </a:effectRef>
-            <a:fontRef idx="minor">
-              <a:schemeClr val="lt1"/>
-            </a:fontRef>
-          </p:style>
-          <p:txBody>
-            <a:bodyPr rtlCol="0" anchor="ctr"/>
-            <a:lstStyle/>
-            <a:p>
-              <a:pPr algn="ctr"/>
-              <a:endParaRPr lang="zh-CN" altLang="en-US" sz="3600" dirty="0">
-                <a:solidFill>
-                  <a:schemeClr val="tx1">
-                    <a:lumMod val="85000"/>
-                    <a:lumOff val="15000"/>
-                  </a:schemeClr>
-                </a:solidFill>
-                <a:latin typeface="造字工房悦黑（非商用）纤细体" pitchFamily="50" charset="-122"/>
-                <a:ea typeface="造字工房悦黑（非商用）纤细体" pitchFamily="50" charset="-122"/>
-              </a:endParaRPr>
-            </a:p>
-          </p:txBody>
-        </p:sp>
-        <p:sp>
-          <p:nvSpPr>
-            <p:cNvPr id="7" name="矩形 6"/>
-            <p:cNvSpPr/>
-            <p:nvPr/>
-          </p:nvSpPr>
-          <p:spPr>
-            <a:xfrm>
-              <a:off x="55050" y="225599"/>
-              <a:ext cx="1696423" cy="398258"/>
-            </a:xfrm>
-            <a:prstGeom prst="rect">
-              <a:avLst/>
-            </a:prstGeom>
-          </p:spPr>
-          <p:txBody>
-            <a:bodyPr wrap="none">
-              <a:spAutoFit/>
-            </a:bodyPr>
-            <a:lstStyle/>
-            <a:p>
-              <a:pPr algn="ctr"/>
-              <a:r>
-                <a:rPr lang="zh-TW" altLang="en-US" sz="3600" b="1" dirty="0" smtClean="0">
-                  <a:solidFill>
-                    <a:schemeClr val="tx1">
-                      <a:lumMod val="85000"/>
-                      <a:lumOff val="15000"/>
-                    </a:schemeClr>
-                  </a:solidFill>
-                  <a:latin typeface="造字工房悦黑（非商用）纤细体" pitchFamily="50" charset="-122"/>
-                  <a:ea typeface="造字工房悦黑（非商用）纤细体" pitchFamily="50" charset="-122"/>
-                </a:rPr>
-                <a:t>未來目標</a:t>
-              </a:r>
-              <a:endParaRPr lang="zh-CN" altLang="en-US" sz="3600" b="1" dirty="0">
-                <a:solidFill>
-                  <a:schemeClr val="tx1">
-                    <a:lumMod val="85000"/>
-                    <a:lumOff val="15000"/>
-                  </a:schemeClr>
-                </a:solidFill>
-                <a:latin typeface="造字工房悦黑（非商用）纤细体" pitchFamily="50" charset="-122"/>
-                <a:ea typeface="造字工房悦黑（非商用）纤细体" pitchFamily="50" charset="-122"/>
-              </a:endParaRPr>
-            </a:p>
-          </p:txBody>
-        </p:sp>
-      </p:grpSp>
-      <p:sp>
-        <p:nvSpPr>
-          <p:cNvPr id="8" name="矩形 7"/>
-          <p:cNvSpPr/>
-          <p:nvPr/>
-        </p:nvSpPr>
-        <p:spPr>
-          <a:xfrm rot="2700000">
-            <a:off x="1018033" y="2786285"/>
-            <a:ext cx="1800225" cy="1800225"/>
-          </a:xfrm>
-          <a:prstGeom prst="rect">
-            <a:avLst/>
-          </a:prstGeom>
-          <a:noFill/>
-          <a:ln>
-            <a:solidFill>
-              <a:schemeClr val="tx1"/>
-            </a:solidFill>
-          </a:ln>
-        </p:spPr>
-        <p:style>
-          <a:lnRef idx="2">
-            <a:schemeClr val="accent1">
-              <a:shade val="50000"/>
-            </a:schemeClr>
-          </a:lnRef>
-          <a:fillRef idx="1">
-            <a:schemeClr val="accent1"/>
-          </a:fillRef>
-          <a:effectRef idx="0">
-            <a:schemeClr val="accent1"/>
-          </a:effectRef>
-          <a:fontRef idx="minor">
-            <a:schemeClr val="lt1"/>
-          </a:fontRef>
-        </p:style>
-        <p:txBody>
-          <a:bodyPr rtlCol="0" anchor="ctr"/>
-          <a:lstStyle/>
-          <a:p>
-            <a:pPr algn="ctr"/>
-            <a:endParaRPr lang="zh-CN" altLang="en-US">
-              <a:solidFill>
-                <a:schemeClr val="tx1"/>
-              </a:solidFill>
-            </a:endParaRPr>
-          </a:p>
-        </p:txBody>
-      </p:sp>
-      <p:sp>
-        <p:nvSpPr>
-          <p:cNvPr id="9" name="矩形 8"/>
-          <p:cNvSpPr/>
-          <p:nvPr/>
-        </p:nvSpPr>
-        <p:spPr>
-          <a:xfrm rot="2700000">
-            <a:off x="3856483" y="2786284"/>
-            <a:ext cx="1800225" cy="1800225"/>
-          </a:xfrm>
-          <a:prstGeom prst="rect">
-            <a:avLst/>
-          </a:prstGeom>
-          <a:noFill/>
-          <a:ln>
-            <a:solidFill>
-              <a:schemeClr val="tx1"/>
-            </a:solidFill>
-          </a:ln>
-        </p:spPr>
-        <p:style>
-          <a:lnRef idx="2">
-            <a:schemeClr val="accent1">
-              <a:shade val="50000"/>
-            </a:schemeClr>
-          </a:lnRef>
-          <a:fillRef idx="1">
-            <a:schemeClr val="accent1"/>
-          </a:fillRef>
-          <a:effectRef idx="0">
-            <a:schemeClr val="accent1"/>
-          </a:effectRef>
-          <a:fontRef idx="minor">
-            <a:schemeClr val="lt1"/>
-          </a:fontRef>
-        </p:style>
-        <p:txBody>
-          <a:bodyPr rtlCol="0" anchor="ctr"/>
-          <a:lstStyle/>
-          <a:p>
-            <a:pPr algn="ctr"/>
-            <a:endParaRPr lang="zh-CN" altLang="en-US">
-              <a:solidFill>
-                <a:schemeClr val="tx1"/>
-              </a:solidFill>
-            </a:endParaRPr>
-          </a:p>
-        </p:txBody>
-      </p:sp>
-      <p:sp>
-        <p:nvSpPr>
-          <p:cNvPr id="10" name="矩形 9"/>
-          <p:cNvSpPr/>
-          <p:nvPr/>
-        </p:nvSpPr>
-        <p:spPr>
-          <a:xfrm rot="2700000">
-            <a:off x="6694933" y="2786284"/>
-            <a:ext cx="1800225" cy="1800225"/>
-          </a:xfrm>
-          <a:prstGeom prst="rect">
-            <a:avLst/>
-          </a:prstGeom>
-          <a:noFill/>
-          <a:ln>
-            <a:solidFill>
-              <a:schemeClr val="tx1"/>
-            </a:solidFill>
-          </a:ln>
-        </p:spPr>
-        <p:style>
-          <a:lnRef idx="2">
-            <a:schemeClr val="accent1">
-              <a:shade val="50000"/>
-            </a:schemeClr>
-          </a:lnRef>
-          <a:fillRef idx="1">
-            <a:schemeClr val="accent1"/>
-          </a:fillRef>
-          <a:effectRef idx="0">
-            <a:schemeClr val="accent1"/>
-          </a:effectRef>
-          <a:fontRef idx="minor">
-            <a:schemeClr val="lt1"/>
-          </a:fontRef>
-        </p:style>
-        <p:txBody>
-          <a:bodyPr rtlCol="0" anchor="ctr"/>
-          <a:lstStyle/>
-          <a:p>
-            <a:pPr algn="ctr"/>
-            <a:endParaRPr lang="zh-CN" altLang="en-US">
-              <a:solidFill>
-                <a:schemeClr val="tx1"/>
-              </a:solidFill>
-            </a:endParaRPr>
-          </a:p>
-        </p:txBody>
-      </p:sp>
-      <p:sp>
-        <p:nvSpPr>
-          <p:cNvPr id="11" name="文本框 18"/>
-          <p:cNvSpPr txBox="1"/>
-          <p:nvPr/>
-        </p:nvSpPr>
-        <p:spPr>
-          <a:xfrm>
-            <a:off x="926862" y="3394008"/>
-            <a:ext cx="1982565" cy="584775"/>
-          </a:xfrm>
-          <a:prstGeom prst="rect">
-            <a:avLst/>
-          </a:prstGeom>
-          <a:noFill/>
-          <a:ln>
-            <a:solidFill>
-              <a:schemeClr val="tx1"/>
-            </a:solidFill>
-          </a:ln>
-        </p:spPr>
-        <p:txBody>
-          <a:bodyPr wrap="square" rtlCol="0">
-            <a:spAutoFit/>
-          </a:bodyPr>
-          <a:lstStyle/>
-          <a:p>
-            <a:pPr algn="ctr"/>
-            <a:r>
-              <a:rPr lang="zh-TW" altLang="en-US" sz="3200" dirty="0" smtClean="0">
-                <a:latin typeface="造字工房悦黑体验版纤细体" pitchFamily="50" charset="-122"/>
-                <a:ea typeface="造字工房悦黑体验版纤细体" pitchFamily="50" charset="-122"/>
-              </a:rPr>
-              <a:t>完整性</a:t>
-            </a:r>
-            <a:endParaRPr lang="zh-CN" altLang="en-US" sz="3200" dirty="0">
-              <a:latin typeface="造字工房悦黑体验版纤细体" pitchFamily="50" charset="-122"/>
-              <a:ea typeface="造字工房悦黑体验版纤细体" pitchFamily="50" charset="-122"/>
-            </a:endParaRPr>
-          </a:p>
-        </p:txBody>
-      </p:sp>
-      <p:sp>
-        <p:nvSpPr>
-          <p:cNvPr id="12" name="文本框 19"/>
-          <p:cNvSpPr txBox="1"/>
-          <p:nvPr/>
-        </p:nvSpPr>
-        <p:spPr>
-          <a:xfrm>
-            <a:off x="3760549" y="3394008"/>
-            <a:ext cx="1982565" cy="584775"/>
-          </a:xfrm>
-          <a:prstGeom prst="rect">
-            <a:avLst/>
-          </a:prstGeom>
-          <a:noFill/>
-          <a:ln>
-            <a:solidFill>
-              <a:schemeClr val="tx1"/>
-            </a:solidFill>
-          </a:ln>
-        </p:spPr>
-        <p:txBody>
-          <a:bodyPr wrap="square" rtlCol="0">
-            <a:spAutoFit/>
-          </a:bodyPr>
-          <a:lstStyle/>
-          <a:p>
-            <a:pPr algn="ctr"/>
-            <a:r>
-              <a:rPr lang="zh-TW" altLang="en-US" sz="3200" dirty="0" smtClean="0">
-                <a:latin typeface="造字工房悦黑体验版纤细体" pitchFamily="50" charset="-122"/>
-                <a:ea typeface="造字工房悦黑体验版纤细体" pitchFamily="50" charset="-122"/>
-              </a:rPr>
-              <a:t>高使用率</a:t>
-            </a:r>
-            <a:endParaRPr lang="zh-CN" altLang="en-US" sz="3200" dirty="0">
-              <a:latin typeface="造字工房悦黑体验版纤细体" pitchFamily="50" charset="-122"/>
-              <a:ea typeface="造字工房悦黑体验版纤细体" pitchFamily="50" charset="-122"/>
-            </a:endParaRPr>
-          </a:p>
-        </p:txBody>
-      </p:sp>
-      <p:sp>
-        <p:nvSpPr>
-          <p:cNvPr id="13" name="文本框 20"/>
-          <p:cNvSpPr txBox="1"/>
-          <p:nvPr/>
-        </p:nvSpPr>
-        <p:spPr>
-          <a:xfrm>
-            <a:off x="6603762" y="3394008"/>
-            <a:ext cx="1982565" cy="584775"/>
-          </a:xfrm>
-          <a:prstGeom prst="rect">
-            <a:avLst/>
-          </a:prstGeom>
-          <a:noFill/>
-          <a:ln>
-            <a:solidFill>
-              <a:schemeClr val="tx1"/>
-            </a:solidFill>
-          </a:ln>
-        </p:spPr>
-        <p:txBody>
-          <a:bodyPr wrap="square" rtlCol="0">
-            <a:spAutoFit/>
-          </a:bodyPr>
-          <a:lstStyle/>
-          <a:p>
-            <a:pPr algn="ctr"/>
-            <a:r>
-              <a:rPr lang="zh-TW" altLang="en-US" sz="3200" dirty="0" smtClean="0">
-                <a:latin typeface="造字工房悦黑体验版纤细体" pitchFamily="50" charset="-122"/>
-                <a:ea typeface="造字工房悦黑体验版纤细体" pitchFamily="50" charset="-122"/>
-              </a:rPr>
-              <a:t>記帳本</a:t>
-            </a:r>
-            <a:endParaRPr lang="zh-CN" altLang="en-US" sz="3200" dirty="0">
-              <a:latin typeface="造字工房悦黑体验版纤细体" pitchFamily="50" charset="-122"/>
-              <a:ea typeface="造字工房悦黑体验版纤细体" pitchFamily="50" charset="-122"/>
-            </a:endParaRPr>
-          </a:p>
-        </p:txBody>
-      </p:sp>
-      <p:sp>
-        <p:nvSpPr>
-          <p:cNvPr id="14" name="矩形 13"/>
-          <p:cNvSpPr/>
-          <p:nvPr/>
-        </p:nvSpPr>
-        <p:spPr>
-          <a:xfrm rot="2700000">
-            <a:off x="9508237" y="2786284"/>
-            <a:ext cx="1800225" cy="1800225"/>
-          </a:xfrm>
-          <a:prstGeom prst="rect">
-            <a:avLst/>
-          </a:prstGeom>
-          <a:noFill/>
-          <a:ln>
-            <a:solidFill>
-              <a:schemeClr val="tx1"/>
-            </a:solidFill>
-          </a:ln>
-        </p:spPr>
-        <p:style>
-          <a:lnRef idx="2">
-            <a:schemeClr val="accent1">
-              <a:shade val="50000"/>
-            </a:schemeClr>
-          </a:lnRef>
-          <a:fillRef idx="1">
-            <a:schemeClr val="accent1"/>
-          </a:fillRef>
-          <a:effectRef idx="0">
-            <a:schemeClr val="accent1"/>
-          </a:effectRef>
-          <a:fontRef idx="minor">
-            <a:schemeClr val="lt1"/>
-          </a:fontRef>
-        </p:style>
-        <p:txBody>
-          <a:bodyPr rtlCol="0" anchor="ctr"/>
-          <a:lstStyle/>
-          <a:p>
-            <a:pPr algn="ctr"/>
-            <a:endParaRPr lang="zh-CN" altLang="en-US">
-              <a:solidFill>
-                <a:schemeClr val="tx1"/>
-              </a:solidFill>
-            </a:endParaRPr>
-          </a:p>
-        </p:txBody>
-      </p:sp>
-      <p:sp>
-        <p:nvSpPr>
-          <p:cNvPr id="15" name="文本框 20"/>
-          <p:cNvSpPr txBox="1"/>
-          <p:nvPr/>
-        </p:nvSpPr>
-        <p:spPr>
-          <a:xfrm>
-            <a:off x="9417066" y="3394008"/>
-            <a:ext cx="1982565" cy="584775"/>
-          </a:xfrm>
-          <a:prstGeom prst="rect">
-            <a:avLst/>
-          </a:prstGeom>
-          <a:noFill/>
-          <a:ln>
-            <a:solidFill>
-              <a:schemeClr val="tx1"/>
-            </a:solidFill>
-          </a:ln>
-        </p:spPr>
-        <p:txBody>
-          <a:bodyPr wrap="square" rtlCol="0">
-            <a:spAutoFit/>
-          </a:bodyPr>
-          <a:lstStyle/>
-          <a:p>
-            <a:pPr algn="ctr"/>
-            <a:r>
-              <a:rPr lang="zh-TW" altLang="en-US" sz="3200" dirty="0" smtClean="0">
-                <a:latin typeface="造字工房悦黑体验版纤细体" pitchFamily="50" charset="-122"/>
-                <a:ea typeface="造字工房悦黑体验版纤细体" pitchFamily="50" charset="-122"/>
-              </a:rPr>
-              <a:t>行事曆</a:t>
-            </a:r>
-            <a:endParaRPr lang="zh-CN" altLang="en-US" sz="3200" dirty="0">
-              <a:latin typeface="造字工房悦黑体验版纤细体" pitchFamily="50" charset="-122"/>
-              <a:ea typeface="造字工房悦黑体验版纤细体" pitchFamily="50" charset="-122"/>
-            </a:endParaRPr>
-          </a:p>
-        </p:txBody>
-      </p:sp>
-    </p:spTree>
-    <p:extLst>
-      <p:ext uri="{BB962C8B-B14F-4D97-AF65-F5344CB8AC3E}">
-        <p14:creationId xmlns:p14="http://schemas.microsoft.com/office/powerpoint/2010/main" val="3955082882"/>
-      </p:ext>
-    </p:extLst>
-  </p:cSld>
-  <p:clrMapOvr>
-    <a:masterClrMapping/>
-  </p:clrMapOvr>
-  <mc:AlternateContent xmlns:mc="http://schemas.openxmlformats.org/markup-compatibility/2006" xmlns:p15="http://schemas.microsoft.com/office/powerpoint/2012/main">
-    <mc:Choice Requires="p15">
-      <p:transition xmlns:p14="http://schemas.microsoft.com/office/powerpoint/2010/main" spd="slow" p14:dur="1250">
-        <p15:prstTrans prst="pageCurlDouble"/>
-      </p:transition>
-    </mc:Choice>
-    <mc:Fallback xmlns="">
-      <p:transition spd="slow">
-        <p:fade/>
-      </p:transition>
-    </mc:Fallback>
-  </mc:AlternateContent>
-  <p:timing>
-    <p:tnLst>
-      <p:par>
-        <p:cTn id="1" dur="indefinite" restart="never" nodeType="tmRoot">
-          <p:childTnLst>
-            <p:seq concurrent="1" nextAc="seek">
-              <p:cTn id="2" dur="indefinite" nodeType="mainSeq">
-                <p:childTnLst>
-                  <p:par>
-                    <p:cTn id="3" fill="hold">
-                      <p:stCondLst>
-                        <p:cond delay="indefinite"/>
-                        <p:cond evt="onBegin" delay="0">
-                          <p:tn val="2"/>
-                        </p:cond>
-                      </p:stCondLst>
-                      <p:childTnLst>
-                        <p:par>
-                          <p:cTn id="4" fill="hold">
-                            <p:stCondLst>
-                              <p:cond delay="0"/>
-                            </p:stCondLst>
-                            <p:childTnLst>
-                              <p:par>
-                                <p:cTn id="5" presetID="21" presetClass="entr" presetSubtype="1" fill="hold" nodeType="withEffect">
-                                  <p:stCondLst>
-                                    <p:cond delay="0"/>
-                                  </p:stCondLst>
-                                  <p:childTnLst>
-                                    <p:set>
-                                      <p:cBhvr>
-                                        <p:cTn id="6" dur="1" fill="hold">
-                                          <p:stCondLst>
-                                            <p:cond delay="0"/>
-                                          </p:stCondLst>
-                                        </p:cTn>
-                                        <p:tgtEl>
-                                          <p:spTgt spid="2"/>
-                                        </p:tgtEl>
-                                        <p:attrNameLst>
-                                          <p:attrName>style.visibility</p:attrName>
-                                        </p:attrNameLst>
-                                      </p:cBhvr>
-                                      <p:to>
-                                        <p:strVal val="visible"/>
-                                      </p:to>
-                                    </p:set>
-                                    <p:animEffect transition="in" filter="wheel(1)">
-                                      <p:cBhvr>
-                                        <p:cTn id="7" dur="1000"/>
-                                        <p:tgtEl>
-                                          <p:spTgt spid="2"/>
-                                        </p:tgtEl>
-                                      </p:cBhvr>
-                                    </p:animEffect>
-                                  </p:childTnLst>
-                                </p:cTn>
-                              </p:par>
-                            </p:childTnLst>
-                          </p:cTn>
-                        </p:par>
-                        <p:par>
-                          <p:cTn id="8" fill="hold">
-                            <p:stCondLst>
-                              <p:cond delay="1000"/>
-                            </p:stCondLst>
-                            <p:childTnLst>
-                              <p:par>
-                                <p:cTn id="9" presetID="21" presetClass="entr" presetSubtype="1" fill="hold" grpId="0" nodeType="afterEffect">
-                                  <p:stCondLst>
-                                    <p:cond delay="0"/>
-                                  </p:stCondLst>
-                                  <p:childTnLst>
-                                    <p:set>
-                                      <p:cBhvr>
-                                        <p:cTn id="10" dur="1" fill="hold">
-                                          <p:stCondLst>
-                                            <p:cond delay="0"/>
-                                          </p:stCondLst>
-                                        </p:cTn>
-                                        <p:tgtEl>
-                                          <p:spTgt spid="8"/>
-                                        </p:tgtEl>
-                                        <p:attrNameLst>
-                                          <p:attrName>style.visibility</p:attrName>
-                                        </p:attrNameLst>
-                                      </p:cBhvr>
-                                      <p:to>
-                                        <p:strVal val="visible"/>
-                                      </p:to>
-                                    </p:set>
-                                    <p:animEffect transition="in" filter="wheel(1)">
-                                      <p:cBhvr>
-                                        <p:cTn id="11" dur="1500"/>
-                                        <p:tgtEl>
-                                          <p:spTgt spid="8"/>
-                                        </p:tgtEl>
-                                      </p:cBhvr>
-                                    </p:animEffect>
-                                  </p:childTnLst>
-                                </p:cTn>
-                              </p:par>
-                              <p:par>
-                                <p:cTn id="12" presetID="21" presetClass="entr" presetSubtype="1" fill="hold" grpId="0" nodeType="withEffect">
-                                  <p:stCondLst>
-                                    <p:cond delay="0"/>
-                                  </p:stCondLst>
-                                  <p:childTnLst>
-                                    <p:set>
-                                      <p:cBhvr>
-                                        <p:cTn id="13" dur="1" fill="hold">
-                                          <p:stCondLst>
-                                            <p:cond delay="0"/>
-                                          </p:stCondLst>
-                                        </p:cTn>
-                                        <p:tgtEl>
-                                          <p:spTgt spid="9"/>
-                                        </p:tgtEl>
-                                        <p:attrNameLst>
-                                          <p:attrName>style.visibility</p:attrName>
-                                        </p:attrNameLst>
-                                      </p:cBhvr>
-                                      <p:to>
-                                        <p:strVal val="visible"/>
-                                      </p:to>
-                                    </p:set>
-                                    <p:animEffect transition="in" filter="wheel(1)">
-                                      <p:cBhvr>
-                                        <p:cTn id="14" dur="1500"/>
-                                        <p:tgtEl>
-                                          <p:spTgt spid="9"/>
-                                        </p:tgtEl>
-                                      </p:cBhvr>
-                                    </p:animEffect>
-                                  </p:childTnLst>
-                                </p:cTn>
-                              </p:par>
-                              <p:par>
-                                <p:cTn id="15" presetID="21" presetClass="entr" presetSubtype="1" fill="hold" grpId="0" nodeType="withEffect">
-                                  <p:stCondLst>
-                                    <p:cond delay="0"/>
-                                  </p:stCondLst>
-                                  <p:childTnLst>
-                                    <p:set>
-                                      <p:cBhvr>
-                                        <p:cTn id="16" dur="1" fill="hold">
-                                          <p:stCondLst>
-                                            <p:cond delay="0"/>
-                                          </p:stCondLst>
-                                        </p:cTn>
-                                        <p:tgtEl>
-                                          <p:spTgt spid="10"/>
-                                        </p:tgtEl>
-                                        <p:attrNameLst>
-                                          <p:attrName>style.visibility</p:attrName>
-                                        </p:attrNameLst>
-                                      </p:cBhvr>
-                                      <p:to>
-                                        <p:strVal val="visible"/>
-                                      </p:to>
-                                    </p:set>
-                                    <p:animEffect transition="in" filter="wheel(1)">
-                                      <p:cBhvr>
-                                        <p:cTn id="17" dur="1500"/>
-                                        <p:tgtEl>
-                                          <p:spTgt spid="10"/>
-                                        </p:tgtEl>
-                                      </p:cBhvr>
-                                    </p:animEffect>
-                                  </p:childTnLst>
-                                </p:cTn>
-                              </p:par>
-                              <p:par>
-                                <p:cTn id="18" presetID="21" presetClass="entr" presetSubtype="1" fill="hold" grpId="0" nodeType="withEffect">
-                                  <p:stCondLst>
-                                    <p:cond delay="0"/>
-                                  </p:stCondLst>
-                                  <p:childTnLst>
-                                    <p:set>
-                                      <p:cBhvr>
-                                        <p:cTn id="19" dur="1" fill="hold">
-                                          <p:stCondLst>
-                                            <p:cond delay="0"/>
-                                          </p:stCondLst>
-                                        </p:cTn>
-                                        <p:tgtEl>
-                                          <p:spTgt spid="14"/>
-                                        </p:tgtEl>
-                                        <p:attrNameLst>
-                                          <p:attrName>style.visibility</p:attrName>
-                                        </p:attrNameLst>
-                                      </p:cBhvr>
-                                      <p:to>
-                                        <p:strVal val="visible"/>
-                                      </p:to>
-                                    </p:set>
-                                    <p:animEffect transition="in" filter="wheel(1)">
-                                      <p:cBhvr>
-                                        <p:cTn id="20" dur="1500"/>
-                                        <p:tgtEl>
-                                          <p:spTgt spid="14"/>
-                                        </p:tgtEl>
-                                      </p:cBhvr>
-                                    </p:animEffect>
-                                  </p:childTnLst>
-                                </p:cTn>
-                              </p:par>
-                            </p:childTnLst>
-                          </p:cTn>
-                        </p:par>
-                        <p:par>
-                          <p:cTn id="21" fill="hold">
-                            <p:stCondLst>
-                              <p:cond delay="2500"/>
-                            </p:stCondLst>
-                            <p:childTnLst>
-                              <p:par>
-                                <p:cTn id="22" presetID="53" presetClass="entr" presetSubtype="16" fill="hold" grpId="0" nodeType="afterEffect">
-                                  <p:stCondLst>
-                                    <p:cond delay="0"/>
-                                  </p:stCondLst>
-                                  <p:childTnLst>
-                                    <p:set>
-                                      <p:cBhvr>
-                                        <p:cTn id="23" dur="1" fill="hold">
-                                          <p:stCondLst>
-                                            <p:cond delay="0"/>
-                                          </p:stCondLst>
-                                        </p:cTn>
-                                        <p:tgtEl>
-                                          <p:spTgt spid="11"/>
-                                        </p:tgtEl>
-                                        <p:attrNameLst>
-                                          <p:attrName>style.visibility</p:attrName>
-                                        </p:attrNameLst>
-                                      </p:cBhvr>
-                                      <p:to>
-                                        <p:strVal val="visible"/>
-                                      </p:to>
-                                    </p:set>
-                                    <p:anim calcmode="lin" valueType="num">
-                                      <p:cBhvr>
-                                        <p:cTn id="24" dur="1000" fill="hold"/>
-                                        <p:tgtEl>
-                                          <p:spTgt spid="11"/>
-                                        </p:tgtEl>
-                                        <p:attrNameLst>
-                                          <p:attrName>ppt_w</p:attrName>
-                                        </p:attrNameLst>
-                                      </p:cBhvr>
-                                      <p:tavLst>
-                                        <p:tav tm="0">
-                                          <p:val>
-                                            <p:fltVal val="0"/>
-                                          </p:val>
-                                        </p:tav>
-                                        <p:tav tm="100000">
-                                          <p:val>
-                                            <p:strVal val="#ppt_w"/>
-                                          </p:val>
-                                        </p:tav>
-                                      </p:tavLst>
-                                    </p:anim>
-                                    <p:anim calcmode="lin" valueType="num">
-                                      <p:cBhvr>
-                                        <p:cTn id="25" dur="1000" fill="hold"/>
-                                        <p:tgtEl>
-                                          <p:spTgt spid="11"/>
-                                        </p:tgtEl>
-                                        <p:attrNameLst>
-                                          <p:attrName>ppt_h</p:attrName>
-                                        </p:attrNameLst>
-                                      </p:cBhvr>
-                                      <p:tavLst>
-                                        <p:tav tm="0">
-                                          <p:val>
-                                            <p:fltVal val="0"/>
-                                          </p:val>
-                                        </p:tav>
-                                        <p:tav tm="100000">
-                                          <p:val>
-                                            <p:strVal val="#ppt_h"/>
-                                          </p:val>
-                                        </p:tav>
-                                      </p:tavLst>
-                                    </p:anim>
-                                    <p:animEffect transition="in" filter="fade">
-                                      <p:cBhvr>
-                                        <p:cTn id="26" dur="1000"/>
-                                        <p:tgtEl>
-                                          <p:spTgt spid="11"/>
-                                        </p:tgtEl>
-                                      </p:cBhvr>
-                                    </p:animEffect>
-                                  </p:childTnLst>
-                                </p:cTn>
-                              </p:par>
-                              <p:par>
-                                <p:cTn id="27" presetID="53" presetClass="entr" presetSubtype="16" fill="hold" grpId="0" nodeType="withEffect">
-                                  <p:stCondLst>
-                                    <p:cond delay="0"/>
-                                  </p:stCondLst>
-                                  <p:childTnLst>
-                                    <p:set>
-                                      <p:cBhvr>
-                                        <p:cTn id="28" dur="1" fill="hold">
-                                          <p:stCondLst>
-                                            <p:cond delay="0"/>
-                                          </p:stCondLst>
-                                        </p:cTn>
-                                        <p:tgtEl>
-                                          <p:spTgt spid="12"/>
-                                        </p:tgtEl>
-                                        <p:attrNameLst>
-                                          <p:attrName>style.visibility</p:attrName>
-                                        </p:attrNameLst>
-                                      </p:cBhvr>
-                                      <p:to>
-                                        <p:strVal val="visible"/>
-                                      </p:to>
-                                    </p:set>
-                                    <p:anim calcmode="lin" valueType="num">
-                                      <p:cBhvr>
-                                        <p:cTn id="29" dur="1000" fill="hold"/>
-                                        <p:tgtEl>
-                                          <p:spTgt spid="12"/>
-                                        </p:tgtEl>
-                                        <p:attrNameLst>
-                                          <p:attrName>ppt_w</p:attrName>
-                                        </p:attrNameLst>
-                                      </p:cBhvr>
-                                      <p:tavLst>
-                                        <p:tav tm="0">
-                                          <p:val>
-                                            <p:fltVal val="0"/>
-                                          </p:val>
-                                        </p:tav>
-                                        <p:tav tm="100000">
-                                          <p:val>
-                                            <p:strVal val="#ppt_w"/>
-                                          </p:val>
-                                        </p:tav>
-                                      </p:tavLst>
-                                    </p:anim>
-                                    <p:anim calcmode="lin" valueType="num">
-                                      <p:cBhvr>
-                                        <p:cTn id="30" dur="1000" fill="hold"/>
-                                        <p:tgtEl>
-                                          <p:spTgt spid="12"/>
-                                        </p:tgtEl>
-                                        <p:attrNameLst>
-                                          <p:attrName>ppt_h</p:attrName>
-                                        </p:attrNameLst>
-                                      </p:cBhvr>
-                                      <p:tavLst>
-                                        <p:tav tm="0">
-                                          <p:val>
-                                            <p:fltVal val="0"/>
-                                          </p:val>
-                                        </p:tav>
-                                        <p:tav tm="100000">
-                                          <p:val>
-                                            <p:strVal val="#ppt_h"/>
-                                          </p:val>
-                                        </p:tav>
-                                      </p:tavLst>
-                                    </p:anim>
-                                    <p:animEffect transition="in" filter="fade">
-                                      <p:cBhvr>
-                                        <p:cTn id="31" dur="1000"/>
-                                        <p:tgtEl>
-                                          <p:spTgt spid="12"/>
-                                        </p:tgtEl>
-                                      </p:cBhvr>
-                                    </p:animEffect>
-                                  </p:childTnLst>
-                                </p:cTn>
-                              </p:par>
-                              <p:par>
-                                <p:cTn id="32" presetID="53" presetClass="entr" presetSubtype="16" fill="hold" grpId="0" nodeType="withEffect">
-                                  <p:stCondLst>
-                                    <p:cond delay="0"/>
-                                  </p:stCondLst>
-                                  <p:childTnLst>
-                                    <p:set>
-                                      <p:cBhvr>
-                                        <p:cTn id="33" dur="1" fill="hold">
-                                          <p:stCondLst>
-                                            <p:cond delay="0"/>
-                                          </p:stCondLst>
-                                        </p:cTn>
-                                        <p:tgtEl>
-                                          <p:spTgt spid="13"/>
-                                        </p:tgtEl>
-                                        <p:attrNameLst>
-                                          <p:attrName>style.visibility</p:attrName>
-                                        </p:attrNameLst>
-                                      </p:cBhvr>
-                                      <p:to>
-                                        <p:strVal val="visible"/>
-                                      </p:to>
-                                    </p:set>
-                                    <p:anim calcmode="lin" valueType="num">
-                                      <p:cBhvr>
-                                        <p:cTn id="34" dur="1000" fill="hold"/>
-                                        <p:tgtEl>
-                                          <p:spTgt spid="13"/>
-                                        </p:tgtEl>
-                                        <p:attrNameLst>
-                                          <p:attrName>ppt_w</p:attrName>
-                                        </p:attrNameLst>
-                                      </p:cBhvr>
-                                      <p:tavLst>
-                                        <p:tav tm="0">
-                                          <p:val>
-                                            <p:fltVal val="0"/>
-                                          </p:val>
-                                        </p:tav>
-                                        <p:tav tm="100000">
-                                          <p:val>
-                                            <p:strVal val="#ppt_w"/>
-                                          </p:val>
-                                        </p:tav>
-                                      </p:tavLst>
-                                    </p:anim>
-                                    <p:anim calcmode="lin" valueType="num">
-                                      <p:cBhvr>
-                                        <p:cTn id="35" dur="1000" fill="hold"/>
-                                        <p:tgtEl>
-                                          <p:spTgt spid="13"/>
-                                        </p:tgtEl>
-                                        <p:attrNameLst>
-                                          <p:attrName>ppt_h</p:attrName>
-                                        </p:attrNameLst>
-                                      </p:cBhvr>
-                                      <p:tavLst>
-                                        <p:tav tm="0">
-                                          <p:val>
-                                            <p:fltVal val="0"/>
-                                          </p:val>
-                                        </p:tav>
-                                        <p:tav tm="100000">
-                                          <p:val>
-                                            <p:strVal val="#ppt_h"/>
-                                          </p:val>
-                                        </p:tav>
-                                      </p:tavLst>
-                                    </p:anim>
-                                    <p:animEffect transition="in" filter="fade">
-                                      <p:cBhvr>
-                                        <p:cTn id="36" dur="1000"/>
-                                        <p:tgtEl>
-                                          <p:spTgt spid="13"/>
-                                        </p:tgtEl>
-                                      </p:cBhvr>
-                                    </p:animEffect>
-                                  </p:childTnLst>
-                                </p:cTn>
-                              </p:par>
-                              <p:par>
-                                <p:cTn id="37" presetID="53" presetClass="entr" presetSubtype="16" fill="hold" grpId="0" nodeType="withEffect">
-                                  <p:stCondLst>
-                                    <p:cond delay="0"/>
-                                  </p:stCondLst>
-                                  <p:childTnLst>
-                                    <p:set>
-                                      <p:cBhvr>
-                                        <p:cTn id="38" dur="1" fill="hold">
-                                          <p:stCondLst>
-                                            <p:cond delay="0"/>
-                                          </p:stCondLst>
-                                        </p:cTn>
-                                        <p:tgtEl>
-                                          <p:spTgt spid="15"/>
-                                        </p:tgtEl>
-                                        <p:attrNameLst>
-                                          <p:attrName>style.visibility</p:attrName>
-                                        </p:attrNameLst>
-                                      </p:cBhvr>
-                                      <p:to>
-                                        <p:strVal val="visible"/>
-                                      </p:to>
-                                    </p:set>
-                                    <p:anim calcmode="lin" valueType="num">
-                                      <p:cBhvr>
-                                        <p:cTn id="39" dur="1000" fill="hold"/>
-                                        <p:tgtEl>
-                                          <p:spTgt spid="15"/>
-                                        </p:tgtEl>
-                                        <p:attrNameLst>
-                                          <p:attrName>ppt_w</p:attrName>
-                                        </p:attrNameLst>
-                                      </p:cBhvr>
-                                      <p:tavLst>
-                                        <p:tav tm="0">
-                                          <p:val>
-                                            <p:fltVal val="0"/>
-                                          </p:val>
-                                        </p:tav>
-                                        <p:tav tm="100000">
-                                          <p:val>
-                                            <p:strVal val="#ppt_w"/>
-                                          </p:val>
-                                        </p:tav>
-                                      </p:tavLst>
-                                    </p:anim>
-                                    <p:anim calcmode="lin" valueType="num">
-                                      <p:cBhvr>
-                                        <p:cTn id="40" dur="1000" fill="hold"/>
-                                        <p:tgtEl>
-                                          <p:spTgt spid="15"/>
-                                        </p:tgtEl>
-                                        <p:attrNameLst>
-                                          <p:attrName>ppt_h</p:attrName>
-                                        </p:attrNameLst>
-                                      </p:cBhvr>
-                                      <p:tavLst>
-                                        <p:tav tm="0">
-                                          <p:val>
-                                            <p:fltVal val="0"/>
-                                          </p:val>
-                                        </p:tav>
-                                        <p:tav tm="100000">
-                                          <p:val>
-                                            <p:strVal val="#ppt_h"/>
-                                          </p:val>
-                                        </p:tav>
-                                      </p:tavLst>
-                                    </p:anim>
-                                    <p:animEffect transition="in" filter="fade">
-                                      <p:cBhvr>
-                                        <p:cTn id="41" dur="1000"/>
-                                        <p:tgtEl>
-                                          <p:spTgt spid="15"/>
-                                        </p:tgtEl>
-                                      </p:cBhvr>
-                                    </p:animEffect>
-                                  </p:childTnLst>
-                                </p:cTn>
-                              </p:par>
-                            </p:childTnLst>
-                          </p:cTn>
-                        </p:par>
-                      </p:childTnLst>
-                    </p:cTn>
-                  </p:par>
-                </p:childTnLst>
-              </p:cTn>
-              <p:prevCondLst>
-                <p:cond evt="onPrev" delay="0">
-                  <p:tgtEl>
-                    <p:sldTgt/>
-                  </p:tgtEl>
-                </p:cond>
-              </p:prevCondLst>
-              <p:nextCondLst>
-                <p:cond evt="onNext" delay="0">
-                  <p:tgtEl>
-                    <p:sldTgt/>
-                  </p:tgtEl>
-                </p:cond>
-              </p:nextCondLst>
-            </p:seq>
-          </p:childTnLst>
-        </p:cTn>
-      </p:par>
-    </p:tnLst>
-    <p:bldLst>
-      <p:bldP spid="8" grpId="0" animBg="1"/>
-      <p:bldP spid="9" grpId="0" animBg="1"/>
-      <p:bldP spid="10" grpId="0" animBg="1"/>
-      <p:bldP spid="11" grpId="0" animBg="1"/>
-      <p:bldP spid="12" grpId="0" animBg="1"/>
-      <p:bldP spid="13" grpId="0" animBg="1"/>
-      <p:bldP spid="14" grpId="0" animBg="1"/>
-      <p:bldP spid="15" grpId="0" animBg="1"/>
     </p:bldLst>
   </p:timing>
 </p:sld>
